--- a/WDSR - ćwiczenie 5.pptx
+++ b/WDSR - ćwiczenie 5.pptx
@@ -134,7 +134,7 @@
   </p:defaultTextStyle>
   <p:extLst>
     <p:ext uri="{EFAFB233-063F-42B5-8137-9DF3F51BA10A}">
-      <p15:sldGuideLst xmlns:p15="http://schemas.microsoft.com/office/powerpoint/2012/main">
+      <p15:sldGuideLst xmlns:p15="http://schemas.microsoft.com/office/powerpoint/2012/main" xmlns="">
         <p15:guide id="1" orient="horz" pos="1620">
           <p15:clr>
             <a:srgbClr val="A4A3A4"/>
@@ -168,7 +168,7 @@
       </p15:sldGuideLst>
     </p:ext>
     <p:ext uri="{2D200454-40CA-4A62-9FC3-DE9A4176ACB9}">
-      <p15:notesGuideLst xmlns:p15="http://schemas.microsoft.com/office/powerpoint/2012/main"/>
+      <p15:notesGuideLst xmlns:p15="http://schemas.microsoft.com/office/powerpoint/2012/main" xmlns=""/>
     </p:ext>
   </p:extLst>
 </p:presentation>
@@ -263,7 +263,7 @@
             <a:fld id="{C4843D26-F355-3844-A4EF-19D4FD875597}" type="datetimeFigureOut">
               <a:rPr lang="de-DE" smtClean="0"/>
               <a:pPr/>
-              <a:t>23.05.2016</a:t>
+              <a:t>06.05.2017</a:t>
             </a:fld>
             <a:endParaRPr lang="de-DE" dirty="0"/>
           </a:p>
@@ -339,7 +339,7 @@
     </p:spTree>
     <p:extLst>
       <p:ext uri="{BB962C8B-B14F-4D97-AF65-F5344CB8AC3E}">
-        <p14:creationId xmlns:p14="http://schemas.microsoft.com/office/powerpoint/2010/main" val="1863735379"/>
+        <p14:creationId xmlns:p14="http://schemas.microsoft.com/office/powerpoint/2010/main" xmlns="" val="1863735379"/>
       </p:ext>
     </p:extLst>
   </p:cSld>
@@ -431,7 +431,7 @@
             <a:fld id="{8E2CFE12-C1FB-D740-8B6C-AFB72D5D4002}" type="datetimeFigureOut">
               <a:rPr lang="de-DE" smtClean="0"/>
               <a:pPr/>
-              <a:t>23.05.2016</a:t>
+              <a:t>06.05.2017</a:t>
             </a:fld>
             <a:endParaRPr lang="de-DE" dirty="0"/>
           </a:p>
@@ -600,7 +600,7 @@
     </p:spTree>
     <p:extLst>
       <p:ext uri="{BB962C8B-B14F-4D97-AF65-F5344CB8AC3E}">
-        <p14:creationId xmlns:p14="http://schemas.microsoft.com/office/powerpoint/2010/main" val="1832403913"/>
+        <p14:creationId xmlns:p14="http://schemas.microsoft.com/office/powerpoint/2010/main" xmlns="" val="1832403913"/>
       </p:ext>
     </p:extLst>
   </p:cSld>
@@ -778,7 +778,7 @@
     </p:spTree>
     <p:extLst>
       <p:ext uri="{BB962C8B-B14F-4D97-AF65-F5344CB8AC3E}">
-        <p14:creationId xmlns:p14="http://schemas.microsoft.com/office/powerpoint/2010/main" val="1775613547"/>
+        <p14:creationId xmlns:p14="http://schemas.microsoft.com/office/powerpoint/2010/main" xmlns="" val="1775613547"/>
       </p:ext>
     </p:extLst>
   </p:cSld>
@@ -865,7 +865,7 @@
     </p:spTree>
     <p:extLst>
       <p:ext uri="{BB962C8B-B14F-4D97-AF65-F5344CB8AC3E}">
-        <p14:creationId xmlns:p14="http://schemas.microsoft.com/office/powerpoint/2010/main" val="2600546032"/>
+        <p14:creationId xmlns:p14="http://schemas.microsoft.com/office/powerpoint/2010/main" xmlns="" val="2600546032"/>
       </p:ext>
     </p:extLst>
   </p:cSld>
@@ -952,7 +952,7 @@
     </p:spTree>
     <p:extLst>
       <p:ext uri="{BB962C8B-B14F-4D97-AF65-F5344CB8AC3E}">
-        <p14:creationId xmlns:p14="http://schemas.microsoft.com/office/powerpoint/2010/main" val="1337801463"/>
+        <p14:creationId xmlns:p14="http://schemas.microsoft.com/office/powerpoint/2010/main" xmlns="" val="1337801463"/>
       </p:ext>
     </p:extLst>
   </p:cSld>
@@ -1039,7 +1039,7 @@
     </p:spTree>
     <p:extLst>
       <p:ext uri="{BB962C8B-B14F-4D97-AF65-F5344CB8AC3E}">
-        <p14:creationId xmlns:p14="http://schemas.microsoft.com/office/powerpoint/2010/main" val="1775613547"/>
+        <p14:creationId xmlns:p14="http://schemas.microsoft.com/office/powerpoint/2010/main" xmlns="" val="1775613547"/>
       </p:ext>
     </p:extLst>
   </p:cSld>
@@ -1126,7 +1126,7 @@
     </p:spTree>
     <p:extLst>
       <p:ext uri="{BB962C8B-B14F-4D97-AF65-F5344CB8AC3E}">
-        <p14:creationId xmlns:p14="http://schemas.microsoft.com/office/powerpoint/2010/main" val="1775613547"/>
+        <p14:creationId xmlns:p14="http://schemas.microsoft.com/office/powerpoint/2010/main" xmlns="" val="1775613547"/>
       </p:ext>
     </p:extLst>
   </p:cSld>
@@ -1213,7 +1213,7 @@
     </p:spTree>
     <p:extLst>
       <p:ext uri="{BB962C8B-B14F-4D97-AF65-F5344CB8AC3E}">
-        <p14:creationId xmlns:p14="http://schemas.microsoft.com/office/powerpoint/2010/main" val="1775613547"/>
+        <p14:creationId xmlns:p14="http://schemas.microsoft.com/office/powerpoint/2010/main" xmlns="" val="1775613547"/>
       </p:ext>
     </p:extLst>
   </p:cSld>
@@ -1300,7 +1300,7 @@
     </p:spTree>
     <p:extLst>
       <p:ext uri="{BB962C8B-B14F-4D97-AF65-F5344CB8AC3E}">
-        <p14:creationId xmlns:p14="http://schemas.microsoft.com/office/powerpoint/2010/main" val="1883132698"/>
+        <p14:creationId xmlns:p14="http://schemas.microsoft.com/office/powerpoint/2010/main" xmlns="" val="1883132698"/>
       </p:ext>
     </p:extLst>
   </p:cSld>
@@ -1387,7 +1387,7 @@
     </p:spTree>
     <p:extLst>
       <p:ext uri="{BB962C8B-B14F-4D97-AF65-F5344CB8AC3E}">
-        <p14:creationId xmlns:p14="http://schemas.microsoft.com/office/powerpoint/2010/main" val="1883132698"/>
+        <p14:creationId xmlns:p14="http://schemas.microsoft.com/office/powerpoint/2010/main" xmlns="" val="1883132698"/>
       </p:ext>
     </p:extLst>
   </p:cSld>
@@ -1474,7 +1474,7 @@
     </p:spTree>
     <p:extLst>
       <p:ext uri="{BB962C8B-B14F-4D97-AF65-F5344CB8AC3E}">
-        <p14:creationId xmlns:p14="http://schemas.microsoft.com/office/powerpoint/2010/main" val="1883132698"/>
+        <p14:creationId xmlns:p14="http://schemas.microsoft.com/office/powerpoint/2010/main" xmlns="" val="1883132698"/>
       </p:ext>
     </p:extLst>
   </p:cSld>
@@ -1561,7 +1561,7 @@
     </p:spTree>
     <p:extLst>
       <p:ext uri="{BB962C8B-B14F-4D97-AF65-F5344CB8AC3E}">
-        <p14:creationId xmlns:p14="http://schemas.microsoft.com/office/powerpoint/2010/main" val="1883132698"/>
+        <p14:creationId xmlns:p14="http://schemas.microsoft.com/office/powerpoint/2010/main" xmlns="" val="1883132698"/>
       </p:ext>
     </p:extLst>
   </p:cSld>
@@ -1648,7 +1648,7 @@
     </p:spTree>
     <p:extLst>
       <p:ext uri="{BB962C8B-B14F-4D97-AF65-F5344CB8AC3E}">
-        <p14:creationId xmlns:p14="http://schemas.microsoft.com/office/powerpoint/2010/main" val="1883132698"/>
+        <p14:creationId xmlns:p14="http://schemas.microsoft.com/office/powerpoint/2010/main" xmlns="" val="1883132698"/>
       </p:ext>
     </p:extLst>
   </p:cSld>
@@ -1735,7 +1735,7 @@
     </p:spTree>
     <p:extLst>
       <p:ext uri="{BB962C8B-B14F-4D97-AF65-F5344CB8AC3E}">
-        <p14:creationId xmlns:p14="http://schemas.microsoft.com/office/powerpoint/2010/main" val="1775613547"/>
+        <p14:creationId xmlns:p14="http://schemas.microsoft.com/office/powerpoint/2010/main" xmlns="" val="1775613547"/>
       </p:ext>
     </p:extLst>
   </p:cSld>
@@ -1822,7 +1822,7 @@
     </p:spTree>
     <p:extLst>
       <p:ext uri="{BB962C8B-B14F-4D97-AF65-F5344CB8AC3E}">
-        <p14:creationId xmlns:p14="http://schemas.microsoft.com/office/powerpoint/2010/main" val="1883132698"/>
+        <p14:creationId xmlns:p14="http://schemas.microsoft.com/office/powerpoint/2010/main" xmlns="" val="1883132698"/>
       </p:ext>
     </p:extLst>
   </p:cSld>
@@ -1909,7 +1909,7 @@
     </p:spTree>
     <p:extLst>
       <p:ext uri="{BB962C8B-B14F-4D97-AF65-F5344CB8AC3E}">
-        <p14:creationId xmlns:p14="http://schemas.microsoft.com/office/powerpoint/2010/main" val="1529376990"/>
+        <p14:creationId xmlns:p14="http://schemas.microsoft.com/office/powerpoint/2010/main" xmlns="" val="1529376990"/>
       </p:ext>
     </p:extLst>
   </p:cSld>
@@ -1996,7 +1996,7 @@
     </p:spTree>
     <p:extLst>
       <p:ext uri="{BB962C8B-B14F-4D97-AF65-F5344CB8AC3E}">
-        <p14:creationId xmlns:p14="http://schemas.microsoft.com/office/powerpoint/2010/main" val="1775613547"/>
+        <p14:creationId xmlns:p14="http://schemas.microsoft.com/office/powerpoint/2010/main" xmlns="" val="1775613547"/>
       </p:ext>
     </p:extLst>
   </p:cSld>
@@ -2083,7 +2083,7 @@
     </p:spTree>
     <p:extLst>
       <p:ext uri="{BB962C8B-B14F-4D97-AF65-F5344CB8AC3E}">
-        <p14:creationId xmlns:p14="http://schemas.microsoft.com/office/powerpoint/2010/main" val="1775613547"/>
+        <p14:creationId xmlns:p14="http://schemas.microsoft.com/office/powerpoint/2010/main" xmlns="" val="1775613547"/>
       </p:ext>
     </p:extLst>
   </p:cSld>
@@ -2170,7 +2170,7 @@
     </p:spTree>
     <p:extLst>
       <p:ext uri="{BB962C8B-B14F-4D97-AF65-F5344CB8AC3E}">
-        <p14:creationId xmlns:p14="http://schemas.microsoft.com/office/powerpoint/2010/main" val="1775613547"/>
+        <p14:creationId xmlns:p14="http://schemas.microsoft.com/office/powerpoint/2010/main" xmlns="" val="1775613547"/>
       </p:ext>
     </p:extLst>
   </p:cSld>
@@ -2257,7 +2257,7 @@
     </p:spTree>
     <p:extLst>
       <p:ext uri="{BB962C8B-B14F-4D97-AF65-F5344CB8AC3E}">
-        <p14:creationId xmlns:p14="http://schemas.microsoft.com/office/powerpoint/2010/main" val="1775613547"/>
+        <p14:creationId xmlns:p14="http://schemas.microsoft.com/office/powerpoint/2010/main" xmlns="" val="1775613547"/>
       </p:ext>
     </p:extLst>
   </p:cSld>
@@ -2344,7 +2344,7 @@
     </p:spTree>
     <p:extLst>
       <p:ext uri="{BB962C8B-B14F-4D97-AF65-F5344CB8AC3E}">
-        <p14:creationId xmlns:p14="http://schemas.microsoft.com/office/powerpoint/2010/main" val="1775613547"/>
+        <p14:creationId xmlns:p14="http://schemas.microsoft.com/office/powerpoint/2010/main" xmlns="" val="1775613547"/>
       </p:ext>
     </p:extLst>
   </p:cSld>
@@ -2431,7 +2431,7 @@
     </p:spTree>
     <p:extLst>
       <p:ext uri="{BB962C8B-B14F-4D97-AF65-F5344CB8AC3E}">
-        <p14:creationId xmlns:p14="http://schemas.microsoft.com/office/powerpoint/2010/main" val="1775613547"/>
+        <p14:creationId xmlns:p14="http://schemas.microsoft.com/office/powerpoint/2010/main" xmlns="" val="1775613547"/>
       </p:ext>
     </p:extLst>
   </p:cSld>
@@ -2518,7 +2518,7 @@
     </p:spTree>
     <p:extLst>
       <p:ext uri="{BB962C8B-B14F-4D97-AF65-F5344CB8AC3E}">
-        <p14:creationId xmlns:p14="http://schemas.microsoft.com/office/powerpoint/2010/main" val="1775613547"/>
+        <p14:creationId xmlns:p14="http://schemas.microsoft.com/office/powerpoint/2010/main" xmlns="" val="1775613547"/>
       </p:ext>
     </p:extLst>
   </p:cSld>
@@ -2557,7 +2557,7 @@
           <a:blip r:embed="rId2">
             <a:extLst>
               <a:ext uri="{28A0092B-C50C-407E-A947-70E740481C1C}">
-                <a14:useLocalDpi xmlns:a14="http://schemas.microsoft.com/office/drawing/2010/main" val="0"/>
+                <a14:useLocalDpi xmlns:a14="http://schemas.microsoft.com/office/drawing/2010/main" xmlns="" val="0"/>
               </a:ext>
             </a:extLst>
           </a:blip>
@@ -2871,7 +2871,7 @@
           <a:blip r:embed="rId3">
             <a:extLst>
               <a:ext uri="{28A0092B-C50C-407E-A947-70E740481C1C}">
-                <a14:useLocalDpi xmlns:a14="http://schemas.microsoft.com/office/drawing/2010/main" val="0"/>
+                <a14:useLocalDpi xmlns:a14="http://schemas.microsoft.com/office/drawing/2010/main" xmlns="" val="0"/>
               </a:ext>
             </a:extLst>
           </a:blip>
@@ -2891,7 +2891,7 @@
           <a:noFill/>
           <a:extLst>
             <a:ext uri="{909E8E84-426E-40DD-AFC4-6F175D3DCCD1}">
-              <a14:hiddenFill xmlns:a14="http://schemas.microsoft.com/office/drawing/2010/main">
+              <a14:hiddenFill xmlns:a14="http://schemas.microsoft.com/office/drawing/2010/main" xmlns="">
                 <a:solidFill>
                   <a:srgbClr val="FFFFFF"/>
                 </a:solidFill>
@@ -2903,7 +2903,7 @@
     </p:spTree>
     <p:extLst>
       <p:ext uri="{BB962C8B-B14F-4D97-AF65-F5344CB8AC3E}">
-        <p14:creationId xmlns:p14="http://schemas.microsoft.com/office/powerpoint/2010/main" val="2032434000"/>
+        <p14:creationId xmlns:p14="http://schemas.microsoft.com/office/powerpoint/2010/main" xmlns="" val="2032434000"/>
       </p:ext>
     </p:extLst>
   </p:cSld>
@@ -2949,7 +2949,7 @@
           <a:blip r:embed="rId2">
             <a:extLst>
               <a:ext uri="{28A0092B-C50C-407E-A947-70E740481C1C}">
-                <a14:useLocalDpi xmlns:a14="http://schemas.microsoft.com/office/drawing/2010/main" val="0"/>
+                <a14:useLocalDpi xmlns:a14="http://schemas.microsoft.com/office/drawing/2010/main" xmlns="" val="0"/>
               </a:ext>
             </a:extLst>
           </a:blip>
@@ -3245,7 +3245,7 @@
           <a:blip r:embed="rId3">
             <a:extLst>
               <a:ext uri="{28A0092B-C50C-407E-A947-70E740481C1C}">
-                <a14:useLocalDpi xmlns:a14="http://schemas.microsoft.com/office/drawing/2010/main" val="0"/>
+                <a14:useLocalDpi xmlns:a14="http://schemas.microsoft.com/office/drawing/2010/main" xmlns="" val="0"/>
               </a:ext>
             </a:extLst>
           </a:blip>
@@ -3265,7 +3265,7 @@
           <a:noFill/>
           <a:extLst>
             <a:ext uri="{909E8E84-426E-40DD-AFC4-6F175D3DCCD1}">
-              <a14:hiddenFill xmlns:a14="http://schemas.microsoft.com/office/drawing/2010/main">
+              <a14:hiddenFill xmlns:a14="http://schemas.microsoft.com/office/drawing/2010/main" xmlns="">
                 <a:solidFill>
                   <a:srgbClr val="FFFFFF"/>
                 </a:solidFill>
@@ -3277,7 +3277,7 @@
     </p:spTree>
     <p:extLst>
       <p:ext uri="{BB962C8B-B14F-4D97-AF65-F5344CB8AC3E}">
-        <p14:creationId xmlns:p14="http://schemas.microsoft.com/office/powerpoint/2010/main" val="707728385"/>
+        <p14:creationId xmlns:p14="http://schemas.microsoft.com/office/powerpoint/2010/main" xmlns="" val="707728385"/>
       </p:ext>
     </p:extLst>
   </p:cSld>
@@ -3293,7 +3293,7 @@
   </p:timing>
   <p:extLst mod="1">
     <p:ext uri="{DCECCB84-F9BA-43D5-87BE-67443E8EF086}">
-      <p15:sldGuideLst xmlns:p15="http://schemas.microsoft.com/office/powerpoint/2012/main">
+      <p15:sldGuideLst xmlns:p15="http://schemas.microsoft.com/office/powerpoint/2012/main" xmlns="">
         <p15:guide id="1" orient="horz" pos="1221">
           <p15:clr>
             <a:srgbClr val="C35EA4"/>
@@ -3334,7 +3334,7 @@
           <a:blip r:embed="rId2">
             <a:extLst>
               <a:ext uri="{28A0092B-C50C-407E-A947-70E740481C1C}">
-                <a14:useLocalDpi xmlns:a14="http://schemas.microsoft.com/office/drawing/2010/main" val="0"/>
+                <a14:useLocalDpi xmlns:a14="http://schemas.microsoft.com/office/drawing/2010/main" xmlns="" val="0"/>
               </a:ext>
             </a:extLst>
           </a:blip>
@@ -3585,7 +3585,7 @@
           <a:blip r:embed="rId3">
             <a:extLst>
               <a:ext uri="{28A0092B-C50C-407E-A947-70E740481C1C}">
-                <a14:useLocalDpi xmlns:a14="http://schemas.microsoft.com/office/drawing/2010/main" val="0"/>
+                <a14:useLocalDpi xmlns:a14="http://schemas.microsoft.com/office/drawing/2010/main" xmlns="" val="0"/>
               </a:ext>
             </a:extLst>
           </a:blip>
@@ -3605,7 +3605,7 @@
           <a:noFill/>
           <a:extLst>
             <a:ext uri="{909E8E84-426E-40DD-AFC4-6F175D3DCCD1}">
-              <a14:hiddenFill xmlns:a14="http://schemas.microsoft.com/office/drawing/2010/main">
+              <a14:hiddenFill xmlns:a14="http://schemas.microsoft.com/office/drawing/2010/main" xmlns="">
                 <a:solidFill>
                   <a:srgbClr val="FFFFFF"/>
                 </a:solidFill>
@@ -3617,7 +3617,7 @@
     </p:spTree>
     <p:extLst>
       <p:ext uri="{BB962C8B-B14F-4D97-AF65-F5344CB8AC3E}">
-        <p14:creationId xmlns:p14="http://schemas.microsoft.com/office/powerpoint/2010/main" val="3130113218"/>
+        <p14:creationId xmlns:p14="http://schemas.microsoft.com/office/powerpoint/2010/main" xmlns="" val="3130113218"/>
       </p:ext>
     </p:extLst>
   </p:cSld>
@@ -3626,7 +3626,7 @@
   </p:clrMapOvr>
   <p:extLst mod="1">
     <p:ext uri="{DCECCB84-F9BA-43D5-87BE-67443E8EF086}">
-      <p15:sldGuideLst xmlns:p15="http://schemas.microsoft.com/office/powerpoint/2012/main">
+      <p15:sldGuideLst xmlns:p15="http://schemas.microsoft.com/office/powerpoint/2012/main" xmlns="">
         <p15:guide id="1" orient="horz" pos="1221">
           <p15:clr>
             <a:srgbClr val="C35EA4"/>
@@ -3780,7 +3780,7 @@
     </p:spTree>
     <p:extLst>
       <p:ext uri="{BB962C8B-B14F-4D97-AF65-F5344CB8AC3E}">
-        <p14:creationId xmlns:p14="http://schemas.microsoft.com/office/powerpoint/2010/main" val="2626482632"/>
+        <p14:creationId xmlns:p14="http://schemas.microsoft.com/office/powerpoint/2010/main" xmlns="" val="2626482632"/>
       </p:ext>
     </p:extLst>
   </p:cSld>
@@ -4001,7 +4001,7 @@
     </p:spTree>
     <p:extLst>
       <p:ext uri="{BB962C8B-B14F-4D97-AF65-F5344CB8AC3E}">
-        <p14:creationId xmlns:p14="http://schemas.microsoft.com/office/powerpoint/2010/main" val="3371847988"/>
+        <p14:creationId xmlns:p14="http://schemas.microsoft.com/office/powerpoint/2010/main" xmlns="" val="3371847988"/>
       </p:ext>
     </p:extLst>
   </p:cSld>
@@ -4217,7 +4217,7 @@
     </p:spTree>
     <p:extLst>
       <p:ext uri="{BB962C8B-B14F-4D97-AF65-F5344CB8AC3E}">
-        <p14:creationId xmlns:p14="http://schemas.microsoft.com/office/powerpoint/2010/main" val="4208395069"/>
+        <p14:creationId xmlns:p14="http://schemas.microsoft.com/office/powerpoint/2010/main" xmlns="" val="4208395069"/>
       </p:ext>
     </p:extLst>
   </p:cSld>
@@ -4313,7 +4313,7 @@
     </p:spTree>
     <p:extLst>
       <p:ext uri="{BB962C8B-B14F-4D97-AF65-F5344CB8AC3E}">
-        <p14:creationId xmlns:p14="http://schemas.microsoft.com/office/powerpoint/2010/main" val="2097094422"/>
+        <p14:creationId xmlns:p14="http://schemas.microsoft.com/office/powerpoint/2010/main" xmlns="" val="2097094422"/>
       </p:ext>
     </p:extLst>
   </p:cSld>
@@ -4347,12 +4347,9 @@
             <a:graphicFrameLocks noChangeAspect="1"/>
           </p:cNvGraphicFramePr>
           <p:nvPr userDrawn="1">
-            <p:custDataLst>
-              <p:tags r:id="rId2"/>
-            </p:custDataLst>
             <p:extLst>
               <p:ext uri="{D42A27DB-BD31-4B8C-83A1-F6EECF244321}">
-                <p14:modId xmlns:p14="http://schemas.microsoft.com/office/powerpoint/2010/main" val="2766779821"/>
+                <p14:modId xmlns:p14="http://schemas.microsoft.com/office/powerpoint/2010/main" xmlns="" val="2766779821"/>
               </p:ext>
             </p:extLst>
           </p:nvPr>
@@ -4363,40 +4360,9 @@
         </p:xfrm>
         <a:graphic>
           <a:graphicData uri="http://schemas.openxmlformats.org/presentationml/2006/ole">
-            <mc:AlternateContent xmlns:mc="http://schemas.openxmlformats.org/markup-compatibility/2006">
-              <mc:Choice xmlns:v="urn:schemas-microsoft-com:vml" Requires="v">
-                <p:oleObj spid="_x0000_s2385" name="think-cell Folie" r:id="rId4" imgW="305" imgH="303" progId="TCLayout.ActiveDocument.1">
-                  <p:embed/>
-                </p:oleObj>
-              </mc:Choice>
-              <mc:Fallback>
-                <p:oleObj name="think-cell Folie" r:id="rId4" imgW="305" imgH="303" progId="TCLayout.ActiveDocument.1">
-                  <p:embed/>
-                  <p:pic>
-                    <p:nvPicPr>
-                      <p:cNvPr id="0" name=""/>
-                      <p:cNvPicPr/>
-                      <p:nvPr/>
-                    </p:nvPicPr>
-                    <p:blipFill>
-                      <a:blip r:embed="rId5"/>
-                      <a:stretch>
-                        <a:fillRect/>
-                      </a:stretch>
-                    </p:blipFill>
-                    <p:spPr>
-                      <a:xfrm>
-                        <a:off x="1588" y="1588"/>
-                        <a:ext cx="1587" cy="1587"/>
-                      </a:xfrm>
-                      <a:prstGeom prst="rect">
-                        <a:avLst/>
-                      </a:prstGeom>
-                    </p:spPr>
-                  </p:pic>
-                </p:oleObj>
-              </mc:Fallback>
-            </mc:AlternateContent>
+            <p:oleObj spid="_x0000_s2385" name="think-cell Folie" r:id="rId3" imgW="360" imgH="360" progId="">
+              <p:embed/>
+            </p:oleObj>
           </a:graphicData>
         </a:graphic>
       </p:graphicFrame>
@@ -4409,10 +4375,10 @@
           <p:nvPr userDrawn="1"/>
         </p:nvPicPr>
         <p:blipFill rotWithShape="1">
-          <a:blip r:embed="rId6">
+          <a:blip r:embed="rId4">
             <a:extLst>
               <a:ext uri="{28A0092B-C50C-407E-A947-70E740481C1C}">
-                <a14:useLocalDpi xmlns:a14="http://schemas.microsoft.com/office/drawing/2010/main" val="0"/>
+                <a14:useLocalDpi xmlns:a14="http://schemas.microsoft.com/office/drawing/2010/main" xmlns="" val="0"/>
               </a:ext>
             </a:extLst>
           </a:blip>
@@ -4438,7 +4404,7 @@
           <p:nvPr userDrawn="1"/>
         </p:nvPicPr>
         <p:blipFill>
-          <a:blip r:embed="rId7"/>
+          <a:blip r:embed="rId5"/>
           <a:stretch>
             <a:fillRect/>
           </a:stretch>
@@ -4664,7 +4630,7 @@
     </p:spTree>
     <p:extLst>
       <p:ext uri="{BB962C8B-B14F-4D97-AF65-F5344CB8AC3E}">
-        <p14:creationId xmlns:p14="http://schemas.microsoft.com/office/powerpoint/2010/main" val="2060546820"/>
+        <p14:creationId xmlns:p14="http://schemas.microsoft.com/office/powerpoint/2010/main" xmlns="" val="2060546820"/>
       </p:ext>
     </p:extLst>
   </p:cSld>
@@ -4705,10 +4671,10 @@
           <p:nvPr/>
         </p:nvPicPr>
         <p:blipFill>
-          <a:blip r:embed="rId12">
+          <a:blip r:embed="rId11">
             <a:extLst>
               <a:ext uri="{28A0092B-C50C-407E-A947-70E740481C1C}">
-                <a14:useLocalDpi xmlns:a14="http://schemas.microsoft.com/office/drawing/2010/main" val="0"/>
+                <a14:useLocalDpi xmlns:a14="http://schemas.microsoft.com/office/drawing/2010/main" xmlns="" val="0"/>
               </a:ext>
             </a:extLst>
           </a:blip>
@@ -4728,7 +4694,7 @@
           <a:noFill/>
           <a:extLst>
             <a:ext uri="{909E8E84-426E-40DD-AFC4-6F175D3DCCD1}">
-              <a14:hiddenFill xmlns:a14="http://schemas.microsoft.com/office/drawing/2010/main">
+              <a14:hiddenFill xmlns:a14="http://schemas.microsoft.com/office/drawing/2010/main" xmlns="">
                 <a:solidFill>
                   <a:srgbClr val="FFFFFF"/>
                 </a:solidFill>
@@ -4744,12 +4710,9 @@
             <a:graphicFrameLocks noChangeAspect="1"/>
           </p:cNvGraphicFramePr>
           <p:nvPr>
-            <p:custDataLst>
-              <p:tags r:id="rId11"/>
-            </p:custDataLst>
             <p:extLst>
               <p:ext uri="{D42A27DB-BD31-4B8C-83A1-F6EECF244321}">
-                <p14:modId xmlns:p14="http://schemas.microsoft.com/office/powerpoint/2010/main" val="2610759032"/>
+                <p14:modId xmlns:p14="http://schemas.microsoft.com/office/powerpoint/2010/main" xmlns="" val="2610759032"/>
               </p:ext>
             </p:extLst>
           </p:nvPr>
@@ -4760,40 +4723,9 @@
         </p:xfrm>
         <a:graphic>
           <a:graphicData uri="http://schemas.openxmlformats.org/presentationml/2006/ole">
-            <mc:AlternateContent xmlns:mc="http://schemas.openxmlformats.org/markup-compatibility/2006">
-              <mc:Choice xmlns:v="urn:schemas-microsoft-com:vml" Requires="v">
-                <p:oleObj spid="_x0000_s1366" name="think-cell Folie" r:id="rId13" imgW="305" imgH="303" progId="TCLayout.ActiveDocument.1">
-                  <p:embed/>
-                </p:oleObj>
-              </mc:Choice>
-              <mc:Fallback>
-                <p:oleObj name="think-cell Folie" r:id="rId13" imgW="305" imgH="303" progId="TCLayout.ActiveDocument.1">
-                  <p:embed/>
-                  <p:pic>
-                    <p:nvPicPr>
-                      <p:cNvPr id="0" name=""/>
-                      <p:cNvPicPr/>
-                      <p:nvPr/>
-                    </p:nvPicPr>
-                    <p:blipFill>
-                      <a:blip r:embed="rId14"/>
-                      <a:stretch>
-                        <a:fillRect/>
-                      </a:stretch>
-                    </p:blipFill>
-                    <p:spPr>
-                      <a:xfrm>
-                        <a:off x="1588" y="1588"/>
-                        <a:ext cx="1587" cy="1587"/>
-                      </a:xfrm>
-                      <a:prstGeom prst="rect">
-                        <a:avLst/>
-                      </a:prstGeom>
-                    </p:spPr>
-                  </p:pic>
-                </p:oleObj>
-              </mc:Fallback>
-            </mc:AlternateContent>
+            <p:oleObj spid="_x0000_s1366" name="think-cell Folie" r:id="rId12" imgW="360" imgH="360" progId="">
+              <p:embed/>
+            </p:oleObj>
           </a:graphicData>
         </a:graphic>
       </p:graphicFrame>
@@ -5651,7 +5583,7 @@
     </p:spTree>
     <p:extLst>
       <p:ext uri="{BB962C8B-B14F-4D97-AF65-F5344CB8AC3E}">
-        <p14:creationId xmlns:p14="http://schemas.microsoft.com/office/powerpoint/2010/main" val="2955847980"/>
+        <p14:creationId xmlns:p14="http://schemas.microsoft.com/office/powerpoint/2010/main" xmlns="" val="2955847980"/>
       </p:ext>
     </p:extLst>
   </p:cSld>
@@ -5970,7 +5902,7 @@
   </p:txStyles>
   <p:extLst mod="1">
     <p:ext uri="{27BBF7A9-308A-43DC-89C8-2F10F3537804}">
-      <p15:sldGuideLst xmlns:p15="http://schemas.microsoft.com/office/powerpoint/2012/main">
+      <p15:sldGuideLst xmlns:p15="http://schemas.microsoft.com/office/powerpoint/2012/main" xmlns="">
         <p15:guide id="1" pos="283">
           <p15:clr>
             <a:srgbClr val="FBAE40"/>
@@ -6073,8 +6005,8 @@
         </p:nvSpPr>
         <p:spPr>
           <a:xfrm>
-            <a:off x="976312" y="4178885"/>
-            <a:ext cx="5232400" cy="507831"/>
+            <a:off x="976312" y="4009608"/>
+            <a:ext cx="5232400" cy="677108"/>
           </a:xfrm>
         </p:spPr>
         <p:txBody>
@@ -6083,20 +6015,43 @@
           <a:p>
             <a:r>
               <a:rPr lang="pl-PL" dirty="0" smtClean="0"/>
-              <a:t>Marek Strejczek</a:t>
+              <a:t>Prowadzący: Mateusz Kołodziejski</a:t>
+            </a:r>
+          </a:p>
+          <a:p>
+            <a:r>
+              <a:rPr lang="pl-PL" dirty="0" smtClean="0"/>
+              <a:t>Materiały: </a:t>
+            </a:r>
+            <a:r>
+              <a:rPr lang="pl-PL" dirty="0" smtClean="0"/>
+              <a:t>Marek </a:t>
+            </a:r>
+            <a:r>
+              <a:rPr lang="pl-PL" dirty="0" smtClean="0"/>
+              <a:t>Strejczek</a:t>
             </a:r>
             <a:endParaRPr lang="de-DE" dirty="0" smtClean="0"/>
           </a:p>
           <a:p>
             <a:r>
               <a:rPr lang="pl-PL" dirty="0" smtClean="0"/>
-              <a:t>Lato 2016</a:t>
-            </a:r>
-          </a:p>
-          <a:p>
-            <a:r>
-              <a:rPr lang="pl-PL" smtClean="0"/>
-              <a:t>Wersja 1.1</a:t>
+              <a:t>Lato </a:t>
+            </a:r>
+            <a:r>
+              <a:rPr lang="pl-PL" dirty="0" smtClean="0"/>
+              <a:t>2017</a:t>
+            </a:r>
+            <a:endParaRPr lang="pl-PL" dirty="0" smtClean="0"/>
+          </a:p>
+          <a:p>
+            <a:r>
+              <a:rPr lang="pl-PL" dirty="0" smtClean="0"/>
+              <a:t>Wersja </a:t>
+            </a:r>
+            <a:r>
+              <a:rPr lang="pl-PL" dirty="0" smtClean="0"/>
+              <a:t>2.0</a:t>
             </a:r>
             <a:endParaRPr lang="de-DE" dirty="0"/>
           </a:p>
@@ -6105,7 +6060,7 @@
     </p:spTree>
     <p:extLst>
       <p:ext uri="{BB962C8B-B14F-4D97-AF65-F5344CB8AC3E}">
-        <p14:creationId xmlns:p14="http://schemas.microsoft.com/office/powerpoint/2010/main" val="3230101943"/>
+        <p14:creationId xmlns:p14="http://schemas.microsoft.com/office/powerpoint/2010/main" xmlns="" val="3230101943"/>
       </p:ext>
     </p:extLst>
   </p:cSld>
@@ -6195,7 +6150,7 @@
             <p:ph idx="1"/>
             <p:extLst>
               <p:ext uri="{D42A27DB-BD31-4B8C-83A1-F6EECF244321}">
-                <p14:modId xmlns:p14="http://schemas.microsoft.com/office/powerpoint/2010/main" val="553348653"/>
+                <p14:modId xmlns:p14="http://schemas.microsoft.com/office/powerpoint/2010/main" xmlns="" val="553348653"/>
               </p:ext>
             </p:extLst>
           </p:nvPr>
@@ -6347,7 +6302,7 @@
           <p:nvPr>
             <p:extLst>
               <p:ext uri="{D42A27DB-BD31-4B8C-83A1-F6EECF244321}">
-                <p14:modId xmlns:p14="http://schemas.microsoft.com/office/powerpoint/2010/main" val="881490090"/>
+                <p14:modId xmlns:p14="http://schemas.microsoft.com/office/powerpoint/2010/main" xmlns="" val="881490090"/>
               </p:ext>
             </p:extLst>
           </p:nvPr>
@@ -6924,18 +6879,18 @@
     </p:spTree>
     <p:extLst>
       <p:ext uri="{BB962C8B-B14F-4D97-AF65-F5344CB8AC3E}">
-        <p14:creationId xmlns:p14="http://schemas.microsoft.com/office/powerpoint/2010/main" val="3393659555"/>
+        <p14:creationId xmlns:p14="http://schemas.microsoft.com/office/powerpoint/2010/main" xmlns="" val="3393659555"/>
       </p:ext>
     </p:extLst>
   </p:cSld>
   <p:clrMapOvr>
     <a:masterClrMapping/>
   </p:clrMapOvr>
-  <mc:AlternateContent xmlns:mc="http://schemas.openxmlformats.org/markup-compatibility/2006" xmlns:p14="http://schemas.microsoft.com/office/powerpoint/2010/main">
-    <mc:Choice Requires="p14">
+  <mc:AlternateContent xmlns:mc="http://schemas.openxmlformats.org/markup-compatibility/2006">
+    <mc:Choice xmlns:p14="http://schemas.microsoft.com/office/powerpoint/2010/main" xmlns="" Requires="p14">
       <p:transition p14:dur="10"/>
     </mc:Choice>
-    <mc:Fallback xmlns="">
+    <mc:Fallback>
       <p:transition/>
     </mc:Fallback>
   </mc:AlternateContent>
@@ -7086,7 +7041,7 @@
           <a:blip r:embed="rId3">
             <a:extLst>
               <a:ext uri="{28A0092B-C50C-407E-A947-70E740481C1C}">
-                <a14:useLocalDpi xmlns:a14="http://schemas.microsoft.com/office/drawing/2010/main" val="0"/>
+                <a14:useLocalDpi xmlns:a14="http://schemas.microsoft.com/office/drawing/2010/main" xmlns="" val="0"/>
               </a:ext>
             </a:extLst>
           </a:blip>
@@ -7106,7 +7061,7 @@
           <a:noFill/>
           <a:extLst>
             <a:ext uri="{909E8E84-426E-40DD-AFC4-6F175D3DCCD1}">
-              <a14:hiddenFill xmlns:a14="http://schemas.microsoft.com/office/drawing/2010/main">
+              <a14:hiddenFill xmlns:a14="http://schemas.microsoft.com/office/drawing/2010/main" xmlns="">
                 <a:solidFill>
                   <a:srgbClr val="FFFFFF"/>
                 </a:solidFill>
@@ -7152,18 +7107,18 @@
     </p:spTree>
     <p:extLst>
       <p:ext uri="{BB962C8B-B14F-4D97-AF65-F5344CB8AC3E}">
-        <p14:creationId xmlns:p14="http://schemas.microsoft.com/office/powerpoint/2010/main" val="1468667885"/>
+        <p14:creationId xmlns:p14="http://schemas.microsoft.com/office/powerpoint/2010/main" xmlns="" val="1468667885"/>
       </p:ext>
     </p:extLst>
   </p:cSld>
   <p:clrMapOvr>
     <a:masterClrMapping/>
   </p:clrMapOvr>
-  <mc:AlternateContent xmlns:mc="http://schemas.openxmlformats.org/markup-compatibility/2006" xmlns:p14="http://schemas.microsoft.com/office/powerpoint/2010/main">
-    <mc:Choice Requires="p14">
+  <mc:AlternateContent xmlns:mc="http://schemas.openxmlformats.org/markup-compatibility/2006">
+    <mc:Choice xmlns:p14="http://schemas.microsoft.com/office/powerpoint/2010/main" xmlns="" Requires="p14">
       <p:transition p14:dur="10"/>
     </mc:Choice>
-    <mc:Fallback xmlns="">
+    <mc:Fallback>
       <p:transition/>
     </mc:Fallback>
   </mc:AlternateContent>
@@ -7618,18 +7573,18 @@
     </p:spTree>
     <p:extLst>
       <p:ext uri="{BB962C8B-B14F-4D97-AF65-F5344CB8AC3E}">
-        <p14:creationId xmlns:p14="http://schemas.microsoft.com/office/powerpoint/2010/main" val="1613692682"/>
+        <p14:creationId xmlns:p14="http://schemas.microsoft.com/office/powerpoint/2010/main" xmlns="" val="1613692682"/>
       </p:ext>
     </p:extLst>
   </p:cSld>
   <p:clrMapOvr>
     <a:masterClrMapping/>
   </p:clrMapOvr>
-  <mc:AlternateContent xmlns:mc="http://schemas.openxmlformats.org/markup-compatibility/2006" xmlns:p14="http://schemas.microsoft.com/office/powerpoint/2010/main">
-    <mc:Choice Requires="p14">
+  <mc:AlternateContent xmlns:mc="http://schemas.openxmlformats.org/markup-compatibility/2006">
+    <mc:Choice xmlns:p14="http://schemas.microsoft.com/office/powerpoint/2010/main" xmlns="" Requires="p14">
       <p:transition p14:dur="10"/>
     </mc:Choice>
-    <mc:Fallback xmlns="">
+    <mc:Fallback>
       <p:transition/>
     </mc:Fallback>
   </mc:AlternateContent>
@@ -7974,18 +7929,18 @@
     </p:spTree>
     <p:extLst>
       <p:ext uri="{BB962C8B-B14F-4D97-AF65-F5344CB8AC3E}">
-        <p14:creationId xmlns:p14="http://schemas.microsoft.com/office/powerpoint/2010/main" val="2059680276"/>
+        <p14:creationId xmlns:p14="http://schemas.microsoft.com/office/powerpoint/2010/main" xmlns="" val="2059680276"/>
       </p:ext>
     </p:extLst>
   </p:cSld>
   <p:clrMapOvr>
     <a:masterClrMapping/>
   </p:clrMapOvr>
-  <mc:AlternateContent xmlns:mc="http://schemas.openxmlformats.org/markup-compatibility/2006" xmlns:p14="http://schemas.microsoft.com/office/powerpoint/2010/main">
-    <mc:Choice Requires="p14">
+  <mc:AlternateContent xmlns:mc="http://schemas.openxmlformats.org/markup-compatibility/2006">
+    <mc:Choice xmlns:p14="http://schemas.microsoft.com/office/powerpoint/2010/main" xmlns="" Requires="p14">
       <p:transition p14:dur="10"/>
     </mc:Choice>
-    <mc:Fallback xmlns="">
+    <mc:Fallback>
       <p:transition/>
     </mc:Fallback>
   </mc:AlternateContent>
@@ -8610,18 +8565,18 @@
     </p:spTree>
     <p:extLst>
       <p:ext uri="{BB962C8B-B14F-4D97-AF65-F5344CB8AC3E}">
-        <p14:creationId xmlns:p14="http://schemas.microsoft.com/office/powerpoint/2010/main" val="1158117290"/>
+        <p14:creationId xmlns:p14="http://schemas.microsoft.com/office/powerpoint/2010/main" xmlns="" val="1158117290"/>
       </p:ext>
     </p:extLst>
   </p:cSld>
   <p:clrMapOvr>
     <a:masterClrMapping/>
   </p:clrMapOvr>
-  <mc:AlternateContent xmlns:mc="http://schemas.openxmlformats.org/markup-compatibility/2006" xmlns:p14="http://schemas.microsoft.com/office/powerpoint/2010/main">
-    <mc:Choice Requires="p14">
+  <mc:AlternateContent xmlns:mc="http://schemas.openxmlformats.org/markup-compatibility/2006">
+    <mc:Choice xmlns:p14="http://schemas.microsoft.com/office/powerpoint/2010/main" xmlns="" Requires="p14">
       <p:transition p14:dur="10"/>
     </mc:Choice>
-    <mc:Fallback xmlns="">
+    <mc:Fallback>
       <p:transition/>
     </mc:Fallback>
   </mc:AlternateContent>
@@ -9096,18 +9051,18 @@
     </p:spTree>
     <p:extLst>
       <p:ext uri="{BB962C8B-B14F-4D97-AF65-F5344CB8AC3E}">
-        <p14:creationId xmlns:p14="http://schemas.microsoft.com/office/powerpoint/2010/main" val="311953866"/>
+        <p14:creationId xmlns:p14="http://schemas.microsoft.com/office/powerpoint/2010/main" xmlns="" val="311953866"/>
       </p:ext>
     </p:extLst>
   </p:cSld>
   <p:clrMapOvr>
     <a:masterClrMapping/>
   </p:clrMapOvr>
-  <mc:AlternateContent xmlns:mc="http://schemas.openxmlformats.org/markup-compatibility/2006" xmlns:p14="http://schemas.microsoft.com/office/powerpoint/2010/main">
-    <mc:Choice Requires="p14">
+  <mc:AlternateContent xmlns:mc="http://schemas.openxmlformats.org/markup-compatibility/2006">
+    <mc:Choice xmlns:p14="http://schemas.microsoft.com/office/powerpoint/2010/main" xmlns="" Requires="p14">
       <p:transition p14:dur="10"/>
     </mc:Choice>
-    <mc:Fallback xmlns="">
+    <mc:Fallback>
       <p:transition/>
     </mc:Fallback>
   </mc:AlternateContent>
@@ -9255,18 +9210,18 @@
     </p:spTree>
     <p:extLst>
       <p:ext uri="{BB962C8B-B14F-4D97-AF65-F5344CB8AC3E}">
-        <p14:creationId xmlns:p14="http://schemas.microsoft.com/office/powerpoint/2010/main" val="3379363085"/>
+        <p14:creationId xmlns:p14="http://schemas.microsoft.com/office/powerpoint/2010/main" xmlns="" val="3379363085"/>
       </p:ext>
     </p:extLst>
   </p:cSld>
   <p:clrMapOvr>
     <a:masterClrMapping/>
   </p:clrMapOvr>
-  <mc:AlternateContent xmlns:mc="http://schemas.openxmlformats.org/markup-compatibility/2006" xmlns:p14="http://schemas.microsoft.com/office/powerpoint/2010/main">
-    <mc:Choice Requires="p14">
+  <mc:AlternateContent xmlns:mc="http://schemas.openxmlformats.org/markup-compatibility/2006">
+    <mc:Choice xmlns:p14="http://schemas.microsoft.com/office/powerpoint/2010/main" xmlns="" Requires="p14">
       <p:transition p14:dur="10"/>
     </mc:Choice>
-    <mc:Fallback xmlns="">
+    <mc:Fallback>
       <p:transition/>
     </mc:Fallback>
   </mc:AlternateContent>
@@ -9407,13 +9362,8 @@
           <a:p>
             <a:r>
               <a:rPr lang="pl-PL" dirty="0" smtClean="0"/>
-              <a:t>W domyślnym branchu (master) w katalogu hsqldb znajduje się aplikacja, która po wystartowaniu udostępnia serwer bazy danych HSQLDB w wersji </a:t>
-            </a:r>
-            <a:r>
-              <a:rPr lang="pl-PL" dirty="0" smtClean="0"/>
-              <a:t>2.3.4.</a:t>
-            </a:r>
-            <a:endParaRPr lang="pl-PL" dirty="0" smtClean="0"/>
+              <a:t>W domyślnym branchu (master) w katalogu hsqldb znajduje się aplikacja, która po wystartowaniu udostępnia serwer bazy danych HSQLDB w wersji 2.3.4.</a:t>
+            </a:r>
           </a:p>
           <a:p>
             <a:pPr lvl="1"/>
@@ -9445,15 +9395,7 @@
             <a:pPr lvl="2"/>
             <a:r>
               <a:rPr lang="pl-PL" dirty="0" smtClean="0"/>
-              <a:t>username</a:t>
-            </a:r>
-            <a:r>
-              <a:rPr lang="pl-PL" dirty="0" smtClean="0"/>
-              <a:t>: SA, hasło: (puste</a:t>
-            </a:r>
-            <a:r>
-              <a:rPr lang="pl-PL" dirty="0" smtClean="0"/>
-              <a:t>)</a:t>
+              <a:t>username: SA, hasło: (puste)</a:t>
             </a:r>
           </a:p>
           <a:p>
@@ -9496,7 +9438,7 @@
           <a:blip r:embed="rId4">
             <a:extLst>
               <a:ext uri="{28A0092B-C50C-407E-A947-70E740481C1C}">
-                <a14:useLocalDpi xmlns:a14="http://schemas.microsoft.com/office/drawing/2010/main" val="0"/>
+                <a14:useLocalDpi xmlns:a14="http://schemas.microsoft.com/office/drawing/2010/main" xmlns="" val="0"/>
               </a:ext>
             </a:extLst>
           </a:blip>
@@ -9519,14 +9461,14 @@
           </a:ln>
           <a:extLst>
             <a:ext uri="{909E8E84-426E-40DD-AFC4-6F175D3DCCD1}">
-              <a14:hiddenFill xmlns:a14="http://schemas.microsoft.com/office/drawing/2010/main">
+              <a14:hiddenFill xmlns:a14="http://schemas.microsoft.com/office/drawing/2010/main" xmlns="">
                 <a:solidFill>
                   <a:schemeClr val="accent1"/>
                 </a:solidFill>
               </a14:hiddenFill>
             </a:ext>
             <a:ext uri="{91240B29-F687-4F45-9708-019B960494DF}">
-              <a14:hiddenLine xmlns:a14="http://schemas.microsoft.com/office/drawing/2010/main" w="9525">
+              <a14:hiddenLine xmlns:a14="http://schemas.microsoft.com/office/drawing/2010/main" xmlns="" w="9525">
                 <a:solidFill>
                   <a:schemeClr val="tx1"/>
                 </a:solidFill>
@@ -9541,18 +9483,18 @@
     </p:spTree>
     <p:extLst>
       <p:ext uri="{BB962C8B-B14F-4D97-AF65-F5344CB8AC3E}">
-        <p14:creationId xmlns:p14="http://schemas.microsoft.com/office/powerpoint/2010/main" val="3199221210"/>
+        <p14:creationId xmlns:p14="http://schemas.microsoft.com/office/powerpoint/2010/main" xmlns="" val="3199221210"/>
       </p:ext>
     </p:extLst>
   </p:cSld>
   <p:clrMapOvr>
     <a:masterClrMapping/>
   </p:clrMapOvr>
-  <mc:AlternateContent xmlns:mc="http://schemas.openxmlformats.org/markup-compatibility/2006" xmlns:p14="http://schemas.microsoft.com/office/powerpoint/2010/main">
-    <mc:Choice Requires="p14">
+  <mc:AlternateContent xmlns:mc="http://schemas.openxmlformats.org/markup-compatibility/2006">
+    <mc:Choice xmlns:p14="http://schemas.microsoft.com/office/powerpoint/2010/main" xmlns="" Requires="p14">
       <p:transition p14:dur="10"/>
     </mc:Choice>
-    <mc:Fallback xmlns="">
+    <mc:Fallback>
       <p:transition/>
     </mc:Fallback>
   </mc:AlternateContent>
@@ -10386,18 +10328,18 @@
     </p:spTree>
     <p:extLst>
       <p:ext uri="{BB962C8B-B14F-4D97-AF65-F5344CB8AC3E}">
-        <p14:creationId xmlns:p14="http://schemas.microsoft.com/office/powerpoint/2010/main" val="1330752424"/>
+        <p14:creationId xmlns:p14="http://schemas.microsoft.com/office/powerpoint/2010/main" xmlns="" val="1330752424"/>
       </p:ext>
     </p:extLst>
   </p:cSld>
   <p:clrMapOvr>
     <a:masterClrMapping/>
   </p:clrMapOvr>
-  <mc:AlternateContent xmlns:mc="http://schemas.openxmlformats.org/markup-compatibility/2006" xmlns:p14="http://schemas.microsoft.com/office/powerpoint/2010/main">
-    <mc:Choice Requires="p14">
+  <mc:AlternateContent xmlns:mc="http://schemas.openxmlformats.org/markup-compatibility/2006">
+    <mc:Choice xmlns:p14="http://schemas.microsoft.com/office/powerpoint/2010/main" xmlns="" Requires="p14">
       <p:transition p14:dur="10"/>
     </mc:Choice>
-    <mc:Fallback xmlns="">
+    <mc:Fallback>
       <p:transition/>
     </mc:Fallback>
   </mc:AlternateContent>
@@ -11685,18 +11627,18 @@
     </p:spTree>
     <p:extLst>
       <p:ext uri="{BB962C8B-B14F-4D97-AF65-F5344CB8AC3E}">
-        <p14:creationId xmlns:p14="http://schemas.microsoft.com/office/powerpoint/2010/main" val="2231391466"/>
+        <p14:creationId xmlns:p14="http://schemas.microsoft.com/office/powerpoint/2010/main" xmlns="" val="2231391466"/>
       </p:ext>
     </p:extLst>
   </p:cSld>
   <p:clrMapOvr>
     <a:masterClrMapping/>
   </p:clrMapOvr>
-  <mc:AlternateContent xmlns:mc="http://schemas.openxmlformats.org/markup-compatibility/2006" xmlns:p14="http://schemas.microsoft.com/office/powerpoint/2010/main">
-    <mc:Choice Requires="p14">
+  <mc:AlternateContent xmlns:mc="http://schemas.openxmlformats.org/markup-compatibility/2006">
+    <mc:Choice xmlns:p14="http://schemas.microsoft.com/office/powerpoint/2010/main" xmlns="" Requires="p14">
       <p:transition p14:dur="10"/>
     </mc:Choice>
-    <mc:Fallback xmlns="">
+    <mc:Fallback>
       <p:transition/>
     </mc:Fallback>
   </mc:AlternateContent>
@@ -11944,18 +11886,18 @@
     </p:spTree>
     <p:extLst>
       <p:ext uri="{BB962C8B-B14F-4D97-AF65-F5344CB8AC3E}">
-        <p14:creationId xmlns:p14="http://schemas.microsoft.com/office/powerpoint/2010/main" val="2788988127"/>
+        <p14:creationId xmlns:p14="http://schemas.microsoft.com/office/powerpoint/2010/main" xmlns="" val="2788988127"/>
       </p:ext>
     </p:extLst>
   </p:cSld>
   <p:clrMapOvr>
     <a:masterClrMapping/>
   </p:clrMapOvr>
-  <mc:AlternateContent xmlns:mc="http://schemas.openxmlformats.org/markup-compatibility/2006" xmlns:p14="http://schemas.microsoft.com/office/powerpoint/2010/main">
-    <mc:Choice Requires="p14">
+  <mc:AlternateContent xmlns:mc="http://schemas.openxmlformats.org/markup-compatibility/2006">
+    <mc:Choice xmlns:p14="http://schemas.microsoft.com/office/powerpoint/2010/main" xmlns="" Requires="p14">
       <p:transition p14:dur="10"/>
     </mc:Choice>
-    <mc:Fallback xmlns="">
+    <mc:Fallback>
       <p:transition/>
     </mc:Fallback>
   </mc:AlternateContent>
@@ -12537,7 +12479,7 @@
           <p:nvPr>
             <p:extLst>
               <p:ext uri="{D42A27DB-BD31-4B8C-83A1-F6EECF244321}">
-                <p14:modId xmlns:p14="http://schemas.microsoft.com/office/powerpoint/2010/main" val="2230494974"/>
+                <p14:modId xmlns:p14="http://schemas.microsoft.com/office/powerpoint/2010/main" xmlns="" val="2230494974"/>
               </p:ext>
             </p:extLst>
           </p:nvPr>
@@ -12936,7 +12878,7 @@
           <p:nvPr>
             <p:extLst>
               <p:ext uri="{D42A27DB-BD31-4B8C-83A1-F6EECF244321}">
-                <p14:modId xmlns:p14="http://schemas.microsoft.com/office/powerpoint/2010/main" val="1215423810"/>
+                <p14:modId xmlns:p14="http://schemas.microsoft.com/office/powerpoint/2010/main" xmlns="" val="1215423810"/>
               </p:ext>
             </p:extLst>
           </p:nvPr>
@@ -13267,7 +13209,7 @@
           <p:nvPr>
             <p:extLst>
               <p:ext uri="{D42A27DB-BD31-4B8C-83A1-F6EECF244321}">
-                <p14:modId xmlns:p14="http://schemas.microsoft.com/office/powerpoint/2010/main" val="491439140"/>
+                <p14:modId xmlns:p14="http://schemas.microsoft.com/office/powerpoint/2010/main" xmlns="" val="491439140"/>
               </p:ext>
             </p:extLst>
           </p:nvPr>
@@ -13449,7 +13391,7 @@
           <p:nvPr>
             <p:extLst>
               <p:ext uri="{D42A27DB-BD31-4B8C-83A1-F6EECF244321}">
-                <p14:modId xmlns:p14="http://schemas.microsoft.com/office/powerpoint/2010/main" val="3915769318"/>
+                <p14:modId xmlns:p14="http://schemas.microsoft.com/office/powerpoint/2010/main" xmlns="" val="3915769318"/>
               </p:ext>
             </p:extLst>
           </p:nvPr>
@@ -13748,18 +13690,18 @@
     </p:spTree>
     <p:extLst>
       <p:ext uri="{BB962C8B-B14F-4D97-AF65-F5344CB8AC3E}">
-        <p14:creationId xmlns:p14="http://schemas.microsoft.com/office/powerpoint/2010/main" val="3289942367"/>
+        <p14:creationId xmlns:p14="http://schemas.microsoft.com/office/powerpoint/2010/main" xmlns="" val="3289942367"/>
       </p:ext>
     </p:extLst>
   </p:cSld>
   <p:clrMapOvr>
     <a:masterClrMapping/>
   </p:clrMapOvr>
-  <mc:AlternateContent xmlns:mc="http://schemas.openxmlformats.org/markup-compatibility/2006" xmlns:p14="http://schemas.microsoft.com/office/powerpoint/2010/main">
-    <mc:Choice Requires="p14">
+  <mc:AlternateContent xmlns:mc="http://schemas.openxmlformats.org/markup-compatibility/2006">
+    <mc:Choice xmlns:p14="http://schemas.microsoft.com/office/powerpoint/2010/main" xmlns="" Requires="p14">
       <p:transition p14:dur="10"/>
     </mc:Choice>
-    <mc:Fallback xmlns="">
+    <mc:Fallback>
       <p:transition/>
     </mc:Fallback>
   </mc:AlternateContent>
@@ -14001,18 +13943,18 @@
     </p:spTree>
     <p:extLst>
       <p:ext uri="{BB962C8B-B14F-4D97-AF65-F5344CB8AC3E}">
-        <p14:creationId xmlns:p14="http://schemas.microsoft.com/office/powerpoint/2010/main" val="3144430831"/>
+        <p14:creationId xmlns:p14="http://schemas.microsoft.com/office/powerpoint/2010/main" xmlns="" val="3144430831"/>
       </p:ext>
     </p:extLst>
   </p:cSld>
   <p:clrMapOvr>
     <a:masterClrMapping/>
   </p:clrMapOvr>
-  <mc:AlternateContent xmlns:mc="http://schemas.openxmlformats.org/markup-compatibility/2006" xmlns:p14="http://schemas.microsoft.com/office/powerpoint/2010/main">
-    <mc:Choice Requires="p14">
+  <mc:AlternateContent xmlns:mc="http://schemas.openxmlformats.org/markup-compatibility/2006">
+    <mc:Choice xmlns:p14="http://schemas.microsoft.com/office/powerpoint/2010/main" xmlns="" Requires="p14">
       <p:transition p14:dur="10"/>
     </mc:Choice>
-    <mc:Fallback xmlns="">
+    <mc:Fallback>
       <p:transition/>
     </mc:Fallback>
   </mc:AlternateContent>
@@ -14237,18 +14179,18 @@
     </p:spTree>
     <p:extLst>
       <p:ext uri="{BB962C8B-B14F-4D97-AF65-F5344CB8AC3E}">
-        <p14:creationId xmlns:p14="http://schemas.microsoft.com/office/powerpoint/2010/main" val="3421695800"/>
+        <p14:creationId xmlns:p14="http://schemas.microsoft.com/office/powerpoint/2010/main" xmlns="" val="3421695800"/>
       </p:ext>
     </p:extLst>
   </p:cSld>
   <p:clrMapOvr>
     <a:masterClrMapping/>
   </p:clrMapOvr>
-  <mc:AlternateContent xmlns:mc="http://schemas.openxmlformats.org/markup-compatibility/2006" xmlns:p14="http://schemas.microsoft.com/office/powerpoint/2010/main">
-    <mc:Choice Requires="p14">
+  <mc:AlternateContent xmlns:mc="http://schemas.openxmlformats.org/markup-compatibility/2006">
+    <mc:Choice xmlns:p14="http://schemas.microsoft.com/office/powerpoint/2010/main" xmlns="" Requires="p14">
       <p:transition p14:dur="10"/>
     </mc:Choice>
-    <mc:Fallback xmlns="">
+    <mc:Fallback>
       <p:transition/>
     </mc:Fallback>
   </mc:AlternateContent>
@@ -14312,14 +14254,22 @@
           <a:p>
             <a:r>
               <a:rPr lang="pl-PL" dirty="0" smtClean="0"/>
-              <a:t>Marek Strejczek</a:t>
+              <a:t>Mateusz Kołodziejski</a:t>
             </a:r>
             <a:endParaRPr lang="de-DE" dirty="0"/>
           </a:p>
           <a:p>
             <a:r>
-              <a:rPr lang="pl-PL" dirty="0" smtClean="0"/>
-              <a:t>Technical Architect</a:t>
+              <a:rPr lang="pl-PL" dirty="0" err="1" smtClean="0"/>
+              <a:t>Technical</a:t>
+            </a:r>
+            <a:r>
+              <a:rPr lang="pl-PL" dirty="0" smtClean="0"/>
+              <a:t> </a:t>
+            </a:r>
+            <a:r>
+              <a:rPr lang="pl-PL" dirty="0" err="1" smtClean="0"/>
+              <a:t>Lead</a:t>
             </a:r>
             <a:endParaRPr lang="de-DE" dirty="0"/>
           </a:p>
@@ -14352,11 +14302,15 @@
           <a:p>
             <a:r>
               <a:rPr lang="pl-PL" dirty="0" err="1" smtClean="0"/>
-              <a:t>marek.strejczek</a:t>
+              <a:t>mateusz.kolodziejski</a:t>
             </a:r>
             <a:r>
               <a:rPr lang="de-DE" dirty="0" smtClean="0"/>
-              <a:t>@gft.com</a:t>
+              <a:t>@</a:t>
+            </a:r>
+            <a:r>
+              <a:rPr lang="de-DE" dirty="0" err="1" smtClean="0"/>
+              <a:t>gft.com</a:t>
             </a:r>
             <a:endParaRPr lang="de-DE" dirty="0"/>
           </a:p>
@@ -14365,7 +14319,7 @@
     </p:spTree>
     <p:extLst>
       <p:ext uri="{BB962C8B-B14F-4D97-AF65-F5344CB8AC3E}">
-        <p14:creationId xmlns:p14="http://schemas.microsoft.com/office/powerpoint/2010/main" val="1405177657"/>
+        <p14:creationId xmlns:p14="http://schemas.microsoft.com/office/powerpoint/2010/main" xmlns="" val="1405177657"/>
       </p:ext>
     </p:extLst>
   </p:cSld>
@@ -14613,18 +14567,18 @@
     </p:spTree>
     <p:extLst>
       <p:ext uri="{BB962C8B-B14F-4D97-AF65-F5344CB8AC3E}">
-        <p14:creationId xmlns:p14="http://schemas.microsoft.com/office/powerpoint/2010/main" val="4281052253"/>
+        <p14:creationId xmlns:p14="http://schemas.microsoft.com/office/powerpoint/2010/main" xmlns="" val="4281052253"/>
       </p:ext>
     </p:extLst>
   </p:cSld>
   <p:clrMapOvr>
     <a:masterClrMapping/>
   </p:clrMapOvr>
-  <mc:AlternateContent xmlns:mc="http://schemas.openxmlformats.org/markup-compatibility/2006" xmlns:p14="http://schemas.microsoft.com/office/powerpoint/2010/main">
-    <mc:Choice Requires="p14">
+  <mc:AlternateContent xmlns:mc="http://schemas.openxmlformats.org/markup-compatibility/2006">
+    <mc:Choice xmlns:p14="http://schemas.microsoft.com/office/powerpoint/2010/main" xmlns="" Requires="p14">
       <p:transition p14:dur="10"/>
     </mc:Choice>
-    <mc:Fallback xmlns="">
+    <mc:Fallback>
       <p:transition/>
     </mc:Fallback>
   </mc:AlternateContent>
@@ -15470,18 +15424,18 @@
     </p:spTree>
     <p:extLst>
       <p:ext uri="{BB962C8B-B14F-4D97-AF65-F5344CB8AC3E}">
-        <p14:creationId xmlns:p14="http://schemas.microsoft.com/office/powerpoint/2010/main" val="3839947512"/>
+        <p14:creationId xmlns:p14="http://schemas.microsoft.com/office/powerpoint/2010/main" xmlns="" val="3839947512"/>
       </p:ext>
     </p:extLst>
   </p:cSld>
   <p:clrMapOvr>
     <a:masterClrMapping/>
   </p:clrMapOvr>
-  <mc:AlternateContent xmlns:mc="http://schemas.openxmlformats.org/markup-compatibility/2006" xmlns:p14="http://schemas.microsoft.com/office/powerpoint/2010/main">
-    <mc:Choice Requires="p14">
+  <mc:AlternateContent xmlns:mc="http://schemas.openxmlformats.org/markup-compatibility/2006">
+    <mc:Choice xmlns:p14="http://schemas.microsoft.com/office/powerpoint/2010/main" xmlns="" Requires="p14">
       <p:transition p14:dur="10"/>
     </mc:Choice>
-    <mc:Fallback xmlns="">
+    <mc:Fallback>
       <p:transition/>
     </mc:Fallback>
   </mc:AlternateContent>
@@ -16337,18 +16291,18 @@
     </p:spTree>
     <p:extLst>
       <p:ext uri="{BB962C8B-B14F-4D97-AF65-F5344CB8AC3E}">
-        <p14:creationId xmlns:p14="http://schemas.microsoft.com/office/powerpoint/2010/main" val="3403458408"/>
+        <p14:creationId xmlns:p14="http://schemas.microsoft.com/office/powerpoint/2010/main" xmlns="" val="3403458408"/>
       </p:ext>
     </p:extLst>
   </p:cSld>
   <p:clrMapOvr>
     <a:masterClrMapping/>
   </p:clrMapOvr>
-  <mc:AlternateContent xmlns:mc="http://schemas.openxmlformats.org/markup-compatibility/2006" xmlns:p14="http://schemas.microsoft.com/office/powerpoint/2010/main">
-    <mc:Choice Requires="p14">
+  <mc:AlternateContent xmlns:mc="http://schemas.openxmlformats.org/markup-compatibility/2006">
+    <mc:Choice xmlns:p14="http://schemas.microsoft.com/office/powerpoint/2010/main" xmlns="" Requires="p14">
       <p:transition p14:dur="10"/>
     </mc:Choice>
-    <mc:Fallback xmlns="">
+    <mc:Fallback>
       <p:transition/>
     </mc:Fallback>
   </mc:AlternateContent>
@@ -17075,7 +17029,7 @@
             <p:ph idx="1"/>
             <p:extLst>
               <p:ext uri="{D42A27DB-BD31-4B8C-83A1-F6EECF244321}">
-                <p14:modId xmlns:p14="http://schemas.microsoft.com/office/powerpoint/2010/main" val="503590020"/>
+                <p14:modId xmlns:p14="http://schemas.microsoft.com/office/powerpoint/2010/main" xmlns="" val="503590020"/>
               </p:ext>
             </p:extLst>
           </p:nvPr>
@@ -17137,7 +17091,7 @@
           <p:nvPr>
             <p:extLst>
               <p:ext uri="{D42A27DB-BD31-4B8C-83A1-F6EECF244321}">
-                <p14:modId xmlns:p14="http://schemas.microsoft.com/office/powerpoint/2010/main" val="4137868783"/>
+                <p14:modId xmlns:p14="http://schemas.microsoft.com/office/powerpoint/2010/main" xmlns="" val="4137868783"/>
               </p:ext>
             </p:extLst>
           </p:nvPr>
@@ -17425,7 +17379,7 @@
               <a:buNone/>
             </a:pPr>
             <a:r>
-              <a:rPr lang="en-US" sz="1000" b="1" dirty="0">
+              <a:rPr lang="en-US" sz="1000" b="1" dirty="0" smtClean="0">
                 <a:latin typeface="Courier New" panose="02070309020205020404" pitchFamily="49" charset="0"/>
                 <a:cs typeface="Courier New" panose="02070309020205020404" pitchFamily="49" charset="0"/>
               </a:rPr>
@@ -17437,21 +17391,21 @@
               <a:buNone/>
             </a:pPr>
             <a:r>
-              <a:rPr lang="en-US" sz="1000" b="1" dirty="0">
+              <a:rPr lang="en-US" sz="1000" b="1" dirty="0" smtClean="0">
                 <a:latin typeface="Courier New" panose="02070309020205020404" pitchFamily="49" charset="0"/>
                 <a:cs typeface="Courier New" panose="02070309020205020404" pitchFamily="49" charset="0"/>
               </a:rPr>
               <a:t>	</a:t>
             </a:r>
             <a:r>
-              <a:rPr lang="en-US" sz="1000" b="1" dirty="0" err="1">
+              <a:rPr lang="en-US" sz="1000" b="1" dirty="0" err="1" smtClean="0">
                 <a:latin typeface="Courier New" panose="02070309020205020404" pitchFamily="49" charset="0"/>
                 <a:cs typeface="Courier New" panose="02070309020205020404" pitchFamily="49" charset="0"/>
               </a:rPr>
               <a:t>pkey</a:t>
             </a:r>
             <a:r>
-              <a:rPr lang="en-US" sz="1000" b="1" dirty="0">
+              <a:rPr lang="en-US" sz="1000" b="1" dirty="0" smtClean="0">
                 <a:latin typeface="Courier New" panose="02070309020205020404" pitchFamily="49" charset="0"/>
                 <a:cs typeface="Courier New" panose="02070309020205020404" pitchFamily="49" charset="0"/>
               </a:rPr>
@@ -17463,7 +17417,7 @@
               <a:buNone/>
             </a:pPr>
             <a:r>
-              <a:rPr lang="en-US" sz="1000" b="1" dirty="0">
+              <a:rPr lang="en-US" sz="1000" b="1" dirty="0" smtClean="0">
                 <a:latin typeface="Courier New" panose="02070309020205020404" pitchFamily="49" charset="0"/>
                 <a:cs typeface="Courier New" panose="02070309020205020404" pitchFamily="49" charset="0"/>
               </a:rPr>
@@ -17475,21 +17429,21 @@
               <a:buNone/>
             </a:pPr>
             <a:r>
-              <a:rPr lang="en-US" sz="1000" b="1" dirty="0">
+              <a:rPr lang="en-US" sz="1000" b="1" dirty="0" smtClean="0">
                 <a:latin typeface="Courier New" panose="02070309020205020404" pitchFamily="49" charset="0"/>
                 <a:cs typeface="Courier New" panose="02070309020205020404" pitchFamily="49" charset="0"/>
               </a:rPr>
               <a:t>	PRIMARY KEY (</a:t>
             </a:r>
             <a:r>
-              <a:rPr lang="en-US" sz="1000" b="1" dirty="0" err="1">
+              <a:rPr lang="en-US" sz="1000" b="1" dirty="0" err="1" smtClean="0">
                 <a:latin typeface="Courier New" panose="02070309020205020404" pitchFamily="49" charset="0"/>
                 <a:cs typeface="Courier New" panose="02070309020205020404" pitchFamily="49" charset="0"/>
               </a:rPr>
               <a:t>pkey</a:t>
             </a:r>
             <a:r>
-              <a:rPr lang="en-US" sz="1000" b="1" dirty="0">
+              <a:rPr lang="en-US" sz="1000" b="1" dirty="0" smtClean="0">
                 <a:latin typeface="Courier New" panose="02070309020205020404" pitchFamily="49" charset="0"/>
                 <a:cs typeface="Courier New" panose="02070309020205020404" pitchFamily="49" charset="0"/>
               </a:rPr>
@@ -17501,7 +17455,7 @@
               <a:buNone/>
             </a:pPr>
             <a:r>
-              <a:rPr lang="en-US" sz="1000" b="1" dirty="0">
+              <a:rPr lang="en-US" sz="1000" b="1" dirty="0" smtClean="0">
                 <a:latin typeface="Courier New" panose="02070309020205020404" pitchFamily="49" charset="0"/>
                 <a:cs typeface="Courier New" panose="02070309020205020404" pitchFamily="49" charset="0"/>
               </a:rPr>
@@ -17699,18 +17653,18 @@
     </p:spTree>
     <p:extLst>
       <p:ext uri="{BB962C8B-B14F-4D97-AF65-F5344CB8AC3E}">
-        <p14:creationId xmlns:p14="http://schemas.microsoft.com/office/powerpoint/2010/main" val="3423022631"/>
+        <p14:creationId xmlns:p14="http://schemas.microsoft.com/office/powerpoint/2010/main" xmlns="" val="3423022631"/>
       </p:ext>
     </p:extLst>
   </p:cSld>
   <p:clrMapOvr>
     <a:masterClrMapping/>
   </p:clrMapOvr>
-  <mc:AlternateContent xmlns:mc="http://schemas.openxmlformats.org/markup-compatibility/2006" xmlns:p14="http://schemas.microsoft.com/office/powerpoint/2010/main">
-    <mc:Choice Requires="p14">
+  <mc:AlternateContent xmlns:mc="http://schemas.openxmlformats.org/markup-compatibility/2006">
+    <mc:Choice xmlns:p14="http://schemas.microsoft.com/office/powerpoint/2010/main" xmlns="" Requires="p14">
       <p:transition p14:dur="10"/>
     </mc:Choice>
-    <mc:Fallback xmlns="">
+    <mc:Fallback>
       <p:transition/>
     </mc:Fallback>
   </mc:AlternateContent>
@@ -17797,7 +17751,7 @@
             <p:ph idx="1"/>
             <p:extLst>
               <p:ext uri="{D42A27DB-BD31-4B8C-83A1-F6EECF244321}">
-                <p14:modId xmlns:p14="http://schemas.microsoft.com/office/powerpoint/2010/main" val="1174358118"/>
+                <p14:modId xmlns:p14="http://schemas.microsoft.com/office/powerpoint/2010/main" xmlns="" val="1174358118"/>
               </p:ext>
             </p:extLst>
           </p:nvPr>
@@ -17949,7 +17903,7 @@
           <p:nvPr>
             <p:extLst>
               <p:ext uri="{D42A27DB-BD31-4B8C-83A1-F6EECF244321}">
-                <p14:modId xmlns:p14="http://schemas.microsoft.com/office/powerpoint/2010/main" val="998098593"/>
+                <p14:modId xmlns:p14="http://schemas.microsoft.com/office/powerpoint/2010/main" xmlns="" val="998098593"/>
               </p:ext>
             </p:extLst>
           </p:nvPr>
@@ -18831,18 +18785,18 @@
     </p:spTree>
     <p:extLst>
       <p:ext uri="{BB962C8B-B14F-4D97-AF65-F5344CB8AC3E}">
-        <p14:creationId xmlns:p14="http://schemas.microsoft.com/office/powerpoint/2010/main" val="4225862525"/>
+        <p14:creationId xmlns:p14="http://schemas.microsoft.com/office/powerpoint/2010/main" xmlns="" val="4225862525"/>
       </p:ext>
     </p:extLst>
   </p:cSld>
   <p:clrMapOvr>
     <a:masterClrMapping/>
   </p:clrMapOvr>
-  <mc:AlternateContent xmlns:mc="http://schemas.openxmlformats.org/markup-compatibility/2006" xmlns:p14="http://schemas.microsoft.com/office/powerpoint/2010/main">
-    <mc:Choice Requires="p14">
+  <mc:AlternateContent xmlns:mc="http://schemas.openxmlformats.org/markup-compatibility/2006">
+    <mc:Choice xmlns:p14="http://schemas.microsoft.com/office/powerpoint/2010/main" xmlns="" Requires="p14">
       <p:transition p14:dur="10"/>
     </mc:Choice>
-    <mc:Fallback xmlns="">
+    <mc:Fallback>
       <p:transition/>
     </mc:Fallback>
   </mc:AlternateContent>
@@ -18929,7 +18883,7 @@
             <p:ph idx="1"/>
             <p:extLst>
               <p:ext uri="{D42A27DB-BD31-4B8C-83A1-F6EECF244321}">
-                <p14:modId xmlns:p14="http://schemas.microsoft.com/office/powerpoint/2010/main" val="3409540482"/>
+                <p14:modId xmlns:p14="http://schemas.microsoft.com/office/powerpoint/2010/main" xmlns="" val="3409540482"/>
               </p:ext>
             </p:extLst>
           </p:nvPr>
@@ -19081,7 +19035,7 @@
           <p:nvPr>
             <p:extLst>
               <p:ext uri="{D42A27DB-BD31-4B8C-83A1-F6EECF244321}">
-                <p14:modId xmlns:p14="http://schemas.microsoft.com/office/powerpoint/2010/main" val="1324958207"/>
+                <p14:modId xmlns:p14="http://schemas.microsoft.com/office/powerpoint/2010/main" xmlns="" val="1324958207"/>
               </p:ext>
             </p:extLst>
           </p:nvPr>
@@ -19793,18 +19747,18 @@
     </p:spTree>
     <p:extLst>
       <p:ext uri="{BB962C8B-B14F-4D97-AF65-F5344CB8AC3E}">
-        <p14:creationId xmlns:p14="http://schemas.microsoft.com/office/powerpoint/2010/main" val="429644599"/>
+        <p14:creationId xmlns:p14="http://schemas.microsoft.com/office/powerpoint/2010/main" xmlns="" val="429644599"/>
       </p:ext>
     </p:extLst>
   </p:cSld>
   <p:clrMapOvr>
     <a:masterClrMapping/>
   </p:clrMapOvr>
-  <mc:AlternateContent xmlns:mc="http://schemas.openxmlformats.org/markup-compatibility/2006" xmlns:p14="http://schemas.microsoft.com/office/powerpoint/2010/main">
-    <mc:Choice Requires="p14">
+  <mc:AlternateContent xmlns:mc="http://schemas.openxmlformats.org/markup-compatibility/2006">
+    <mc:Choice xmlns:p14="http://schemas.microsoft.com/office/powerpoint/2010/main" xmlns="" Requires="p14">
       <p:transition p14:dur="10"/>
     </mc:Choice>
-    <mc:Fallback xmlns="">
+    <mc:Fallback>
       <p:transition/>
     </mc:Fallback>
   </mc:AlternateContent>
@@ -19891,7 +19845,7 @@
             <p:ph idx="1"/>
             <p:extLst>
               <p:ext uri="{D42A27DB-BD31-4B8C-83A1-F6EECF244321}">
-                <p14:modId xmlns:p14="http://schemas.microsoft.com/office/powerpoint/2010/main" val="1301476518"/>
+                <p14:modId xmlns:p14="http://schemas.microsoft.com/office/powerpoint/2010/main" xmlns="" val="1301476518"/>
               </p:ext>
             </p:extLst>
           </p:nvPr>
@@ -20043,7 +19997,7 @@
           <p:nvPr>
             <p:extLst>
               <p:ext uri="{D42A27DB-BD31-4B8C-83A1-F6EECF244321}">
-                <p14:modId xmlns:p14="http://schemas.microsoft.com/office/powerpoint/2010/main" val="768185449"/>
+                <p14:modId xmlns:p14="http://schemas.microsoft.com/office/powerpoint/2010/main" xmlns="" val="768185449"/>
               </p:ext>
             </p:extLst>
           </p:nvPr>
@@ -20778,18 +20732,18 @@
     </p:spTree>
     <p:extLst>
       <p:ext uri="{BB962C8B-B14F-4D97-AF65-F5344CB8AC3E}">
-        <p14:creationId xmlns:p14="http://schemas.microsoft.com/office/powerpoint/2010/main" val="680852560"/>
+        <p14:creationId xmlns:p14="http://schemas.microsoft.com/office/powerpoint/2010/main" xmlns="" val="680852560"/>
       </p:ext>
     </p:extLst>
   </p:cSld>
   <p:clrMapOvr>
     <a:masterClrMapping/>
   </p:clrMapOvr>
-  <mc:AlternateContent xmlns:mc="http://schemas.openxmlformats.org/markup-compatibility/2006" xmlns:p14="http://schemas.microsoft.com/office/powerpoint/2010/main">
-    <mc:Choice Requires="p14">
+  <mc:AlternateContent xmlns:mc="http://schemas.openxmlformats.org/markup-compatibility/2006">
+    <mc:Choice xmlns:p14="http://schemas.microsoft.com/office/powerpoint/2010/main" xmlns="" Requires="p14">
       <p:transition p14:dur="10"/>
     </mc:Choice>
-    <mc:Fallback xmlns="">
+    <mc:Fallback>
       <p:transition/>
     </mc:Fallback>
   </mc:AlternateContent>
@@ -20801,18 +20755,6 @@
     </p:tnLst>
   </p:timing>
 </p:sld>
-</file>
-
-<file path=ppt/tags/tag1.xml><?xml version="1.0" encoding="utf-8"?>
-<p:tagLst xmlns:a="http://schemas.openxmlformats.org/drawingml/2006/main" xmlns:r="http://schemas.openxmlformats.org/officeDocument/2006/relationships" xmlns:p="http://schemas.openxmlformats.org/presentationml/2006/main">
-  <p:tag name="THINKCELLSHAPEDONOTDELETE" val="thinkcellActiveDocDoNotDelete"/>
-</p:tagLst>
-</file>
-
-<file path=ppt/tags/tag2.xml><?xml version="1.0" encoding="utf-8"?>
-<p:tagLst xmlns:a="http://schemas.openxmlformats.org/drawingml/2006/main" xmlns:r="http://schemas.openxmlformats.org/officeDocument/2006/relationships" xmlns:p="http://schemas.openxmlformats.org/presentationml/2006/main">
-  <p:tag name="THINKCELLSHAPEDONOTDELETE" val="thinkcellActiveDocDoNotDelete"/>
-</p:tagLst>
 </file>
 
 <file path=ppt/theme/theme1.xml><?xml version="1.0" encoding="utf-8"?>
@@ -21087,7 +21029,7 @@
   <a:extraClrSchemeLst/>
   <a:extLst>
     <a:ext uri="{05A4C25C-085E-4340-85A3-A5531E510DB2}">
-      <thm15:themeFamily xmlns:thm15="http://schemas.microsoft.com/office/thememl/2012/main" name="GFT_Chartpool_2015.pptx" id="{A28C9458-9558-44C8-89F4-D7A2CBC04405}" vid="{0F156D25-70FA-498B-891B-4FDE46BF1046}"/>
+      <thm15:themeFamily xmlns:thm15="http://schemas.microsoft.com/office/thememl/2012/main" xmlns="" name="GFT_Chartpool_2015.pptx" id="{A28C9458-9558-44C8-89F4-D7A2CBC04405}" vid="{0F156D25-70FA-498B-891B-4FDE46BF1046}"/>
     </a:ext>
   </a:extLst>
 </a:theme>
@@ -21734,38 +21676,12 @@
 </file>
 
 <file path=customXml/item1.xml><?xml version="1.0" encoding="utf-8"?>
-<p:properties xmlns:p="http://schemas.microsoft.com/office/2006/metadata/properties" xmlns:xsi="http://www.w3.org/2001/XMLSchema-instance" xmlns:pc="http://schemas.microsoft.com/office/infopath/2007/PartnerControls">
-  <documentManagement>
-    <_dlc_DocId xmlns="727178e8-9586-4f49-8e7b-77af9c2fb085">CVD5QAC74SYH-2-13943</_dlc_DocId>
-    <_dlc_DocIdUrl xmlns="727178e8-9586-4f49-8e7b-77af9c2fb085">
-      <Url>https://share.gft.com/sites/Corporate-Marketing/_layouts/DocIdRedir.aspx?ID=CVD5QAC74SYH-2-13943</Url>
-      <Description>CVD5QAC74SYH-2-13943</Description>
-    </_dlc_DocIdUrl>
-    <Functional_x0020_Area xmlns="e44e039f-c551-4112-981c-456f1b630ef1">Functional Area 1</Functional_x0020_Area>
-    <Reference_x0020_Title xmlns="e44e039f-c551-4112-981c-456f1b630ef1" xsi:nil="true"/>
-    <Area xmlns="e44e039f-c551-4112-981c-456f1b630ef1">Area 1</Area>
-    <Project_x0020_size_x0020__x0028_resources_x0029_ xmlns="e44e039f-c551-4112-981c-456f1b630ef1" xsi:nil="true"/>
-    <Comments xmlns="e44e039f-c551-4112-981c-456f1b630ef1" xsi:nil="true"/>
-    <Business_x0020_Sector xmlns="e44e039f-c551-4112-981c-456f1b630ef1">Banking</Business_x0020_Sector>
-    <Client_x0020_Category xmlns="e44e039f-c551-4112-981c-456f1b630ef1">Central</Client_x0020_Category>
-    <Methods_x0020_and_x0020_standards xmlns="e44e039f-c551-4112-981c-456f1b630ef1" xsi:nil="true"/>
-    <Responsible xmlns="e44e039f-c551-4112-981c-456f1b630ef1">Marek Strejczek</Responsible>
-    <Client_x0020_Name xmlns="e44e039f-c551-4112-981c-456f1b630ef1" xsi:nil="true"/>
-    <Client_x0020_approval xmlns="e44e039f-c551-4112-981c-456f1b630ef1">No</Client_x0020_approval>
-    <Plattform_x0020__x0026__x0020_tools xmlns="e44e039f-c551-4112-981c-456f1b630ef1" xsi:nil="true"/>
-    <Project_x0020_ID xmlns="e44e039f-c551-4112-981c-456f1b630ef1" xsi:nil="true"/>
-    <Description0 xmlns="e44e039f-c551-4112-981c-456f1b630ef1" xsi:nil="true"/>
-    <Author_x0020__x002f__x0020_Contact xmlns="e44e039f-c551-4112-981c-456f1b630ef1">
-      <UserInfo>
-        <DisplayName/>
-        <AccountId xsi:nil="true"/>
-        <AccountType/>
-      </UserInfo>
-    </Author_x0020__x002f__x0020_Contact>
-    <Client_x0020_Country xmlns="e44e039f-c551-4112-981c-456f1b630ef1">Germany</Client_x0020_Country>
-    <Year xmlns="e44e039f-c551-4112-981c-456f1b630ef1" xsi:nil="true"/>
-  </documentManagement>
-</p:properties>
+<?mso-contentType ?>
+<FormTemplates xmlns="http://schemas.microsoft.com/sharepoint/v3/contenttype/forms">
+  <Display>DocumentLibraryForm</Display>
+  <Edit>DocumentLibraryForm</Edit>
+  <New>DocumentLibraryForm</New>
+</FormTemplates>
 </file>
 
 <file path=customXml/item2.xml><?xml version="1.0" encoding="utf-8"?>
@@ -22266,12 +22182,38 @@
 </file>
 
 <file path=customXml/item3.xml><?xml version="1.0" encoding="utf-8"?>
-<?mso-contentType ?>
-<FormTemplates xmlns="http://schemas.microsoft.com/sharepoint/v3/contenttype/forms">
-  <Display>DocumentLibraryForm</Display>
-  <Edit>DocumentLibraryForm</Edit>
-  <New>DocumentLibraryForm</New>
-</FormTemplates>
+<p:properties xmlns:p="http://schemas.microsoft.com/office/2006/metadata/properties" xmlns:xsi="http://www.w3.org/2001/XMLSchema-instance" xmlns:pc="http://schemas.microsoft.com/office/infopath/2007/PartnerControls">
+  <documentManagement>
+    <_dlc_DocId xmlns="727178e8-9586-4f49-8e7b-77af9c2fb085">CVD5QAC74SYH-2-13943</_dlc_DocId>
+    <_dlc_DocIdUrl xmlns="727178e8-9586-4f49-8e7b-77af9c2fb085">
+      <Url>https://share.gft.com/sites/Corporate-Marketing/_layouts/DocIdRedir.aspx?ID=CVD5QAC74SYH-2-13943</Url>
+      <Description>CVD5QAC74SYH-2-13943</Description>
+    </_dlc_DocIdUrl>
+    <Functional_x0020_Area xmlns="e44e039f-c551-4112-981c-456f1b630ef1">Functional Area 1</Functional_x0020_Area>
+    <Reference_x0020_Title xmlns="e44e039f-c551-4112-981c-456f1b630ef1" xsi:nil="true"/>
+    <Area xmlns="e44e039f-c551-4112-981c-456f1b630ef1">Area 1</Area>
+    <Project_x0020_size_x0020__x0028_resources_x0029_ xmlns="e44e039f-c551-4112-981c-456f1b630ef1" xsi:nil="true"/>
+    <Comments xmlns="e44e039f-c551-4112-981c-456f1b630ef1" xsi:nil="true"/>
+    <Business_x0020_Sector xmlns="e44e039f-c551-4112-981c-456f1b630ef1">Banking</Business_x0020_Sector>
+    <Client_x0020_Category xmlns="e44e039f-c551-4112-981c-456f1b630ef1">Central</Client_x0020_Category>
+    <Methods_x0020_and_x0020_standards xmlns="e44e039f-c551-4112-981c-456f1b630ef1" xsi:nil="true"/>
+    <Responsible xmlns="e44e039f-c551-4112-981c-456f1b630ef1">Marek Strejczek</Responsible>
+    <Client_x0020_Name xmlns="e44e039f-c551-4112-981c-456f1b630ef1" xsi:nil="true"/>
+    <Client_x0020_approval xmlns="e44e039f-c551-4112-981c-456f1b630ef1">No</Client_x0020_approval>
+    <Plattform_x0020__x0026__x0020_tools xmlns="e44e039f-c551-4112-981c-456f1b630ef1" xsi:nil="true"/>
+    <Project_x0020_ID xmlns="e44e039f-c551-4112-981c-456f1b630ef1" xsi:nil="true"/>
+    <Description0 xmlns="e44e039f-c551-4112-981c-456f1b630ef1" xsi:nil="true"/>
+    <Author_x0020__x002f__x0020_Contact xmlns="e44e039f-c551-4112-981c-456f1b630ef1">
+      <UserInfo>
+        <DisplayName/>
+        <AccountId xsi:nil="true"/>
+        <AccountType/>
+      </UserInfo>
+    </Author_x0020__x002f__x0020_Contact>
+    <Client_x0020_Country xmlns="e44e039f-c551-4112-981c-456f1b630ef1">Germany</Client_x0020_Country>
+    <Year xmlns="e44e039f-c551-4112-981c-456f1b630ef1" xsi:nil="true"/>
+  </documentManagement>
+</p:properties>
 </file>
 
 <file path=customXml/item4.xml><?xml version="1.0" encoding="utf-8"?>
@@ -22321,18 +22263,9 @@
 </file>
 
 <file path=customXml/itemProps1.xml><?xml version="1.0" encoding="utf-8"?>
-<ds:datastoreItem xmlns:ds="http://schemas.openxmlformats.org/officeDocument/2006/customXml" ds:itemID="{7445AAF4-B73F-4E3A-B9D2-4DDAE0F1BE8A}">
+<ds:datastoreItem xmlns:ds="http://schemas.openxmlformats.org/officeDocument/2006/customXml" ds:itemID="{9217953E-6BB7-40C6-9A84-608D0A8D65EC}">
   <ds:schemaRefs>
-    <ds:schemaRef ds:uri="http://schemas.microsoft.com/office/2006/documentManagement/types"/>
-    <ds:schemaRef ds:uri="http://schemas.openxmlformats.org/package/2006/metadata/core-properties"/>
-    <ds:schemaRef ds:uri="727178e8-9586-4f49-8e7b-77af9c2fb085"/>
-    <ds:schemaRef ds:uri="http://purl.org/dc/elements/1.1/"/>
-    <ds:schemaRef ds:uri="http://schemas.microsoft.com/office/2006/metadata/properties"/>
-    <ds:schemaRef ds:uri="e44e039f-c551-4112-981c-456f1b630ef1"/>
-    <ds:schemaRef ds:uri="http://purl.org/dc/terms/"/>
-    <ds:schemaRef ds:uri="http://schemas.microsoft.com/office/infopath/2007/PartnerControls"/>
-    <ds:schemaRef ds:uri="http://www.w3.org/XML/1998/namespace"/>
-    <ds:schemaRef ds:uri="http://purl.org/dc/dcmitype/"/>
+    <ds:schemaRef ds:uri="http://schemas.microsoft.com/sharepoint/v3/contenttype/forms"/>
   </ds:schemaRefs>
 </ds:datastoreItem>
 </file>
@@ -22357,9 +22290,18 @@
 </file>
 
 <file path=customXml/itemProps3.xml><?xml version="1.0" encoding="utf-8"?>
-<ds:datastoreItem xmlns:ds="http://schemas.openxmlformats.org/officeDocument/2006/customXml" ds:itemID="{9217953E-6BB7-40C6-9A84-608D0A8D65EC}">
+<ds:datastoreItem xmlns:ds="http://schemas.openxmlformats.org/officeDocument/2006/customXml" ds:itemID="{7445AAF4-B73F-4E3A-B9D2-4DDAE0F1BE8A}">
   <ds:schemaRefs>
-    <ds:schemaRef ds:uri="http://schemas.microsoft.com/sharepoint/v3/contenttype/forms"/>
+    <ds:schemaRef ds:uri="http://schemas.microsoft.com/office/2006/documentManagement/types"/>
+    <ds:schemaRef ds:uri="http://schemas.openxmlformats.org/package/2006/metadata/core-properties"/>
+    <ds:schemaRef ds:uri="727178e8-9586-4f49-8e7b-77af9c2fb085"/>
+    <ds:schemaRef ds:uri="http://purl.org/dc/elements/1.1/"/>
+    <ds:schemaRef ds:uri="http://schemas.microsoft.com/office/2006/metadata/properties"/>
+    <ds:schemaRef ds:uri="e44e039f-c551-4112-981c-456f1b630ef1"/>
+    <ds:schemaRef ds:uri="http://purl.org/dc/terms/"/>
+    <ds:schemaRef ds:uri="http://schemas.microsoft.com/office/infopath/2007/PartnerControls"/>
+    <ds:schemaRef ds:uri="http://www.w3.org/XML/1998/namespace"/>
+    <ds:schemaRef ds:uri="http://purl.org/dc/dcmitype/"/>
   </ds:schemaRefs>
 </ds:datastoreItem>
 </file>

--- a/WDSR - ćwiczenie 5.pptx
+++ b/WDSR - ćwiczenie 5.pptx
@@ -263,7 +263,7 @@
             <a:fld id="{C4843D26-F355-3844-A4EF-19D4FD875597}" type="datetimeFigureOut">
               <a:rPr lang="de-DE" smtClean="0"/>
               <a:pPr/>
-              <a:t>06.05.2017</a:t>
+              <a:t>09.05.2017</a:t>
             </a:fld>
             <a:endParaRPr lang="de-DE" dirty="0"/>
           </a:p>
@@ -431,7 +431,7 @@
             <a:fld id="{8E2CFE12-C1FB-D740-8B6C-AFB72D5D4002}" type="datetimeFigureOut">
               <a:rPr lang="de-DE" smtClean="0"/>
               <a:pPr/>
-              <a:t>06.05.2017</a:t>
+              <a:t>09.05.2017</a:t>
             </a:fld>
             <a:endParaRPr lang="de-DE" dirty="0"/>
           </a:p>
@@ -6021,37 +6021,20 @@
           <a:p>
             <a:r>
               <a:rPr lang="pl-PL" dirty="0" smtClean="0"/>
-              <a:t>Materiały: </a:t>
-            </a:r>
-            <a:r>
-              <a:rPr lang="pl-PL" dirty="0" smtClean="0"/>
-              <a:t>Marek </a:t>
-            </a:r>
-            <a:r>
-              <a:rPr lang="pl-PL" dirty="0" smtClean="0"/>
-              <a:t>Strejczek</a:t>
+              <a:t>Materiały: Marek Strejczek</a:t>
             </a:r>
             <a:endParaRPr lang="de-DE" dirty="0" smtClean="0"/>
           </a:p>
           <a:p>
             <a:r>
               <a:rPr lang="pl-PL" dirty="0" smtClean="0"/>
-              <a:t>Lato </a:t>
-            </a:r>
-            <a:r>
-              <a:rPr lang="pl-PL" dirty="0" smtClean="0"/>
-              <a:t>2017</a:t>
-            </a:r>
-            <a:endParaRPr lang="pl-PL" dirty="0" smtClean="0"/>
-          </a:p>
-          <a:p>
-            <a:r>
-              <a:rPr lang="pl-PL" dirty="0" smtClean="0"/>
-              <a:t>Wersja </a:t>
-            </a:r>
-            <a:r>
-              <a:rPr lang="pl-PL" dirty="0" smtClean="0"/>
-              <a:t>2.0</a:t>
+              <a:t>Lato 2017</a:t>
+            </a:r>
+          </a:p>
+          <a:p>
+            <a:r>
+              <a:rPr lang="pl-PL" dirty="0" smtClean="0"/>
+              <a:t>Wersja 2.0</a:t>
             </a:r>
             <a:endParaRPr lang="de-DE" dirty="0"/>
           </a:p>
@@ -9328,33 +9311,12 @@
           <a:p>
             <a:pPr lvl="1"/>
             <a:r>
-              <a:rPr lang="pl-PL" dirty="0">
-                <a:hlinkClick r:id="rId3"/>
-              </a:rPr>
-              <a:t>https://</a:t>
-            </a:r>
-            <a:r>
               <a:rPr lang="pl-PL" dirty="0" smtClean="0">
                 <a:hlinkClick r:id="rId3"/>
               </a:rPr>
-              <a:t>github.com/wdsr/exercise5</a:t>
+              <a:t>https://github.com/m-kolodziejski/exercise5</a:t>
             </a:r>
             <a:endParaRPr lang="pl-PL" dirty="0" smtClean="0"/>
-          </a:p>
-          <a:p>
-            <a:pPr lvl="1"/>
-            <a:r>
-              <a:rPr lang="pl-PL" dirty="0" smtClean="0"/>
-              <a:t>Tym razem nie rób </a:t>
-            </a:r>
-            <a:r>
-              <a:rPr lang="pl-PL" dirty="0" err="1" smtClean="0"/>
-              <a:t>forka</a:t>
-            </a:r>
-            <a:r>
-              <a:rPr lang="pl-PL" dirty="0" smtClean="0"/>
-              <a:t>!</a:t>
-            </a:r>
           </a:p>
           <a:p>
             <a:endParaRPr lang="pl-PL" dirty="0" smtClean="0"/>
@@ -9549,39 +9511,26 @@
                                   </p:childTnLst>
                                 </p:cTn>
                               </p:par>
+                            </p:childTnLst>
+                          </p:cTn>
+                        </p:par>
+                      </p:childTnLst>
+                    </p:cTn>
+                  </p:par>
+                  <p:par>
+                    <p:cTn id="7" fill="hold">
+                      <p:stCondLst>
+                        <p:cond delay="indefinite"/>
+                      </p:stCondLst>
+                      <p:childTnLst>
+                        <p:par>
+                          <p:cTn id="8" fill="hold">
+                            <p:stCondLst>
+                              <p:cond delay="0"/>
+                            </p:stCondLst>
+                            <p:childTnLst>
                               <p:par>
-                                <p:cTn id="7" presetID="1" presetClass="entr" presetSubtype="0" fill="hold" nodeType="withEffect">
-                                  <p:stCondLst>
-                                    <p:cond delay="0"/>
-                                  </p:stCondLst>
-                                  <p:childTnLst>
-                                    <p:set>
-                                      <p:cBhvr>
-                                        <p:cTn id="8" dur="1" fill="hold">
-                                          <p:stCondLst>
-                                            <p:cond delay="0"/>
-                                          </p:stCondLst>
-                                        </p:cTn>
-                                        <p:tgtEl>
-                                          <p:spTgt spid="6">
-                                            <p:txEl>
-                                              <p:pRg st="1" end="1"/>
-                                            </p:txEl>
-                                          </p:spTgt>
-                                        </p:tgtEl>
-                                        <p:attrNameLst>
-                                          <p:attrName>style.visibility</p:attrName>
-                                        </p:attrNameLst>
-                                      </p:cBhvr>
-                                      <p:to>
-                                        <p:strVal val="visible"/>
-                                      </p:to>
-                                    </p:set>
-                                  </p:childTnLst>
-                                </p:cTn>
-                              </p:par>
-                              <p:par>
-                                <p:cTn id="9" presetID="1" presetClass="entr" presetSubtype="0" fill="hold" nodeType="withEffect">
+                                <p:cTn id="9" presetID="1" presetClass="entr" presetSubtype="0" fill="hold" nodeType="clickEffect">
                                   <p:stCondLst>
                                     <p:cond delay="0"/>
                                   </p:stCondLst>
@@ -9596,7 +9545,7 @@
                                         <p:tgtEl>
                                           <p:spTgt spid="6">
                                             <p:txEl>
-                                              <p:pRg st="2" end="2"/>
+                                              <p:pRg st="1" end="1"/>
                                             </p:txEl>
                                           </p:spTgt>
                                         </p:tgtEl>
@@ -9645,7 +9594,7 @@
                                         <p:tgtEl>
                                           <p:spTgt spid="6">
                                             <p:txEl>
-                                              <p:pRg st="4" end="4"/>
+                                              <p:pRg st="3" end="3"/>
                                             </p:txEl>
                                           </p:spTgt>
                                         </p:tgtEl>
@@ -9676,7 +9625,7 @@
                                         <p:tgtEl>
                                           <p:spTgt spid="6">
                                             <p:txEl>
-                                              <p:pRg st="5" end="5"/>
+                                              <p:pRg st="4" end="4"/>
                                             </p:txEl>
                                           </p:spTgt>
                                         </p:tgtEl>
@@ -9707,7 +9656,7 @@
                                         <p:tgtEl>
                                           <p:spTgt spid="6">
                                             <p:txEl>
-                                              <p:pRg st="6" end="6"/>
+                                              <p:pRg st="5" end="5"/>
                                             </p:txEl>
                                           </p:spTgt>
                                         </p:tgtEl>
@@ -9738,7 +9687,7 @@
                                         <p:tgtEl>
                                           <p:spTgt spid="6">
                                             <p:txEl>
-                                              <p:pRg st="7" end="7"/>
+                                              <p:pRg st="6" end="6"/>
                                             </p:txEl>
                                           </p:spTgt>
                                         </p:tgtEl>
@@ -9769,7 +9718,7 @@
                                         <p:tgtEl>
                                           <p:spTgt spid="6">
                                             <p:txEl>
-                                              <p:pRg st="8" end="8"/>
+                                              <p:pRg st="7" end="7"/>
                                             </p:txEl>
                                           </p:spTgt>
                                         </p:tgtEl>
@@ -9818,7 +9767,7 @@
                                         <p:tgtEl>
                                           <p:spTgt spid="6">
                                             <p:txEl>
-                                              <p:pRg st="10" end="10"/>
+                                              <p:pRg st="9" end="9"/>
                                             </p:txEl>
                                           </p:spTgt>
                                         </p:tgtEl>
@@ -9912,32 +9861,15 @@
             <a:pPr lvl="1"/>
             <a:r>
               <a:rPr lang="pl-PL" dirty="0" smtClean="0"/>
-              <a:t>Utwórz repozytorium exercise5 na GitHubie. Repozytorium musi być dostępne pod adresem:</a:t>
-            </a:r>
-          </a:p>
-          <a:p>
-            <a:pPr lvl="2"/>
-            <a:r>
-              <a:rPr lang="pl-PL" dirty="0" smtClean="0">
-                <a:hlinkClick r:id="rId3"/>
-              </a:rPr>
-              <a:t>https://github.com/&lt;username&gt;/exercise5</a:t>
-            </a:r>
-            <a:endParaRPr lang="pl-PL" dirty="0" smtClean="0"/>
-          </a:p>
-          <a:p>
-            <a:pPr lvl="1"/>
-            <a:r>
-              <a:rPr lang="pl-PL" dirty="0" smtClean="0"/>
-              <a:t>W domyślnym </a:t>
+              <a:t>Utwórz </a:t>
             </a:r>
             <a:r>
               <a:rPr lang="pl-PL" dirty="0" err="1" smtClean="0"/>
-              <a:t>branch’u</a:t>
-            </a:r>
-            <a:r>
-              <a:rPr lang="pl-PL" dirty="0" smtClean="0"/>
-              <a:t> (master) utwórz katalog </a:t>
+              <a:t>branch</a:t>
+            </a:r>
+            <a:r>
+              <a:rPr lang="pl-PL" dirty="0" smtClean="0"/>
+              <a:t> </a:t>
             </a:r>
             <a:r>
               <a:rPr lang="pl-PL" dirty="0" err="1" smtClean="0"/>
@@ -10425,15 +10357,33 @@
                                   </p:childTnLst>
                                 </p:cTn>
                               </p:par>
+                            </p:childTnLst>
+                          </p:cTn>
+                        </p:par>
+                      </p:childTnLst>
+                    </p:cTn>
+                  </p:par>
+                  <p:par>
+                    <p:cTn id="9" fill="hold">
+                      <p:stCondLst>
+                        <p:cond delay="indefinite"/>
+                      </p:stCondLst>
+                      <p:childTnLst>
+                        <p:par>
+                          <p:cTn id="10" fill="hold">
+                            <p:stCondLst>
+                              <p:cond delay="0"/>
+                            </p:stCondLst>
+                            <p:childTnLst>
                               <p:par>
-                                <p:cTn id="9" presetID="1" presetClass="entr" presetSubtype="0" fill="hold" nodeType="withEffect">
+                                <p:cTn id="11" presetID="1" presetClass="entr" presetSubtype="0" fill="hold" nodeType="clickEffect">
                                   <p:stCondLst>
                                     <p:cond delay="0"/>
                                   </p:stCondLst>
                                   <p:childTnLst>
                                     <p:set>
                                       <p:cBhvr>
-                                        <p:cTn id="10" dur="1" fill="hold">
+                                        <p:cTn id="12" dur="1" fill="hold">
                                           <p:stCondLst>
                                             <p:cond delay="0"/>
                                           </p:stCondLst>
@@ -10456,26 +10406,8 @@
                                   </p:childTnLst>
                                 </p:cTn>
                               </p:par>
-                            </p:childTnLst>
-                          </p:cTn>
-                        </p:par>
-                      </p:childTnLst>
-                    </p:cTn>
-                  </p:par>
-                  <p:par>
-                    <p:cTn id="11" fill="hold">
-                      <p:stCondLst>
-                        <p:cond delay="indefinite"/>
-                      </p:stCondLst>
-                      <p:childTnLst>
-                        <p:par>
-                          <p:cTn id="12" fill="hold">
-                            <p:stCondLst>
-                              <p:cond delay="0"/>
-                            </p:stCondLst>
-                            <p:childTnLst>
                               <p:par>
-                                <p:cTn id="13" presetID="1" presetClass="entr" presetSubtype="0" fill="hold" nodeType="clickEffect">
+                                <p:cTn id="13" presetID="1" presetClass="entr" presetSubtype="0" fill="hold" nodeType="withEffect">
                                   <p:stCondLst>
                                     <p:cond delay="0"/>
                                   </p:stCondLst>
@@ -10505,33 +10437,15 @@
                                   </p:childTnLst>
                                 </p:cTn>
                               </p:par>
-                            </p:childTnLst>
-                          </p:cTn>
-                        </p:par>
-                      </p:childTnLst>
-                    </p:cTn>
-                  </p:par>
-                  <p:par>
-                    <p:cTn id="15" fill="hold">
-                      <p:stCondLst>
-                        <p:cond delay="indefinite"/>
-                      </p:stCondLst>
-                      <p:childTnLst>
-                        <p:par>
-                          <p:cTn id="16" fill="hold">
-                            <p:stCondLst>
-                              <p:cond delay="0"/>
-                            </p:stCondLst>
-                            <p:childTnLst>
                               <p:par>
-                                <p:cTn id="17" presetID="1" presetClass="entr" presetSubtype="0" fill="hold" nodeType="clickEffect">
+                                <p:cTn id="15" presetID="1" presetClass="entr" presetSubtype="0" fill="hold" nodeType="withEffect">
                                   <p:stCondLst>
                                     <p:cond delay="0"/>
                                   </p:stCondLst>
                                   <p:childTnLst>
                                     <p:set>
                                       <p:cBhvr>
-                                        <p:cTn id="18" dur="1" fill="hold">
+                                        <p:cTn id="16" dur="1" fill="hold">
                                           <p:stCondLst>
                                             <p:cond delay="0"/>
                                           </p:stCondLst>
@@ -10540,68 +10454,6 @@
                                           <p:spTgt spid="6">
                                             <p:txEl>
                                               <p:pRg st="4" end="4"/>
-                                            </p:txEl>
-                                          </p:spTgt>
-                                        </p:tgtEl>
-                                        <p:attrNameLst>
-                                          <p:attrName>style.visibility</p:attrName>
-                                        </p:attrNameLst>
-                                      </p:cBhvr>
-                                      <p:to>
-                                        <p:strVal val="visible"/>
-                                      </p:to>
-                                    </p:set>
-                                  </p:childTnLst>
-                                </p:cTn>
-                              </p:par>
-                              <p:par>
-                                <p:cTn id="19" presetID="1" presetClass="entr" presetSubtype="0" fill="hold" nodeType="withEffect">
-                                  <p:stCondLst>
-                                    <p:cond delay="0"/>
-                                  </p:stCondLst>
-                                  <p:childTnLst>
-                                    <p:set>
-                                      <p:cBhvr>
-                                        <p:cTn id="20" dur="1" fill="hold">
-                                          <p:stCondLst>
-                                            <p:cond delay="0"/>
-                                          </p:stCondLst>
-                                        </p:cTn>
-                                        <p:tgtEl>
-                                          <p:spTgt spid="6">
-                                            <p:txEl>
-                                              <p:pRg st="5" end="5"/>
-                                            </p:txEl>
-                                          </p:spTgt>
-                                        </p:tgtEl>
-                                        <p:attrNameLst>
-                                          <p:attrName>style.visibility</p:attrName>
-                                        </p:attrNameLst>
-                                      </p:cBhvr>
-                                      <p:to>
-                                        <p:strVal val="visible"/>
-                                      </p:to>
-                                    </p:set>
-                                  </p:childTnLst>
-                                </p:cTn>
-                              </p:par>
-                              <p:par>
-                                <p:cTn id="21" presetID="1" presetClass="entr" presetSubtype="0" fill="hold" nodeType="withEffect">
-                                  <p:stCondLst>
-                                    <p:cond delay="0"/>
-                                  </p:stCondLst>
-                                  <p:childTnLst>
-                                    <p:set>
-                                      <p:cBhvr>
-                                        <p:cTn id="22" dur="1" fill="hold">
-                                          <p:stCondLst>
-                                            <p:cond delay="0"/>
-                                          </p:stCondLst>
-                                        </p:cTn>
-                                        <p:tgtEl>
-                                          <p:spTgt spid="6">
-                                            <p:txEl>
-                                              <p:pRg st="6" end="6"/>
                                             </p:txEl>
                                           </p:spTgt>
                                         </p:tgtEl>
@@ -14172,6 +14024,76 @@
             <a:endParaRPr lang="pl-PL" dirty="0">
               <a:latin typeface="Courier New" panose="02070309020205020404" pitchFamily="49" charset="0"/>
               <a:cs typeface="Courier New" panose="02070309020205020404" pitchFamily="49" charset="0"/>
+            </a:endParaRPr>
+          </a:p>
+        </p:txBody>
+      </p:sp>
+      <p:sp>
+        <p:nvSpPr>
+          <p:cNvPr id="8" name="pole tekstowe 7"/>
+          <p:cNvSpPr txBox="1"/>
+          <p:nvPr/>
+        </p:nvSpPr>
+        <p:spPr bwMode="auto">
+          <a:xfrm>
+            <a:off x="443707" y="4337616"/>
+            <a:ext cx="6751848" cy="518091"/>
+          </a:xfrm>
+          <a:prstGeom prst="rect">
+            <a:avLst/>
+          </a:prstGeom>
+          <a:noFill/>
+          <a:ln w="9525">
+            <a:noFill/>
+            <a:miter lim="800000"/>
+            <a:headEnd/>
+            <a:tailEnd/>
+          </a:ln>
+        </p:spPr>
+        <p:txBody>
+          <a:bodyPr wrap="none" lIns="0" tIns="0" rIns="0" bIns="0" rtlCol="0">
+            <a:spAutoFit/>
+          </a:bodyPr>
+          <a:lstStyle/>
+          <a:p>
+            <a:pPr>
+              <a:spcBef>
+                <a:spcPts val="100"/>
+              </a:spcBef>
+              <a:spcAft>
+                <a:spcPts val="100"/>
+              </a:spcAft>
+            </a:pPr>
+            <a:r>
+              <a:rPr lang="pl-PL" sz="1600" b="1" dirty="0" smtClean="0">
+                <a:solidFill>
+                  <a:srgbClr val="00B050"/>
+                </a:solidFill>
+              </a:rPr>
+              <a:t>Ostateczny termin zaliczenia ćwiczenia: czwartek 24 maja</a:t>
+            </a:r>
+          </a:p>
+          <a:p>
+            <a:pPr>
+              <a:spcBef>
+                <a:spcPts val="100"/>
+              </a:spcBef>
+              <a:spcAft>
+                <a:spcPts val="100"/>
+              </a:spcAft>
+            </a:pPr>
+            <a:r>
+              <a:rPr lang="pl-PL" sz="1600" b="1" dirty="0" smtClean="0">
+                <a:solidFill>
+                  <a:srgbClr val="00B050"/>
+                </a:solidFill>
+              </a:rPr>
+              <a:t>Rozwiązania dostarczone później nie będą uwzględniane (0 punktów)</a:t>
+            </a:r>
+            <a:endParaRPr lang="pl-PL" sz="1600" b="1" dirty="0">
+              <a:solidFill>
+                <a:srgbClr val="00B050"/>
+              </a:solidFill>
             </a:endParaRPr>
           </a:p>
         </p:txBody>

--- a/WDSR - ćwiczenie 5.pptx
+++ b/WDSR - ćwiczenie 5.pptx
@@ -5,10 +5,10 @@
     <p:sldMasterId id="2147483669" r:id="rId5"/>
   </p:sldMasterIdLst>
   <p:notesMasterIdLst>
-    <p:notesMasterId r:id="rId29"/>
+    <p:notesMasterId r:id="rId33"/>
   </p:notesMasterIdLst>
   <p:handoutMasterIdLst>
-    <p:handoutMasterId r:id="rId30"/>
+    <p:handoutMasterId r:id="rId34"/>
   </p:handoutMasterIdLst>
   <p:sldIdLst>
     <p:sldId id="286" r:id="rId6"/>
@@ -33,7 +33,11 @@
     <p:sldId id="477" r:id="rId25"/>
     <p:sldId id="478" r:id="rId26"/>
     <p:sldId id="479" r:id="rId27"/>
-    <p:sldId id="324" r:id="rId28"/>
+    <p:sldId id="483" r:id="rId28"/>
+    <p:sldId id="485" r:id="rId29"/>
+    <p:sldId id="486" r:id="rId30"/>
+    <p:sldId id="484" r:id="rId31"/>
+    <p:sldId id="324" r:id="rId32"/>
   </p:sldIdLst>
   <p:sldSz cx="9144000" cy="5143500" type="screen16x9"/>
   <p:notesSz cx="6858000" cy="9144000"/>
@@ -263,7 +267,7 @@
             <a:fld id="{C4843D26-F355-3844-A4EF-19D4FD875597}" type="datetimeFigureOut">
               <a:rPr lang="de-DE" smtClean="0"/>
               <a:pPr/>
-              <a:t>09.05.2017</a:t>
+              <a:t>16.05.2017</a:t>
             </a:fld>
             <a:endParaRPr lang="de-DE" dirty="0"/>
           </a:p>
@@ -431,7 +435,7 @@
             <a:fld id="{8E2CFE12-C1FB-D740-8B6C-AFB72D5D4002}" type="datetimeFigureOut">
               <a:rPr lang="de-DE" smtClean="0"/>
               <a:pPr/>
-              <a:t>09.05.2017</a:t>
+              <a:t>16.05.2017</a:t>
             </a:fld>
             <a:endParaRPr lang="de-DE" dirty="0"/>
           </a:p>
@@ -1910,6 +1914,354 @@
     <p:extLst>
       <p:ext uri="{BB962C8B-B14F-4D97-AF65-F5344CB8AC3E}">
         <p14:creationId xmlns:p14="http://schemas.microsoft.com/office/powerpoint/2010/main" xmlns="" val="1529376990"/>
+      </p:ext>
+    </p:extLst>
+  </p:cSld>
+  <p:clrMapOvr>
+    <a:masterClrMapping/>
+  </p:clrMapOvr>
+</p:notes>
+</file>
+
+<file path=ppt/notesSlides/notesSlide22.xml><?xml version="1.0" encoding="utf-8"?>
+<p:notes xmlns:a="http://schemas.openxmlformats.org/drawingml/2006/main" xmlns:r="http://schemas.openxmlformats.org/officeDocument/2006/relationships" xmlns:p="http://schemas.openxmlformats.org/presentationml/2006/main">
+  <p:cSld>
+    <p:spTree>
+      <p:nvGrpSpPr>
+        <p:cNvPr id="1" name=""/>
+        <p:cNvGrpSpPr/>
+        <p:nvPr/>
+      </p:nvGrpSpPr>
+      <p:grpSpPr>
+        <a:xfrm>
+          <a:off x="0" y="0"/>
+          <a:ext cx="0" cy="0"/>
+          <a:chOff x="0" y="0"/>
+          <a:chExt cx="0" cy="0"/>
+        </a:xfrm>
+      </p:grpSpPr>
+      <p:sp>
+        <p:nvSpPr>
+          <p:cNvPr id="2" name="Folienbildplatzhalter 1"/>
+          <p:cNvSpPr>
+            <a:spLocks noGrp="1" noRot="1" noChangeAspect="1"/>
+          </p:cNvSpPr>
+          <p:nvPr>
+            <p:ph type="sldImg"/>
+          </p:nvPr>
+        </p:nvSpPr>
+        <p:spPr/>
+      </p:sp>
+      <p:sp>
+        <p:nvSpPr>
+          <p:cNvPr id="3" name="Notizenplatzhalter 2"/>
+          <p:cNvSpPr>
+            <a:spLocks noGrp="1"/>
+          </p:cNvSpPr>
+          <p:nvPr>
+            <p:ph type="body" idx="1"/>
+          </p:nvPr>
+        </p:nvSpPr>
+        <p:spPr/>
+        <p:txBody>
+          <a:bodyPr>
+            <a:normAutofit/>
+          </a:bodyPr>
+          <a:lstStyle/>
+          <a:p>
+            <a:endParaRPr lang="de-DE" dirty="0"/>
+          </a:p>
+        </p:txBody>
+      </p:sp>
+      <p:sp>
+        <p:nvSpPr>
+          <p:cNvPr id="4" name="Foliennummernplatzhalter 3"/>
+          <p:cNvSpPr>
+            <a:spLocks noGrp="1"/>
+          </p:cNvSpPr>
+          <p:nvPr>
+            <p:ph type="sldNum" sz="quarter" idx="10"/>
+          </p:nvPr>
+        </p:nvSpPr>
+        <p:spPr/>
+        <p:txBody>
+          <a:bodyPr/>
+          <a:lstStyle/>
+          <a:p>
+            <a:fld id="{150BA478-331B-4C41-B0D5-A69E59A4437F}" type="slidenum">
+              <a:rPr lang="de-DE" smtClean="0"/>
+              <a:pPr/>
+              <a:t>23</a:t>
+            </a:fld>
+            <a:endParaRPr lang="de-DE" dirty="0"/>
+          </a:p>
+        </p:txBody>
+      </p:sp>
+    </p:spTree>
+    <p:extLst>
+      <p:ext uri="{BB962C8B-B14F-4D97-AF65-F5344CB8AC3E}">
+        <p14:creationId xmlns:p14="http://schemas.microsoft.com/office/powerpoint/2010/main" xmlns="" val="1883132698"/>
+      </p:ext>
+    </p:extLst>
+  </p:cSld>
+  <p:clrMapOvr>
+    <a:masterClrMapping/>
+  </p:clrMapOvr>
+</p:notes>
+</file>
+
+<file path=ppt/notesSlides/notesSlide23.xml><?xml version="1.0" encoding="utf-8"?>
+<p:notes xmlns:a="http://schemas.openxmlformats.org/drawingml/2006/main" xmlns:r="http://schemas.openxmlformats.org/officeDocument/2006/relationships" xmlns:p="http://schemas.openxmlformats.org/presentationml/2006/main">
+  <p:cSld>
+    <p:spTree>
+      <p:nvGrpSpPr>
+        <p:cNvPr id="1" name=""/>
+        <p:cNvGrpSpPr/>
+        <p:nvPr/>
+      </p:nvGrpSpPr>
+      <p:grpSpPr>
+        <a:xfrm>
+          <a:off x="0" y="0"/>
+          <a:ext cx="0" cy="0"/>
+          <a:chOff x="0" y="0"/>
+          <a:chExt cx="0" cy="0"/>
+        </a:xfrm>
+      </p:grpSpPr>
+      <p:sp>
+        <p:nvSpPr>
+          <p:cNvPr id="2" name="Folienbildplatzhalter 1"/>
+          <p:cNvSpPr>
+            <a:spLocks noGrp="1" noRot="1" noChangeAspect="1"/>
+          </p:cNvSpPr>
+          <p:nvPr>
+            <p:ph type="sldImg"/>
+          </p:nvPr>
+        </p:nvSpPr>
+        <p:spPr/>
+      </p:sp>
+      <p:sp>
+        <p:nvSpPr>
+          <p:cNvPr id="3" name="Notizenplatzhalter 2"/>
+          <p:cNvSpPr>
+            <a:spLocks noGrp="1"/>
+          </p:cNvSpPr>
+          <p:nvPr>
+            <p:ph type="body" idx="1"/>
+          </p:nvPr>
+        </p:nvSpPr>
+        <p:spPr/>
+        <p:txBody>
+          <a:bodyPr>
+            <a:normAutofit/>
+          </a:bodyPr>
+          <a:lstStyle/>
+          <a:p>
+            <a:endParaRPr lang="de-DE" dirty="0"/>
+          </a:p>
+        </p:txBody>
+      </p:sp>
+      <p:sp>
+        <p:nvSpPr>
+          <p:cNvPr id="4" name="Foliennummernplatzhalter 3"/>
+          <p:cNvSpPr>
+            <a:spLocks noGrp="1"/>
+          </p:cNvSpPr>
+          <p:nvPr>
+            <p:ph type="sldNum" sz="quarter" idx="10"/>
+          </p:nvPr>
+        </p:nvSpPr>
+        <p:spPr/>
+        <p:txBody>
+          <a:bodyPr/>
+          <a:lstStyle/>
+          <a:p>
+            <a:fld id="{150BA478-331B-4C41-B0D5-A69E59A4437F}" type="slidenum">
+              <a:rPr lang="de-DE" smtClean="0"/>
+              <a:pPr/>
+              <a:t>24</a:t>
+            </a:fld>
+            <a:endParaRPr lang="de-DE" dirty="0"/>
+          </a:p>
+        </p:txBody>
+      </p:sp>
+    </p:spTree>
+    <p:extLst>
+      <p:ext uri="{BB962C8B-B14F-4D97-AF65-F5344CB8AC3E}">
+        <p14:creationId xmlns:p14="http://schemas.microsoft.com/office/powerpoint/2010/main" xmlns="" val="1883132698"/>
+      </p:ext>
+    </p:extLst>
+  </p:cSld>
+  <p:clrMapOvr>
+    <a:masterClrMapping/>
+  </p:clrMapOvr>
+</p:notes>
+</file>
+
+<file path=ppt/notesSlides/notesSlide24.xml><?xml version="1.0" encoding="utf-8"?>
+<p:notes xmlns:a="http://schemas.openxmlformats.org/drawingml/2006/main" xmlns:r="http://schemas.openxmlformats.org/officeDocument/2006/relationships" xmlns:p="http://schemas.openxmlformats.org/presentationml/2006/main">
+  <p:cSld>
+    <p:spTree>
+      <p:nvGrpSpPr>
+        <p:cNvPr id="1" name=""/>
+        <p:cNvGrpSpPr/>
+        <p:nvPr/>
+      </p:nvGrpSpPr>
+      <p:grpSpPr>
+        <a:xfrm>
+          <a:off x="0" y="0"/>
+          <a:ext cx="0" cy="0"/>
+          <a:chOff x="0" y="0"/>
+          <a:chExt cx="0" cy="0"/>
+        </a:xfrm>
+      </p:grpSpPr>
+      <p:sp>
+        <p:nvSpPr>
+          <p:cNvPr id="2" name="Folienbildplatzhalter 1"/>
+          <p:cNvSpPr>
+            <a:spLocks noGrp="1" noRot="1" noChangeAspect="1"/>
+          </p:cNvSpPr>
+          <p:nvPr>
+            <p:ph type="sldImg"/>
+          </p:nvPr>
+        </p:nvSpPr>
+        <p:spPr/>
+      </p:sp>
+      <p:sp>
+        <p:nvSpPr>
+          <p:cNvPr id="3" name="Notizenplatzhalter 2"/>
+          <p:cNvSpPr>
+            <a:spLocks noGrp="1"/>
+          </p:cNvSpPr>
+          <p:nvPr>
+            <p:ph type="body" idx="1"/>
+          </p:nvPr>
+        </p:nvSpPr>
+        <p:spPr/>
+        <p:txBody>
+          <a:bodyPr>
+            <a:normAutofit/>
+          </a:bodyPr>
+          <a:lstStyle/>
+          <a:p>
+            <a:endParaRPr lang="de-DE" dirty="0"/>
+          </a:p>
+        </p:txBody>
+      </p:sp>
+      <p:sp>
+        <p:nvSpPr>
+          <p:cNvPr id="4" name="Foliennummernplatzhalter 3"/>
+          <p:cNvSpPr>
+            <a:spLocks noGrp="1"/>
+          </p:cNvSpPr>
+          <p:nvPr>
+            <p:ph type="sldNum" sz="quarter" idx="10"/>
+          </p:nvPr>
+        </p:nvSpPr>
+        <p:spPr/>
+        <p:txBody>
+          <a:bodyPr/>
+          <a:lstStyle/>
+          <a:p>
+            <a:fld id="{150BA478-331B-4C41-B0D5-A69E59A4437F}" type="slidenum">
+              <a:rPr lang="de-DE" smtClean="0"/>
+              <a:pPr/>
+              <a:t>25</a:t>
+            </a:fld>
+            <a:endParaRPr lang="de-DE" dirty="0"/>
+          </a:p>
+        </p:txBody>
+      </p:sp>
+    </p:spTree>
+    <p:extLst>
+      <p:ext uri="{BB962C8B-B14F-4D97-AF65-F5344CB8AC3E}">
+        <p14:creationId xmlns:p14="http://schemas.microsoft.com/office/powerpoint/2010/main" xmlns="" val="1883132698"/>
+      </p:ext>
+    </p:extLst>
+  </p:cSld>
+  <p:clrMapOvr>
+    <a:masterClrMapping/>
+  </p:clrMapOvr>
+</p:notes>
+</file>
+
+<file path=ppt/notesSlides/notesSlide25.xml><?xml version="1.0" encoding="utf-8"?>
+<p:notes xmlns:a="http://schemas.openxmlformats.org/drawingml/2006/main" xmlns:r="http://schemas.openxmlformats.org/officeDocument/2006/relationships" xmlns:p="http://schemas.openxmlformats.org/presentationml/2006/main">
+  <p:cSld>
+    <p:spTree>
+      <p:nvGrpSpPr>
+        <p:cNvPr id="1" name=""/>
+        <p:cNvGrpSpPr/>
+        <p:nvPr/>
+      </p:nvGrpSpPr>
+      <p:grpSpPr>
+        <a:xfrm>
+          <a:off x="0" y="0"/>
+          <a:ext cx="0" cy="0"/>
+          <a:chOff x="0" y="0"/>
+          <a:chExt cx="0" cy="0"/>
+        </a:xfrm>
+      </p:grpSpPr>
+      <p:sp>
+        <p:nvSpPr>
+          <p:cNvPr id="2" name="Folienbildplatzhalter 1"/>
+          <p:cNvSpPr>
+            <a:spLocks noGrp="1" noRot="1" noChangeAspect="1"/>
+          </p:cNvSpPr>
+          <p:nvPr>
+            <p:ph type="sldImg"/>
+          </p:nvPr>
+        </p:nvSpPr>
+        <p:spPr/>
+      </p:sp>
+      <p:sp>
+        <p:nvSpPr>
+          <p:cNvPr id="3" name="Notizenplatzhalter 2"/>
+          <p:cNvSpPr>
+            <a:spLocks noGrp="1"/>
+          </p:cNvSpPr>
+          <p:nvPr>
+            <p:ph type="body" idx="1"/>
+          </p:nvPr>
+        </p:nvSpPr>
+        <p:spPr/>
+        <p:txBody>
+          <a:bodyPr>
+            <a:normAutofit/>
+          </a:bodyPr>
+          <a:lstStyle/>
+          <a:p>
+            <a:endParaRPr lang="de-DE" dirty="0"/>
+          </a:p>
+        </p:txBody>
+      </p:sp>
+      <p:sp>
+        <p:nvSpPr>
+          <p:cNvPr id="4" name="Foliennummernplatzhalter 3"/>
+          <p:cNvSpPr>
+            <a:spLocks noGrp="1"/>
+          </p:cNvSpPr>
+          <p:nvPr>
+            <p:ph type="sldNum" sz="quarter" idx="10"/>
+          </p:nvPr>
+        </p:nvSpPr>
+        <p:spPr/>
+        <p:txBody>
+          <a:bodyPr/>
+          <a:lstStyle/>
+          <a:p>
+            <a:fld id="{150BA478-331B-4C41-B0D5-A69E59A4437F}" type="slidenum">
+              <a:rPr lang="de-DE" smtClean="0"/>
+              <a:pPr/>
+              <a:t>26</a:t>
+            </a:fld>
+            <a:endParaRPr lang="de-DE" dirty="0"/>
+          </a:p>
+        </p:txBody>
+      </p:sp>
+    </p:spTree>
+    <p:extLst>
+      <p:ext uri="{BB962C8B-B14F-4D97-AF65-F5344CB8AC3E}">
+        <p14:creationId xmlns:p14="http://schemas.microsoft.com/office/powerpoint/2010/main" xmlns="" val="1883132698"/>
       </p:ext>
     </p:extLst>
   </p:cSld>
@@ -9345,8 +9697,12 @@
           <a:p>
             <a:pPr lvl="2"/>
             <a:r>
-              <a:rPr lang="pl-PL" b="1" dirty="0"/>
-              <a:t>jdbc:hsqldb:hsql://</a:t>
+              <a:rPr lang="pl-PL" b="1" dirty="0" err="1" smtClean="0"/>
+              <a:t>jdbc:hsqldb:hsql</a:t>
+            </a:r>
+            <a:r>
+              <a:rPr lang="pl-PL" b="1" dirty="0" smtClean="0"/>
+              <a:t>://</a:t>
             </a:r>
             <a:r>
               <a:rPr lang="pl-PL" b="1" dirty="0" smtClean="0"/>
@@ -14070,7 +14426,7 @@
                   <a:srgbClr val="00B050"/>
                 </a:solidFill>
               </a:rPr>
-              <a:t>Ostateczny termin zaliczenia ćwiczenia: czwartek 24 maja</a:t>
+              <a:t>Ostateczny termin zaliczenia ćwiczenia: wtorek 30 maja</a:t>
             </a:r>
           </a:p>
           <a:p>
@@ -14127,6 +14483,2050 @@
 </file>
 
 <file path=ppt/slides/slide23.xml><?xml version="1.0" encoding="utf-8"?>
+<p:sld xmlns:a="http://schemas.openxmlformats.org/drawingml/2006/main" xmlns:r="http://schemas.openxmlformats.org/officeDocument/2006/relationships" xmlns:p="http://schemas.openxmlformats.org/presentationml/2006/main">
+  <p:cSld>
+    <p:spTree>
+      <p:nvGrpSpPr>
+        <p:cNvPr id="1" name=""/>
+        <p:cNvGrpSpPr/>
+        <p:nvPr/>
+      </p:nvGrpSpPr>
+      <p:grpSpPr>
+        <a:xfrm>
+          <a:off x="0" y="0"/>
+          <a:ext cx="0" cy="0"/>
+          <a:chOff x="0" y="0"/>
+          <a:chExt cx="0" cy="0"/>
+        </a:xfrm>
+      </p:grpSpPr>
+      <p:sp>
+        <p:nvSpPr>
+          <p:cNvPr id="7" name="Titel 6"/>
+          <p:cNvSpPr>
+            <a:spLocks noGrp="1"/>
+          </p:cNvSpPr>
+          <p:nvPr>
+            <p:ph type="title"/>
+          </p:nvPr>
+        </p:nvSpPr>
+        <p:spPr/>
+        <p:txBody>
+          <a:bodyPr/>
+          <a:lstStyle/>
+          <a:p>
+            <a:r>
+              <a:rPr lang="pl-PL" dirty="0" smtClean="0"/>
+              <a:t>Ćwiczenie </a:t>
+            </a:r>
+            <a:r>
+              <a:rPr lang="pl-PL" dirty="0"/>
+              <a:t>5</a:t>
+            </a:r>
+            <a:r>
+              <a:rPr lang="pl-PL" dirty="0" smtClean="0"/>
+              <a:t>: Korzystanie z </a:t>
+            </a:r>
+            <a:r>
+              <a:rPr lang="pl-PL" dirty="0" err="1" smtClean="0"/>
+              <a:t>JdbcTemplate</a:t>
+            </a:r>
+            <a:endParaRPr lang="de-DE" dirty="0"/>
+          </a:p>
+        </p:txBody>
+      </p:sp>
+      <p:sp>
+        <p:nvSpPr>
+          <p:cNvPr id="5" name="Inhaltsplatzhalter 4"/>
+          <p:cNvSpPr>
+            <a:spLocks noGrp="1"/>
+          </p:cNvSpPr>
+          <p:nvPr>
+            <p:ph type="body" sz="quarter" idx="13"/>
+          </p:nvPr>
+        </p:nvSpPr>
+        <p:spPr/>
+        <p:txBody>
+          <a:bodyPr/>
+          <a:lstStyle/>
+          <a:p>
+            <a:r>
+              <a:rPr lang="pl-PL" dirty="0" smtClean="0"/>
+              <a:t>ĆWICZENIE 5</a:t>
+            </a:r>
+            <a:endParaRPr lang="de-DE" dirty="0"/>
+          </a:p>
+        </p:txBody>
+      </p:sp>
+      <p:sp>
+        <p:nvSpPr>
+          <p:cNvPr id="3" name="Prostokąt zaokrąglony 2"/>
+          <p:cNvSpPr/>
+          <p:nvPr/>
+        </p:nvSpPr>
+        <p:spPr>
+          <a:xfrm>
+            <a:off x="1609595" y="1546963"/>
+            <a:ext cx="5730657" cy="1991639"/>
+          </a:xfrm>
+          <a:prstGeom prst="roundRect">
+            <a:avLst/>
+          </a:prstGeom>
+          <a:ln/>
+        </p:spPr>
+        <p:style>
+          <a:lnRef idx="2">
+            <a:schemeClr val="accent3">
+              <a:shade val="50000"/>
+            </a:schemeClr>
+          </a:lnRef>
+          <a:fillRef idx="1">
+            <a:schemeClr val="accent3"/>
+          </a:fillRef>
+          <a:effectRef idx="0">
+            <a:schemeClr val="accent3"/>
+          </a:effectRef>
+          <a:fontRef idx="minor">
+            <a:schemeClr val="lt1"/>
+          </a:fontRef>
+        </p:style>
+        <p:txBody>
+          <a:bodyPr lIns="108000" tIns="108000" rIns="108000" bIns="108000" rtlCol="0" anchor="ctr"/>
+          <a:lstStyle/>
+          <a:p>
+            <a:pPr algn="ctr"/>
+            <a:r>
+              <a:rPr lang="pl-PL" sz="1600" dirty="0" smtClean="0">
+                <a:solidFill>
+                  <a:schemeClr val="tx1"/>
+                </a:solidFill>
+              </a:rPr>
+              <a:t>Ćwiczenie 5</a:t>
+            </a:r>
+          </a:p>
+          <a:p>
+            <a:pPr algn="ctr"/>
+            <a:r>
+              <a:rPr lang="pl-PL" sz="1600" dirty="0" err="1" smtClean="0"/>
+              <a:t>JdbcTemplate</a:t>
+            </a:r>
+            <a:endParaRPr lang="pl-PL" sz="1600" dirty="0" smtClean="0">
+              <a:solidFill>
+                <a:schemeClr val="tx1"/>
+              </a:solidFill>
+            </a:endParaRPr>
+          </a:p>
+        </p:txBody>
+      </p:sp>
+    </p:spTree>
+    <p:extLst>
+      <p:ext uri="{BB962C8B-B14F-4D97-AF65-F5344CB8AC3E}">
+        <p14:creationId xmlns:p14="http://schemas.microsoft.com/office/powerpoint/2010/main" xmlns="" val="3379363085"/>
+      </p:ext>
+    </p:extLst>
+  </p:cSld>
+  <p:clrMapOvr>
+    <a:masterClrMapping/>
+  </p:clrMapOvr>
+  <mc:AlternateContent xmlns:mc="http://schemas.openxmlformats.org/markup-compatibility/2006">
+    <mc:Choice xmlns:p14="http://schemas.microsoft.com/office/powerpoint/2010/main" xmlns="" Requires="p14">
+      <p:transition p14:dur="10"/>
+    </mc:Choice>
+    <mc:Fallback>
+      <p:transition/>
+    </mc:Fallback>
+  </mc:AlternateContent>
+  <p:timing>
+    <p:tnLst>
+      <p:par>
+        <p:cTn id="1" dur="indefinite" restart="never" nodeType="tmRoot"/>
+      </p:par>
+    </p:tnLst>
+  </p:timing>
+</p:sld>
+</file>
+
+<file path=ppt/slides/slide24.xml><?xml version="1.0" encoding="utf-8"?>
+<p:sld xmlns:a="http://schemas.openxmlformats.org/drawingml/2006/main" xmlns:r="http://schemas.openxmlformats.org/officeDocument/2006/relationships" xmlns:p="http://schemas.openxmlformats.org/presentationml/2006/main">
+  <p:cSld>
+    <p:spTree>
+      <p:nvGrpSpPr>
+        <p:cNvPr id="1" name=""/>
+        <p:cNvGrpSpPr/>
+        <p:nvPr/>
+      </p:nvGrpSpPr>
+      <p:grpSpPr>
+        <a:xfrm>
+          <a:off x="0" y="0"/>
+          <a:ext cx="0" cy="0"/>
+          <a:chOff x="0" y="0"/>
+          <a:chExt cx="0" cy="0"/>
+        </a:xfrm>
+      </p:grpSpPr>
+      <p:sp>
+        <p:nvSpPr>
+          <p:cNvPr id="7" name="Titel 6"/>
+          <p:cNvSpPr>
+            <a:spLocks noGrp="1"/>
+          </p:cNvSpPr>
+          <p:nvPr>
+            <p:ph type="title"/>
+          </p:nvPr>
+        </p:nvSpPr>
+        <p:spPr/>
+        <p:txBody>
+          <a:bodyPr/>
+          <a:lstStyle/>
+          <a:p>
+            <a:r>
+              <a:rPr lang="pl-PL" dirty="0" err="1" smtClean="0"/>
+              <a:t>JdbcTemplate</a:t>
+            </a:r>
+            <a:endParaRPr lang="de-DE" dirty="0"/>
+          </a:p>
+        </p:txBody>
+      </p:sp>
+      <p:sp>
+        <p:nvSpPr>
+          <p:cNvPr id="5" name="Inhaltsplatzhalter 4"/>
+          <p:cNvSpPr>
+            <a:spLocks noGrp="1"/>
+          </p:cNvSpPr>
+          <p:nvPr>
+            <p:ph type="body" sz="quarter" idx="13"/>
+          </p:nvPr>
+        </p:nvSpPr>
+        <p:spPr/>
+        <p:txBody>
+          <a:bodyPr/>
+          <a:lstStyle/>
+          <a:p>
+            <a:r>
+              <a:rPr lang="pl-PL" dirty="0" smtClean="0"/>
+              <a:t>ĆWICZENIE 5</a:t>
+            </a:r>
+            <a:endParaRPr lang="de-DE" dirty="0"/>
+          </a:p>
+        </p:txBody>
+      </p:sp>
+      <p:sp>
+        <p:nvSpPr>
+          <p:cNvPr id="6" name="Symbol zastępczy zawartości 1"/>
+          <p:cNvSpPr>
+            <a:spLocks noGrp="1"/>
+          </p:cNvSpPr>
+          <p:nvPr>
+            <p:ph idx="1"/>
+          </p:nvPr>
+        </p:nvSpPr>
+        <p:spPr>
+          <a:xfrm>
+            <a:off x="443707" y="1119187"/>
+            <a:ext cx="8023887" cy="3362325"/>
+          </a:xfrm>
+        </p:spPr>
+        <p:txBody>
+          <a:bodyPr>
+            <a:normAutofit/>
+          </a:bodyPr>
+          <a:lstStyle/>
+          <a:p>
+            <a:r>
+              <a:rPr lang="pl-PL" dirty="0" smtClean="0"/>
+              <a:t>Co robi </a:t>
+            </a:r>
+            <a:r>
+              <a:rPr lang="pl-PL" dirty="0" err="1" smtClean="0"/>
+              <a:t>JdbcTemplate</a:t>
+            </a:r>
+            <a:r>
+              <a:rPr lang="pl-PL" dirty="0" smtClean="0"/>
+              <a:t>:</a:t>
+            </a:r>
+          </a:p>
+          <a:p>
+            <a:pPr lvl="1"/>
+            <a:r>
+              <a:rPr lang="pl-PL" dirty="0" smtClean="0"/>
+              <a:t>Tworzy </a:t>
+            </a:r>
+            <a:r>
+              <a:rPr lang="pl-PL" dirty="0" err="1" smtClean="0"/>
+              <a:t>Statement</a:t>
+            </a:r>
+            <a:endParaRPr lang="pl-PL" dirty="0" smtClean="0"/>
+          </a:p>
+          <a:p>
+            <a:pPr lvl="1"/>
+            <a:r>
+              <a:rPr lang="pl-PL" dirty="0" smtClean="0"/>
+              <a:t>Iteruje się po wyniku</a:t>
+            </a:r>
+          </a:p>
+          <a:p>
+            <a:pPr lvl="1"/>
+            <a:r>
+              <a:rPr lang="pl-PL" dirty="0" smtClean="0"/>
+              <a:t>Procesuje wyjątki</a:t>
+            </a:r>
+          </a:p>
+          <a:p>
+            <a:pPr lvl="1"/>
+            <a:r>
+              <a:rPr lang="pl-PL" dirty="0" smtClean="0"/>
+              <a:t>Obsługuje </a:t>
+            </a:r>
+            <a:r>
+              <a:rPr lang="pl-PL" dirty="0" err="1" smtClean="0"/>
+              <a:t>tranzakcje</a:t>
+            </a:r>
+            <a:endParaRPr lang="pl-PL" dirty="0" smtClean="0"/>
+          </a:p>
+          <a:p>
+            <a:pPr lvl="1"/>
+            <a:r>
+              <a:rPr lang="pl-PL" dirty="0" smtClean="0"/>
+              <a:t>Zamyka </a:t>
+            </a:r>
+            <a:r>
+              <a:rPr lang="pl-PL" dirty="0" err="1" smtClean="0"/>
+              <a:t>Statement</a:t>
+            </a:r>
+            <a:r>
+              <a:rPr lang="pl-PL" dirty="0" smtClean="0"/>
+              <a:t> i </a:t>
+            </a:r>
+            <a:r>
+              <a:rPr lang="pl-PL" dirty="0" err="1" smtClean="0"/>
+              <a:t>ResultSet</a:t>
+            </a:r>
+            <a:endParaRPr lang="pl-PL" dirty="0" smtClean="0"/>
+          </a:p>
+          <a:p>
+            <a:pPr lvl="1"/>
+            <a:endParaRPr lang="pl-PL" dirty="0" smtClean="0"/>
+          </a:p>
+          <a:p>
+            <a:r>
+              <a:rPr lang="pl-PL" dirty="0" smtClean="0"/>
+              <a:t>Czego nie robi </a:t>
+            </a:r>
+            <a:r>
+              <a:rPr lang="pl-PL" dirty="0" err="1" smtClean="0"/>
+              <a:t>JdbcTemplate</a:t>
+            </a:r>
+            <a:r>
+              <a:rPr lang="pl-PL" dirty="0" smtClean="0"/>
+              <a:t> – co trzeba mu dostarczyć:</a:t>
+            </a:r>
+          </a:p>
+          <a:p>
+            <a:pPr lvl="1"/>
+            <a:r>
+              <a:rPr lang="pl-PL" dirty="0" smtClean="0"/>
+              <a:t>Nie definiuje parametrów połączenia – należy mu przekazać obiekt implementujący interfejs: </a:t>
+            </a:r>
+            <a:r>
+              <a:rPr lang="pl-PL" dirty="0" err="1" smtClean="0"/>
+              <a:t>javax.sql.DateSource</a:t>
+            </a:r>
+            <a:endParaRPr lang="pl-PL" dirty="0" smtClean="0"/>
+          </a:p>
+          <a:p>
+            <a:pPr lvl="1"/>
+            <a:r>
+              <a:rPr lang="pl-PL" dirty="0" smtClean="0"/>
+              <a:t>Nie tworzy wyrażenia </a:t>
+            </a:r>
+            <a:r>
+              <a:rPr lang="pl-PL" dirty="0" err="1" smtClean="0"/>
+              <a:t>Sql</a:t>
+            </a:r>
+            <a:r>
+              <a:rPr lang="pl-PL" dirty="0" smtClean="0"/>
+              <a:t> – trzeba mu je podać.</a:t>
+            </a:r>
+          </a:p>
+          <a:p>
+            <a:pPr lvl="1"/>
+            <a:r>
+              <a:rPr lang="pl-PL" dirty="0" smtClean="0"/>
+              <a:t>Nie deklaruje parametrów i ich wartości – trzeba mu je podać.</a:t>
+            </a:r>
+          </a:p>
+          <a:p>
+            <a:pPr lvl="1"/>
+            <a:r>
+              <a:rPr lang="pl-PL" dirty="0" smtClean="0"/>
+              <a:t>Nie procesuje wyniku – samo procesowanie zależy od potrzeb aplikacji.</a:t>
+            </a:r>
+          </a:p>
+          <a:p>
+            <a:pPr lvl="1">
+              <a:buNone/>
+            </a:pPr>
+            <a:endParaRPr lang="pl-PL" dirty="0" smtClean="0"/>
+          </a:p>
+          <a:p>
+            <a:pPr lvl="1"/>
+            <a:endParaRPr lang="pl-PL" dirty="0" smtClean="0"/>
+          </a:p>
+          <a:p>
+            <a:pPr lvl="1"/>
+            <a:endParaRPr lang="pl-PL" dirty="0"/>
+          </a:p>
+        </p:txBody>
+      </p:sp>
+    </p:spTree>
+    <p:extLst>
+      <p:ext uri="{BB962C8B-B14F-4D97-AF65-F5344CB8AC3E}">
+        <p14:creationId xmlns:p14="http://schemas.microsoft.com/office/powerpoint/2010/main" xmlns="" val="3199221210"/>
+      </p:ext>
+    </p:extLst>
+  </p:cSld>
+  <p:clrMapOvr>
+    <a:masterClrMapping/>
+  </p:clrMapOvr>
+  <mc:AlternateContent xmlns:mc="http://schemas.openxmlformats.org/markup-compatibility/2006">
+    <mc:Choice xmlns:p14="http://schemas.microsoft.com/office/powerpoint/2010/main" xmlns="" Requires="p14">
+      <p:transition p14:dur="10"/>
+    </mc:Choice>
+    <mc:Fallback>
+      <p:transition/>
+    </mc:Fallback>
+  </mc:AlternateContent>
+  <p:timing>
+    <p:tnLst>
+      <p:par>
+        <p:cTn id="1" dur="indefinite" restart="never" nodeType="tmRoot">
+          <p:childTnLst>
+            <p:seq concurrent="1" nextAc="seek">
+              <p:cTn id="2" dur="indefinite" nodeType="mainSeq">
+                <p:childTnLst>
+                  <p:par>
+                    <p:cTn id="3" fill="hold">
+                      <p:stCondLst>
+                        <p:cond delay="indefinite"/>
+                        <p:cond evt="onBegin" delay="0">
+                          <p:tn val="2"/>
+                        </p:cond>
+                      </p:stCondLst>
+                      <p:childTnLst>
+                        <p:par>
+                          <p:cTn id="4" fill="hold">
+                            <p:stCondLst>
+                              <p:cond delay="0"/>
+                            </p:stCondLst>
+                            <p:childTnLst>
+                              <p:par>
+                                <p:cTn id="5" presetID="1" presetClass="entr" presetSubtype="0" fill="hold" nodeType="withEffect">
+                                  <p:stCondLst>
+                                    <p:cond delay="0"/>
+                                  </p:stCondLst>
+                                  <p:childTnLst>
+                                    <p:set>
+                                      <p:cBhvr>
+                                        <p:cTn id="6" dur="1" fill="hold">
+                                          <p:stCondLst>
+                                            <p:cond delay="0"/>
+                                          </p:stCondLst>
+                                        </p:cTn>
+                                        <p:tgtEl>
+                                          <p:spTgt spid="6">
+                                            <p:txEl>
+                                              <p:pRg st="0" end="0"/>
+                                            </p:txEl>
+                                          </p:spTgt>
+                                        </p:tgtEl>
+                                        <p:attrNameLst>
+                                          <p:attrName>style.visibility</p:attrName>
+                                        </p:attrNameLst>
+                                      </p:cBhvr>
+                                      <p:to>
+                                        <p:strVal val="visible"/>
+                                      </p:to>
+                                    </p:set>
+                                  </p:childTnLst>
+                                </p:cTn>
+                              </p:par>
+                              <p:par>
+                                <p:cTn id="7" presetID="1" presetClass="entr" presetSubtype="0" fill="hold" nodeType="withEffect">
+                                  <p:stCondLst>
+                                    <p:cond delay="0"/>
+                                  </p:stCondLst>
+                                  <p:childTnLst>
+                                    <p:set>
+                                      <p:cBhvr>
+                                        <p:cTn id="8" dur="1" fill="hold">
+                                          <p:stCondLst>
+                                            <p:cond delay="0"/>
+                                          </p:stCondLst>
+                                        </p:cTn>
+                                        <p:tgtEl>
+                                          <p:spTgt spid="6">
+                                            <p:txEl>
+                                              <p:pRg st="1" end="1"/>
+                                            </p:txEl>
+                                          </p:spTgt>
+                                        </p:tgtEl>
+                                        <p:attrNameLst>
+                                          <p:attrName>style.visibility</p:attrName>
+                                        </p:attrNameLst>
+                                      </p:cBhvr>
+                                      <p:to>
+                                        <p:strVal val="visible"/>
+                                      </p:to>
+                                    </p:set>
+                                  </p:childTnLst>
+                                </p:cTn>
+                              </p:par>
+                              <p:par>
+                                <p:cTn id="9" presetID="1" presetClass="entr" presetSubtype="0" fill="hold" nodeType="withEffect">
+                                  <p:stCondLst>
+                                    <p:cond delay="0"/>
+                                  </p:stCondLst>
+                                  <p:childTnLst>
+                                    <p:set>
+                                      <p:cBhvr>
+                                        <p:cTn id="10" dur="1" fill="hold">
+                                          <p:stCondLst>
+                                            <p:cond delay="0"/>
+                                          </p:stCondLst>
+                                        </p:cTn>
+                                        <p:tgtEl>
+                                          <p:spTgt spid="6">
+                                            <p:txEl>
+                                              <p:pRg st="2" end="2"/>
+                                            </p:txEl>
+                                          </p:spTgt>
+                                        </p:tgtEl>
+                                        <p:attrNameLst>
+                                          <p:attrName>style.visibility</p:attrName>
+                                        </p:attrNameLst>
+                                      </p:cBhvr>
+                                      <p:to>
+                                        <p:strVal val="visible"/>
+                                      </p:to>
+                                    </p:set>
+                                  </p:childTnLst>
+                                </p:cTn>
+                              </p:par>
+                              <p:par>
+                                <p:cTn id="11" presetID="1" presetClass="entr" presetSubtype="0" fill="hold" nodeType="withEffect">
+                                  <p:stCondLst>
+                                    <p:cond delay="0"/>
+                                  </p:stCondLst>
+                                  <p:childTnLst>
+                                    <p:set>
+                                      <p:cBhvr>
+                                        <p:cTn id="12" dur="1" fill="hold">
+                                          <p:stCondLst>
+                                            <p:cond delay="0"/>
+                                          </p:stCondLst>
+                                        </p:cTn>
+                                        <p:tgtEl>
+                                          <p:spTgt spid="6">
+                                            <p:txEl>
+                                              <p:pRg st="3" end="3"/>
+                                            </p:txEl>
+                                          </p:spTgt>
+                                        </p:tgtEl>
+                                        <p:attrNameLst>
+                                          <p:attrName>style.visibility</p:attrName>
+                                        </p:attrNameLst>
+                                      </p:cBhvr>
+                                      <p:to>
+                                        <p:strVal val="visible"/>
+                                      </p:to>
+                                    </p:set>
+                                  </p:childTnLst>
+                                </p:cTn>
+                              </p:par>
+                              <p:par>
+                                <p:cTn id="13" presetID="1" presetClass="entr" presetSubtype="0" fill="hold" nodeType="withEffect">
+                                  <p:stCondLst>
+                                    <p:cond delay="0"/>
+                                  </p:stCondLst>
+                                  <p:childTnLst>
+                                    <p:set>
+                                      <p:cBhvr>
+                                        <p:cTn id="14" dur="1" fill="hold">
+                                          <p:stCondLst>
+                                            <p:cond delay="0"/>
+                                          </p:stCondLst>
+                                        </p:cTn>
+                                        <p:tgtEl>
+                                          <p:spTgt spid="6">
+                                            <p:txEl>
+                                              <p:pRg st="4" end="4"/>
+                                            </p:txEl>
+                                          </p:spTgt>
+                                        </p:tgtEl>
+                                        <p:attrNameLst>
+                                          <p:attrName>style.visibility</p:attrName>
+                                        </p:attrNameLst>
+                                      </p:cBhvr>
+                                      <p:to>
+                                        <p:strVal val="visible"/>
+                                      </p:to>
+                                    </p:set>
+                                  </p:childTnLst>
+                                </p:cTn>
+                              </p:par>
+                              <p:par>
+                                <p:cTn id="15" presetID="1" presetClass="entr" presetSubtype="0" fill="hold" nodeType="withEffect">
+                                  <p:stCondLst>
+                                    <p:cond delay="0"/>
+                                  </p:stCondLst>
+                                  <p:childTnLst>
+                                    <p:set>
+                                      <p:cBhvr>
+                                        <p:cTn id="16" dur="1" fill="hold">
+                                          <p:stCondLst>
+                                            <p:cond delay="0"/>
+                                          </p:stCondLst>
+                                        </p:cTn>
+                                        <p:tgtEl>
+                                          <p:spTgt spid="6">
+                                            <p:txEl>
+                                              <p:pRg st="5" end="5"/>
+                                            </p:txEl>
+                                          </p:spTgt>
+                                        </p:tgtEl>
+                                        <p:attrNameLst>
+                                          <p:attrName>style.visibility</p:attrName>
+                                        </p:attrNameLst>
+                                      </p:cBhvr>
+                                      <p:to>
+                                        <p:strVal val="visible"/>
+                                      </p:to>
+                                    </p:set>
+                                  </p:childTnLst>
+                                </p:cTn>
+                              </p:par>
+                              <p:par>
+                                <p:cTn id="17" presetID="1" presetClass="entr" presetSubtype="0" fill="hold" nodeType="withEffect">
+                                  <p:stCondLst>
+                                    <p:cond delay="0"/>
+                                  </p:stCondLst>
+                                  <p:childTnLst>
+                                    <p:set>
+                                      <p:cBhvr>
+                                        <p:cTn id="18" dur="1" fill="hold">
+                                          <p:stCondLst>
+                                            <p:cond delay="0"/>
+                                          </p:stCondLst>
+                                        </p:cTn>
+                                        <p:tgtEl>
+                                          <p:spTgt spid="6">
+                                            <p:txEl>
+                                              <p:pRg st="7" end="7"/>
+                                            </p:txEl>
+                                          </p:spTgt>
+                                        </p:tgtEl>
+                                        <p:attrNameLst>
+                                          <p:attrName>style.visibility</p:attrName>
+                                        </p:attrNameLst>
+                                      </p:cBhvr>
+                                      <p:to>
+                                        <p:strVal val="visible"/>
+                                      </p:to>
+                                    </p:set>
+                                  </p:childTnLst>
+                                </p:cTn>
+                              </p:par>
+                              <p:par>
+                                <p:cTn id="19" presetID="1" presetClass="entr" presetSubtype="0" fill="hold" nodeType="withEffect">
+                                  <p:stCondLst>
+                                    <p:cond delay="0"/>
+                                  </p:stCondLst>
+                                  <p:childTnLst>
+                                    <p:set>
+                                      <p:cBhvr>
+                                        <p:cTn id="20" dur="1" fill="hold">
+                                          <p:stCondLst>
+                                            <p:cond delay="0"/>
+                                          </p:stCondLst>
+                                        </p:cTn>
+                                        <p:tgtEl>
+                                          <p:spTgt spid="6">
+                                            <p:txEl>
+                                              <p:pRg st="8" end="8"/>
+                                            </p:txEl>
+                                          </p:spTgt>
+                                        </p:tgtEl>
+                                        <p:attrNameLst>
+                                          <p:attrName>style.visibility</p:attrName>
+                                        </p:attrNameLst>
+                                      </p:cBhvr>
+                                      <p:to>
+                                        <p:strVal val="visible"/>
+                                      </p:to>
+                                    </p:set>
+                                  </p:childTnLst>
+                                </p:cTn>
+                              </p:par>
+                              <p:par>
+                                <p:cTn id="21" presetID="1" presetClass="entr" presetSubtype="0" fill="hold" nodeType="withEffect">
+                                  <p:stCondLst>
+                                    <p:cond delay="0"/>
+                                  </p:stCondLst>
+                                  <p:childTnLst>
+                                    <p:set>
+                                      <p:cBhvr>
+                                        <p:cTn id="22" dur="1" fill="hold">
+                                          <p:stCondLst>
+                                            <p:cond delay="0"/>
+                                          </p:stCondLst>
+                                        </p:cTn>
+                                        <p:tgtEl>
+                                          <p:spTgt spid="6">
+                                            <p:txEl>
+                                              <p:pRg st="9" end="9"/>
+                                            </p:txEl>
+                                          </p:spTgt>
+                                        </p:tgtEl>
+                                        <p:attrNameLst>
+                                          <p:attrName>style.visibility</p:attrName>
+                                        </p:attrNameLst>
+                                      </p:cBhvr>
+                                      <p:to>
+                                        <p:strVal val="visible"/>
+                                      </p:to>
+                                    </p:set>
+                                  </p:childTnLst>
+                                </p:cTn>
+                              </p:par>
+                              <p:par>
+                                <p:cTn id="23" presetID="1" presetClass="entr" presetSubtype="0" fill="hold" nodeType="withEffect">
+                                  <p:stCondLst>
+                                    <p:cond delay="0"/>
+                                  </p:stCondLst>
+                                  <p:childTnLst>
+                                    <p:set>
+                                      <p:cBhvr>
+                                        <p:cTn id="24" dur="1" fill="hold">
+                                          <p:stCondLst>
+                                            <p:cond delay="0"/>
+                                          </p:stCondLst>
+                                        </p:cTn>
+                                        <p:tgtEl>
+                                          <p:spTgt spid="6">
+                                            <p:txEl>
+                                              <p:pRg st="10" end="10"/>
+                                            </p:txEl>
+                                          </p:spTgt>
+                                        </p:tgtEl>
+                                        <p:attrNameLst>
+                                          <p:attrName>style.visibility</p:attrName>
+                                        </p:attrNameLst>
+                                      </p:cBhvr>
+                                      <p:to>
+                                        <p:strVal val="visible"/>
+                                      </p:to>
+                                    </p:set>
+                                  </p:childTnLst>
+                                </p:cTn>
+                              </p:par>
+                              <p:par>
+                                <p:cTn id="25" presetID="1" presetClass="entr" presetSubtype="0" fill="hold" nodeType="withEffect">
+                                  <p:stCondLst>
+                                    <p:cond delay="0"/>
+                                  </p:stCondLst>
+                                  <p:childTnLst>
+                                    <p:set>
+                                      <p:cBhvr>
+                                        <p:cTn id="26" dur="1" fill="hold">
+                                          <p:stCondLst>
+                                            <p:cond delay="0"/>
+                                          </p:stCondLst>
+                                        </p:cTn>
+                                        <p:tgtEl>
+                                          <p:spTgt spid="6">
+                                            <p:txEl>
+                                              <p:pRg st="11" end="11"/>
+                                            </p:txEl>
+                                          </p:spTgt>
+                                        </p:tgtEl>
+                                        <p:attrNameLst>
+                                          <p:attrName>style.visibility</p:attrName>
+                                        </p:attrNameLst>
+                                      </p:cBhvr>
+                                      <p:to>
+                                        <p:strVal val="visible"/>
+                                      </p:to>
+                                    </p:set>
+                                  </p:childTnLst>
+                                </p:cTn>
+                              </p:par>
+                            </p:childTnLst>
+                          </p:cTn>
+                        </p:par>
+                      </p:childTnLst>
+                    </p:cTn>
+                  </p:par>
+                </p:childTnLst>
+              </p:cTn>
+              <p:prevCondLst>
+                <p:cond evt="onPrev" delay="0">
+                  <p:tgtEl>
+                    <p:sldTgt/>
+                  </p:tgtEl>
+                </p:cond>
+              </p:prevCondLst>
+              <p:nextCondLst>
+                <p:cond evt="onNext" delay="0">
+                  <p:tgtEl>
+                    <p:sldTgt/>
+                  </p:tgtEl>
+                </p:cond>
+              </p:nextCondLst>
+            </p:seq>
+          </p:childTnLst>
+        </p:cTn>
+      </p:par>
+    </p:tnLst>
+  </p:timing>
+</p:sld>
+</file>
+
+<file path=ppt/slides/slide25.xml><?xml version="1.0" encoding="utf-8"?>
+<p:sld xmlns:a="http://schemas.openxmlformats.org/drawingml/2006/main" xmlns:r="http://schemas.openxmlformats.org/officeDocument/2006/relationships" xmlns:p="http://schemas.openxmlformats.org/presentationml/2006/main">
+  <p:cSld>
+    <p:spTree>
+      <p:nvGrpSpPr>
+        <p:cNvPr id="1" name=""/>
+        <p:cNvGrpSpPr/>
+        <p:nvPr/>
+      </p:nvGrpSpPr>
+      <p:grpSpPr>
+        <a:xfrm>
+          <a:off x="0" y="0"/>
+          <a:ext cx="0" cy="0"/>
+          <a:chOff x="0" y="0"/>
+          <a:chExt cx="0" cy="0"/>
+        </a:xfrm>
+      </p:grpSpPr>
+      <p:sp>
+        <p:nvSpPr>
+          <p:cNvPr id="7" name="Titel 6"/>
+          <p:cNvSpPr>
+            <a:spLocks noGrp="1"/>
+          </p:cNvSpPr>
+          <p:nvPr>
+            <p:ph type="title"/>
+          </p:nvPr>
+        </p:nvSpPr>
+        <p:spPr/>
+        <p:txBody>
+          <a:bodyPr/>
+          <a:lstStyle/>
+          <a:p>
+            <a:r>
+              <a:rPr lang="pl-PL" dirty="0" err="1" smtClean="0"/>
+              <a:t>JdbcTemplate</a:t>
+            </a:r>
+            <a:r>
+              <a:rPr lang="pl-PL" dirty="0" smtClean="0"/>
+              <a:t> – przykładowe użycie</a:t>
+            </a:r>
+            <a:endParaRPr lang="de-DE" dirty="0"/>
+          </a:p>
+        </p:txBody>
+      </p:sp>
+      <p:sp>
+        <p:nvSpPr>
+          <p:cNvPr id="5" name="Inhaltsplatzhalter 4"/>
+          <p:cNvSpPr>
+            <a:spLocks noGrp="1"/>
+          </p:cNvSpPr>
+          <p:nvPr>
+            <p:ph type="body" sz="quarter" idx="13"/>
+          </p:nvPr>
+        </p:nvSpPr>
+        <p:spPr/>
+        <p:txBody>
+          <a:bodyPr/>
+          <a:lstStyle/>
+          <a:p>
+            <a:r>
+              <a:rPr lang="pl-PL" dirty="0" smtClean="0"/>
+              <a:t>ĆWICZENIE 5</a:t>
+            </a:r>
+            <a:endParaRPr lang="de-DE" dirty="0"/>
+          </a:p>
+        </p:txBody>
+      </p:sp>
+      <p:sp>
+        <p:nvSpPr>
+          <p:cNvPr id="9" name="Symbol zastępczy zawartości 1"/>
+          <p:cNvSpPr>
+            <a:spLocks noGrp="1"/>
+          </p:cNvSpPr>
+          <p:nvPr>
+            <p:ph idx="1"/>
+          </p:nvPr>
+        </p:nvSpPr>
+        <p:spPr/>
+        <p:txBody>
+          <a:bodyPr>
+            <a:normAutofit/>
+          </a:bodyPr>
+          <a:lstStyle/>
+          <a:p>
+            <a:pPr marL="0" indent="0">
+              <a:buNone/>
+            </a:pPr>
+            <a:r>
+              <a:rPr lang="pl-PL" dirty="0" smtClean="0">
+                <a:latin typeface="Courier New" panose="02070309020205020404" pitchFamily="49" charset="0"/>
+                <a:cs typeface="Courier New" panose="02070309020205020404" pitchFamily="49" charset="0"/>
+              </a:rPr>
+              <a:t>// ...</a:t>
+            </a:r>
+            <a:endParaRPr lang="pl-PL" dirty="0">
+              <a:latin typeface="Courier New" panose="02070309020205020404" pitchFamily="49" charset="0"/>
+              <a:cs typeface="Courier New" panose="02070309020205020404" pitchFamily="49" charset="0"/>
+            </a:endParaRPr>
+          </a:p>
+          <a:p>
+            <a:pPr marL="0" indent="0">
+              <a:buNone/>
+            </a:pPr>
+            <a:r>
+              <a:rPr lang="pl-PL" dirty="0" smtClean="0">
+                <a:latin typeface="Courier New" panose="02070309020205020404" pitchFamily="49" charset="0"/>
+                <a:cs typeface="Courier New" panose="02070309020205020404" pitchFamily="49" charset="0"/>
+              </a:rPr>
+              <a:t>	</a:t>
+            </a:r>
+            <a:r>
+              <a:rPr lang="pl-PL" dirty="0" err="1" smtClean="0">
+                <a:latin typeface="Courier New" panose="02070309020205020404" pitchFamily="49" charset="0"/>
+                <a:cs typeface="Courier New" panose="02070309020205020404" pitchFamily="49" charset="0"/>
+              </a:rPr>
+              <a:t>DateSource</a:t>
+            </a:r>
+            <a:r>
+              <a:rPr lang="pl-PL" dirty="0" smtClean="0">
+                <a:latin typeface="Courier New" panose="02070309020205020404" pitchFamily="49" charset="0"/>
+                <a:cs typeface="Courier New" panose="02070309020205020404" pitchFamily="49" charset="0"/>
+              </a:rPr>
+              <a:t> </a:t>
+            </a:r>
+            <a:r>
+              <a:rPr lang="pl-PL" dirty="0" err="1" smtClean="0">
+                <a:latin typeface="Courier New" panose="02070309020205020404" pitchFamily="49" charset="0"/>
+                <a:cs typeface="Courier New" panose="02070309020205020404" pitchFamily="49" charset="0"/>
+              </a:rPr>
+              <a:t>dataSource</a:t>
+            </a:r>
+            <a:r>
+              <a:rPr lang="pl-PL" dirty="0" smtClean="0">
+                <a:latin typeface="Courier New" panose="02070309020205020404" pitchFamily="49" charset="0"/>
+                <a:cs typeface="Courier New" panose="02070309020205020404" pitchFamily="49" charset="0"/>
+              </a:rPr>
+              <a:t> = </a:t>
+            </a:r>
+            <a:r>
+              <a:rPr lang="pl-PL" dirty="0" err="1" smtClean="0">
+                <a:latin typeface="Courier New" panose="02070309020205020404" pitchFamily="49" charset="0"/>
+                <a:cs typeface="Courier New" panose="02070309020205020404" pitchFamily="49" charset="0"/>
+              </a:rPr>
+              <a:t>new</a:t>
+            </a:r>
+            <a:r>
+              <a:rPr lang="pl-PL" dirty="0" smtClean="0">
+                <a:latin typeface="Courier New" panose="02070309020205020404" pitchFamily="49" charset="0"/>
+                <a:cs typeface="Courier New" panose="02070309020205020404" pitchFamily="49" charset="0"/>
+              </a:rPr>
+              <a:t> </a:t>
+            </a:r>
+            <a:r>
+              <a:rPr lang="pl-PL" dirty="0" err="1" smtClean="0">
+                <a:latin typeface="Courier New" panose="02070309020205020404" pitchFamily="49" charset="0"/>
+                <a:cs typeface="Courier New" panose="02070309020205020404" pitchFamily="49" charset="0"/>
+              </a:rPr>
+              <a:t>BasicDateSource</a:t>
+            </a:r>
+            <a:r>
+              <a:rPr lang="pl-PL" dirty="0" smtClean="0">
+                <a:latin typeface="Courier New" panose="02070309020205020404" pitchFamily="49" charset="0"/>
+                <a:cs typeface="Courier New" panose="02070309020205020404" pitchFamily="49" charset="0"/>
+              </a:rPr>
+              <a:t>();</a:t>
+            </a:r>
+          </a:p>
+          <a:p>
+            <a:pPr marL="0" indent="0">
+              <a:buNone/>
+            </a:pPr>
+            <a:r>
+              <a:rPr lang="pl-PL" dirty="0" smtClean="0">
+                <a:latin typeface="Courier New" panose="02070309020205020404" pitchFamily="49" charset="0"/>
+                <a:cs typeface="Courier New" panose="02070309020205020404" pitchFamily="49" charset="0"/>
+              </a:rPr>
+              <a:t>	</a:t>
+            </a:r>
+            <a:r>
+              <a:rPr lang="pl-PL" dirty="0" err="1" smtClean="0">
+                <a:latin typeface="Courier New" panose="02070309020205020404" pitchFamily="49" charset="0"/>
+                <a:cs typeface="Courier New" panose="02070309020205020404" pitchFamily="49" charset="0"/>
+              </a:rPr>
+              <a:t>dataSource.setDriverClassName</a:t>
+            </a:r>
+            <a:r>
+              <a:rPr lang="pl-PL" dirty="0" smtClean="0">
+                <a:latin typeface="Courier New" panose="02070309020205020404" pitchFamily="49" charset="0"/>
+                <a:cs typeface="Courier New" panose="02070309020205020404" pitchFamily="49" charset="0"/>
+              </a:rPr>
+              <a:t>("</a:t>
+            </a:r>
+            <a:r>
+              <a:rPr lang="pl-PL" dirty="0" err="1" smtClean="0">
+                <a:latin typeface="Courier New" panose="02070309020205020404" pitchFamily="49" charset="0"/>
+                <a:cs typeface="Courier New" panose="02070309020205020404" pitchFamily="49" charset="0"/>
+              </a:rPr>
+              <a:t>org.hsqldb.jdbcDriver</a:t>
+            </a:r>
+            <a:r>
+              <a:rPr lang="pl-PL" dirty="0" smtClean="0">
+                <a:latin typeface="Courier New" panose="02070309020205020404" pitchFamily="49" charset="0"/>
+                <a:cs typeface="Courier New" panose="02070309020205020404" pitchFamily="49" charset="0"/>
+              </a:rPr>
+              <a:t>");</a:t>
+            </a:r>
+          </a:p>
+          <a:p>
+            <a:pPr marL="0" lvl="2" indent="0">
+              <a:spcBef>
+                <a:spcPts val="600"/>
+              </a:spcBef>
+              <a:buNone/>
+            </a:pPr>
+            <a:r>
+              <a:rPr lang="pl-PL" sz="1400" dirty="0" smtClean="0">
+                <a:latin typeface="Courier New" panose="02070309020205020404" pitchFamily="49" charset="0"/>
+                <a:cs typeface="Courier New" panose="02070309020205020404" pitchFamily="49" charset="0"/>
+              </a:rPr>
+              <a:t>	</a:t>
+            </a:r>
+            <a:r>
+              <a:rPr lang="pl-PL" sz="1400" dirty="0" err="1" smtClean="0">
+                <a:latin typeface="Courier New" panose="02070309020205020404" pitchFamily="49" charset="0"/>
+                <a:cs typeface="Courier New" panose="02070309020205020404" pitchFamily="49" charset="0"/>
+              </a:rPr>
+              <a:t>dataSource.setUrl</a:t>
+            </a:r>
+            <a:r>
+              <a:rPr lang="pl-PL" sz="1400" dirty="0" smtClean="0">
+                <a:latin typeface="Courier New" panose="02070309020205020404" pitchFamily="49" charset="0"/>
+                <a:cs typeface="Courier New" panose="02070309020205020404" pitchFamily="49" charset="0"/>
+              </a:rPr>
+              <a:t>("</a:t>
+            </a:r>
+            <a:r>
+              <a:rPr lang="pl-PL" sz="1400" dirty="0" err="1" smtClean="0">
+                <a:latin typeface="Courier New" panose="02070309020205020404" pitchFamily="49" charset="0"/>
+                <a:cs typeface="Courier New" panose="02070309020205020404" pitchFamily="49" charset="0"/>
+              </a:rPr>
+              <a:t>jdbc:hsqldb:hsql</a:t>
+            </a:r>
+            <a:r>
+              <a:rPr lang="pl-PL" sz="1400" dirty="0" smtClean="0">
+                <a:latin typeface="Courier New" panose="02070309020205020404" pitchFamily="49" charset="0"/>
+                <a:cs typeface="Courier New" panose="02070309020205020404" pitchFamily="49" charset="0"/>
+              </a:rPr>
+              <a:t>://</a:t>
+            </a:r>
+            <a:r>
+              <a:rPr lang="pl-PL" sz="1400" dirty="0" smtClean="0">
+                <a:latin typeface="Courier New" panose="02070309020205020404" pitchFamily="49" charset="0"/>
+                <a:cs typeface="Courier New" panose="02070309020205020404" pitchFamily="49" charset="0"/>
+              </a:rPr>
+              <a:t>127.0.0.1:9001/</a:t>
+            </a:r>
+            <a:r>
+              <a:rPr lang="pl-PL" sz="1400" dirty="0" err="1" smtClean="0">
+                <a:latin typeface="Courier New" panose="02070309020205020404" pitchFamily="49" charset="0"/>
+                <a:cs typeface="Courier New" panose="02070309020205020404" pitchFamily="49" charset="0"/>
+              </a:rPr>
+              <a:t>test-db</a:t>
+            </a:r>
+            <a:r>
+              <a:rPr lang="pl-PL" sz="1400" dirty="0" smtClean="0">
+                <a:latin typeface="Courier New" panose="02070309020205020404" pitchFamily="49" charset="0"/>
+                <a:cs typeface="Courier New" panose="02070309020205020404" pitchFamily="49" charset="0"/>
+              </a:rPr>
+              <a:t>");</a:t>
+            </a:r>
+          </a:p>
+          <a:p>
+            <a:pPr marL="0" indent="0">
+              <a:buNone/>
+            </a:pPr>
+            <a:r>
+              <a:rPr lang="pl-PL" dirty="0" smtClean="0">
+                <a:latin typeface="Courier New" panose="02070309020205020404" pitchFamily="49" charset="0"/>
+                <a:cs typeface="Courier New" panose="02070309020205020404" pitchFamily="49" charset="0"/>
+              </a:rPr>
+              <a:t>	</a:t>
+            </a:r>
+            <a:r>
+              <a:rPr lang="pl-PL" dirty="0" err="1" smtClean="0">
+                <a:latin typeface="Courier New" panose="02070309020205020404" pitchFamily="49" charset="0"/>
+                <a:cs typeface="Courier New" panose="02070309020205020404" pitchFamily="49" charset="0"/>
+              </a:rPr>
+              <a:t>dataSource.setUserName</a:t>
+            </a:r>
+            <a:r>
+              <a:rPr lang="pl-PL" dirty="0" smtClean="0">
+                <a:latin typeface="Courier New" panose="02070309020205020404" pitchFamily="49" charset="0"/>
+                <a:cs typeface="Courier New" panose="02070309020205020404" pitchFamily="49" charset="0"/>
+              </a:rPr>
+              <a:t>("SA");</a:t>
+            </a:r>
+          </a:p>
+          <a:p>
+            <a:pPr marL="0" indent="0">
+              <a:buNone/>
+            </a:pPr>
+            <a:r>
+              <a:rPr lang="pl-PL" dirty="0" smtClean="0">
+                <a:latin typeface="Courier New" panose="02070309020205020404" pitchFamily="49" charset="0"/>
+                <a:cs typeface="Courier New" panose="02070309020205020404" pitchFamily="49" charset="0"/>
+              </a:rPr>
+              <a:t>	</a:t>
+            </a:r>
+            <a:r>
+              <a:rPr lang="pl-PL" dirty="0" err="1" smtClean="0">
+                <a:latin typeface="Courier New" panose="02070309020205020404" pitchFamily="49" charset="0"/>
+                <a:cs typeface="Courier New" panose="02070309020205020404" pitchFamily="49" charset="0"/>
+              </a:rPr>
+              <a:t>dataSource.setPassword</a:t>
+            </a:r>
+            <a:r>
+              <a:rPr lang="pl-PL" dirty="0" smtClean="0">
+                <a:latin typeface="Courier New" panose="02070309020205020404" pitchFamily="49" charset="0"/>
+                <a:cs typeface="Courier New" panose="02070309020205020404" pitchFamily="49" charset="0"/>
+              </a:rPr>
+              <a:t>("");</a:t>
+            </a:r>
+          </a:p>
+          <a:p>
+            <a:pPr marL="0" indent="0">
+              <a:buNone/>
+            </a:pPr>
+            <a:endParaRPr lang="pl-PL" dirty="0" smtClean="0">
+              <a:latin typeface="Courier New" panose="02070309020205020404" pitchFamily="49" charset="0"/>
+              <a:cs typeface="Courier New" panose="02070309020205020404" pitchFamily="49" charset="0"/>
+            </a:endParaRPr>
+          </a:p>
+          <a:p>
+            <a:pPr marL="0" indent="0">
+              <a:buNone/>
+            </a:pPr>
+            <a:r>
+              <a:rPr lang="pl-PL" dirty="0" smtClean="0">
+                <a:latin typeface="Courier New" panose="02070309020205020404" pitchFamily="49" charset="0"/>
+                <a:cs typeface="Courier New" panose="02070309020205020404" pitchFamily="49" charset="0"/>
+              </a:rPr>
+              <a:t>	</a:t>
+            </a:r>
+            <a:r>
+              <a:rPr lang="pl-PL" dirty="0" err="1" smtClean="0">
+                <a:latin typeface="Courier New" panose="02070309020205020404" pitchFamily="49" charset="0"/>
+                <a:cs typeface="Courier New" panose="02070309020205020404" pitchFamily="49" charset="0"/>
+              </a:rPr>
+              <a:t>JdbcTemplate</a:t>
+            </a:r>
+            <a:r>
+              <a:rPr lang="pl-PL" dirty="0" smtClean="0">
+                <a:latin typeface="Courier New" panose="02070309020205020404" pitchFamily="49" charset="0"/>
+                <a:cs typeface="Courier New" panose="02070309020205020404" pitchFamily="49" charset="0"/>
+              </a:rPr>
+              <a:t> </a:t>
+            </a:r>
+            <a:r>
+              <a:rPr lang="pl-PL" dirty="0" err="1" smtClean="0">
+                <a:latin typeface="Courier New" panose="02070309020205020404" pitchFamily="49" charset="0"/>
+                <a:cs typeface="Courier New" panose="02070309020205020404" pitchFamily="49" charset="0"/>
+              </a:rPr>
+              <a:t>jdbcTemplate</a:t>
+            </a:r>
+            <a:r>
+              <a:rPr lang="pl-PL" dirty="0" smtClean="0">
+                <a:latin typeface="Courier New" panose="02070309020205020404" pitchFamily="49" charset="0"/>
+                <a:cs typeface="Courier New" panose="02070309020205020404" pitchFamily="49" charset="0"/>
+              </a:rPr>
+              <a:t> = </a:t>
+            </a:r>
+            <a:r>
+              <a:rPr lang="pl-PL" dirty="0" err="1" smtClean="0">
+                <a:latin typeface="Courier New" panose="02070309020205020404" pitchFamily="49" charset="0"/>
+                <a:cs typeface="Courier New" panose="02070309020205020404" pitchFamily="49" charset="0"/>
+              </a:rPr>
+              <a:t>new</a:t>
+            </a:r>
+            <a:r>
+              <a:rPr lang="pl-PL" dirty="0" smtClean="0">
+                <a:latin typeface="Courier New" panose="02070309020205020404" pitchFamily="49" charset="0"/>
+                <a:cs typeface="Courier New" panose="02070309020205020404" pitchFamily="49" charset="0"/>
+              </a:rPr>
+              <a:t> </a:t>
+            </a:r>
+            <a:r>
+              <a:rPr lang="pl-PL" dirty="0" err="1" smtClean="0">
+                <a:latin typeface="Courier New" panose="02070309020205020404" pitchFamily="49" charset="0"/>
+                <a:cs typeface="Courier New" panose="02070309020205020404" pitchFamily="49" charset="0"/>
+              </a:rPr>
+              <a:t>JdbcTemplate</a:t>
+            </a:r>
+            <a:r>
+              <a:rPr lang="pl-PL" dirty="0" smtClean="0">
+                <a:latin typeface="Courier New" panose="02070309020205020404" pitchFamily="49" charset="0"/>
+                <a:cs typeface="Courier New" panose="02070309020205020404" pitchFamily="49" charset="0"/>
+              </a:rPr>
+              <a:t>(</a:t>
+            </a:r>
+            <a:r>
+              <a:rPr lang="pl-PL" dirty="0" err="1" smtClean="0">
+                <a:latin typeface="Courier New" panose="02070309020205020404" pitchFamily="49" charset="0"/>
+                <a:cs typeface="Courier New" panose="02070309020205020404" pitchFamily="49" charset="0"/>
+              </a:rPr>
+              <a:t>datasource</a:t>
+            </a:r>
+            <a:r>
+              <a:rPr lang="pl-PL" dirty="0" smtClean="0">
+                <a:latin typeface="Courier New" panose="02070309020205020404" pitchFamily="49" charset="0"/>
+                <a:cs typeface="Courier New" panose="02070309020205020404" pitchFamily="49" charset="0"/>
+              </a:rPr>
+              <a:t>);</a:t>
+            </a:r>
+          </a:p>
+          <a:p>
+            <a:pPr marL="0" indent="0">
+              <a:buNone/>
+            </a:pPr>
+            <a:endParaRPr lang="pl-PL" dirty="0" smtClean="0">
+              <a:latin typeface="Courier New" panose="02070309020205020404" pitchFamily="49" charset="0"/>
+              <a:cs typeface="Courier New" panose="02070309020205020404" pitchFamily="49" charset="0"/>
+            </a:endParaRPr>
+          </a:p>
+          <a:p>
+            <a:pPr marL="0" indent="0">
+              <a:buNone/>
+            </a:pPr>
+            <a:r>
+              <a:rPr lang="pl-PL" dirty="0" smtClean="0">
+                <a:latin typeface="Courier New" panose="02070309020205020404" pitchFamily="49" charset="0"/>
+                <a:cs typeface="Courier New" panose="02070309020205020404" pitchFamily="49" charset="0"/>
+              </a:rPr>
+              <a:t>	</a:t>
+            </a:r>
+            <a:r>
+              <a:rPr lang="pl-PL" dirty="0" err="1" smtClean="0">
+                <a:latin typeface="Courier New" panose="02070309020205020404" pitchFamily="49" charset="0"/>
+                <a:cs typeface="Courier New" panose="02070309020205020404" pitchFamily="49" charset="0"/>
+              </a:rPr>
+              <a:t>jdbcTemplate.execute</a:t>
+            </a:r>
+            <a:r>
+              <a:rPr lang="pl-PL" dirty="0" smtClean="0">
+                <a:latin typeface="Courier New" panose="02070309020205020404" pitchFamily="49" charset="0"/>
+                <a:cs typeface="Courier New" panose="02070309020205020404" pitchFamily="49" charset="0"/>
+              </a:rPr>
+              <a:t>("CREATE TABLE Trade </a:t>
+            </a:r>
+            <a:r>
+              <a:rPr lang="en-US" dirty="0" smtClean="0">
+                <a:latin typeface="Courier New" panose="02070309020205020404" pitchFamily="49" charset="0"/>
+                <a:cs typeface="Courier New" panose="02070309020205020404" pitchFamily="49" charset="0"/>
+              </a:rPr>
+              <a:t>(id </a:t>
+            </a:r>
+            <a:r>
+              <a:rPr lang="en-US" dirty="0" smtClean="0">
+                <a:latin typeface="Courier New" panose="02070309020205020404" pitchFamily="49" charset="0"/>
+                <a:cs typeface="Courier New" panose="02070309020205020404" pitchFamily="49" charset="0"/>
+              </a:rPr>
+              <a:t>IDENTITY PRIMARY KEY </a:t>
+            </a:r>
+            <a:r>
+              <a:rPr lang="pl-PL" dirty="0" smtClean="0">
+                <a:latin typeface="Courier New" panose="02070309020205020404" pitchFamily="49" charset="0"/>
+                <a:cs typeface="Courier New" panose="02070309020205020404" pitchFamily="49" charset="0"/>
+              </a:rPr>
+              <a:t>	</a:t>
+            </a:r>
+            <a:r>
+              <a:rPr lang="en-US" dirty="0" smtClean="0">
+                <a:latin typeface="Courier New" panose="02070309020205020404" pitchFamily="49" charset="0"/>
+                <a:cs typeface="Courier New" panose="02070309020205020404" pitchFamily="49" charset="0"/>
+              </a:rPr>
+              <a:t>,asset </a:t>
+            </a:r>
+            <a:r>
+              <a:rPr lang="pl-PL" dirty="0" smtClean="0">
+                <a:latin typeface="Courier New" panose="02070309020205020404" pitchFamily="49" charset="0"/>
+                <a:cs typeface="Courier New" panose="02070309020205020404" pitchFamily="49" charset="0"/>
+              </a:rPr>
+              <a:t>V</a:t>
+            </a:r>
+            <a:r>
+              <a:rPr lang="en-US" dirty="0" smtClean="0">
+                <a:latin typeface="Courier New" panose="02070309020205020404" pitchFamily="49" charset="0"/>
+                <a:cs typeface="Courier New" panose="02070309020205020404" pitchFamily="49" charset="0"/>
+              </a:rPr>
+              <a:t>ARCHAR(50),</a:t>
+            </a:r>
+            <a:r>
+              <a:rPr lang="pl-PL" dirty="0" smtClean="0">
+                <a:latin typeface="Courier New" panose="02070309020205020404" pitchFamily="49" charset="0"/>
+                <a:cs typeface="Courier New" panose="02070309020205020404" pitchFamily="49" charset="0"/>
+              </a:rPr>
+              <a:t> </a:t>
+            </a:r>
+            <a:r>
+              <a:rPr lang="en-US" dirty="0" smtClean="0">
+                <a:latin typeface="Courier New" panose="02070309020205020404" pitchFamily="49" charset="0"/>
+                <a:cs typeface="Courier New" panose="02070309020205020404" pitchFamily="49" charset="0"/>
+              </a:rPr>
+              <a:t>amount DOUBLE,</a:t>
+            </a:r>
+            <a:r>
+              <a:rPr lang="pl-PL" dirty="0" smtClean="0">
+                <a:latin typeface="Courier New" panose="02070309020205020404" pitchFamily="49" charset="0"/>
+                <a:cs typeface="Courier New" panose="02070309020205020404" pitchFamily="49" charset="0"/>
+              </a:rPr>
+              <a:t> </a:t>
+            </a:r>
+            <a:r>
+              <a:rPr lang="en-US" dirty="0" smtClean="0">
+                <a:latin typeface="Courier New" panose="02070309020205020404" pitchFamily="49" charset="0"/>
+                <a:cs typeface="Courier New" panose="02070309020205020404" pitchFamily="49" charset="0"/>
+              </a:rPr>
+              <a:t>date </a:t>
+            </a:r>
+            <a:r>
+              <a:rPr lang="en-US" dirty="0" err="1" smtClean="0">
+                <a:latin typeface="Courier New" panose="02070309020205020404" pitchFamily="49" charset="0"/>
+                <a:cs typeface="Courier New" panose="02070309020205020404" pitchFamily="49" charset="0"/>
+              </a:rPr>
+              <a:t>DATE</a:t>
+            </a:r>
+            <a:r>
+              <a:rPr lang="en-US" dirty="0" smtClean="0">
+                <a:latin typeface="Courier New" panose="02070309020205020404" pitchFamily="49" charset="0"/>
+                <a:cs typeface="Courier New" panose="02070309020205020404" pitchFamily="49" charset="0"/>
+              </a:rPr>
+              <a:t>);</a:t>
+            </a:r>
+            <a:r>
+              <a:rPr lang="pl-PL" dirty="0" smtClean="0">
+                <a:latin typeface="Courier New" panose="02070309020205020404" pitchFamily="49" charset="0"/>
+                <a:cs typeface="Courier New" panose="02070309020205020404" pitchFamily="49" charset="0"/>
+              </a:rPr>
+              <a:t>");</a:t>
+            </a:r>
+          </a:p>
+          <a:p>
+            <a:pPr marL="0" indent="0">
+              <a:buNone/>
+            </a:pPr>
+            <a:r>
+              <a:rPr lang="pl-PL" dirty="0" smtClean="0">
+                <a:latin typeface="Courier New" panose="02070309020205020404" pitchFamily="49" charset="0"/>
+                <a:cs typeface="Courier New" panose="02070309020205020404" pitchFamily="49" charset="0"/>
+              </a:rPr>
+              <a:t>// ...</a:t>
+            </a:r>
+            <a:endParaRPr lang="pl-PL" dirty="0" smtClean="0">
+              <a:latin typeface="Courier New" panose="02070309020205020404" pitchFamily="49" charset="0"/>
+              <a:cs typeface="Courier New" panose="02070309020205020404" pitchFamily="49" charset="0"/>
+            </a:endParaRPr>
+          </a:p>
+        </p:txBody>
+      </p:sp>
+    </p:spTree>
+    <p:extLst>
+      <p:ext uri="{BB962C8B-B14F-4D97-AF65-F5344CB8AC3E}">
+        <p14:creationId xmlns:p14="http://schemas.microsoft.com/office/powerpoint/2010/main" xmlns="" val="3199221210"/>
+      </p:ext>
+    </p:extLst>
+  </p:cSld>
+  <p:clrMapOvr>
+    <a:masterClrMapping/>
+  </p:clrMapOvr>
+  <mc:AlternateContent xmlns:mc="http://schemas.openxmlformats.org/markup-compatibility/2006">
+    <mc:Choice xmlns:p14="http://schemas.microsoft.com/office/powerpoint/2010/main" xmlns="" Requires="p14">
+      <p:transition p14:dur="10"/>
+    </mc:Choice>
+    <mc:Fallback>
+      <p:transition/>
+    </mc:Fallback>
+  </mc:AlternateContent>
+  <p:timing>
+    <p:tnLst>
+      <p:par>
+        <p:cTn id="1" dur="indefinite" restart="never" nodeType="tmRoot"/>
+      </p:par>
+    </p:tnLst>
+  </p:timing>
+</p:sld>
+</file>
+
+<file path=ppt/slides/slide26.xml><?xml version="1.0" encoding="utf-8"?>
+<p:sld xmlns:a="http://schemas.openxmlformats.org/drawingml/2006/main" xmlns:r="http://schemas.openxmlformats.org/officeDocument/2006/relationships" xmlns:p="http://schemas.openxmlformats.org/presentationml/2006/main">
+  <p:cSld>
+    <p:spTree>
+      <p:nvGrpSpPr>
+        <p:cNvPr id="1" name=""/>
+        <p:cNvGrpSpPr/>
+        <p:nvPr/>
+      </p:nvGrpSpPr>
+      <p:grpSpPr>
+        <a:xfrm>
+          <a:off x="0" y="0"/>
+          <a:ext cx="0" cy="0"/>
+          <a:chOff x="0" y="0"/>
+          <a:chExt cx="0" cy="0"/>
+        </a:xfrm>
+      </p:grpSpPr>
+      <p:sp>
+        <p:nvSpPr>
+          <p:cNvPr id="7" name="Titel 6"/>
+          <p:cNvSpPr>
+            <a:spLocks noGrp="1"/>
+          </p:cNvSpPr>
+          <p:nvPr>
+            <p:ph type="title"/>
+          </p:nvPr>
+        </p:nvSpPr>
+        <p:spPr/>
+        <p:txBody>
+          <a:bodyPr/>
+          <a:lstStyle/>
+          <a:p>
+            <a:r>
+              <a:rPr lang="pl-PL" dirty="0" smtClean="0"/>
+              <a:t>Opis ćwiczenia</a:t>
+            </a:r>
+            <a:endParaRPr lang="de-DE" dirty="0"/>
+          </a:p>
+        </p:txBody>
+      </p:sp>
+      <p:sp>
+        <p:nvSpPr>
+          <p:cNvPr id="5" name="Inhaltsplatzhalter 4"/>
+          <p:cNvSpPr>
+            <a:spLocks noGrp="1"/>
+          </p:cNvSpPr>
+          <p:nvPr>
+            <p:ph type="body" sz="quarter" idx="13"/>
+          </p:nvPr>
+        </p:nvSpPr>
+        <p:spPr/>
+        <p:txBody>
+          <a:bodyPr/>
+          <a:lstStyle/>
+          <a:p>
+            <a:r>
+              <a:rPr lang="pl-PL" dirty="0" smtClean="0"/>
+              <a:t>ĆWICZENIE 5</a:t>
+            </a:r>
+            <a:endParaRPr lang="de-DE" dirty="0"/>
+          </a:p>
+        </p:txBody>
+      </p:sp>
+      <p:sp>
+        <p:nvSpPr>
+          <p:cNvPr id="6" name="Symbol zastępczy zawartości 1"/>
+          <p:cNvSpPr>
+            <a:spLocks noGrp="1"/>
+          </p:cNvSpPr>
+          <p:nvPr>
+            <p:ph idx="1"/>
+          </p:nvPr>
+        </p:nvSpPr>
+        <p:spPr>
+          <a:xfrm>
+            <a:off x="443707" y="1119187"/>
+            <a:ext cx="8023887" cy="3362325"/>
+          </a:xfrm>
+        </p:spPr>
+        <p:txBody>
+          <a:bodyPr>
+            <a:normAutofit/>
+          </a:bodyPr>
+          <a:lstStyle/>
+          <a:p>
+            <a:r>
+              <a:rPr lang="pl-PL" dirty="0"/>
+              <a:t>Repozytorium:</a:t>
+            </a:r>
+          </a:p>
+          <a:p>
+            <a:pPr lvl="1"/>
+            <a:r>
+              <a:rPr lang="pl-PL" dirty="0" smtClean="0">
+                <a:hlinkClick r:id="rId3"/>
+              </a:rPr>
+              <a:t>https://github.com/m-kolodziejski/exercise5</a:t>
+            </a:r>
+            <a:endParaRPr lang="pl-PL" dirty="0" smtClean="0"/>
+          </a:p>
+          <a:p>
+            <a:endParaRPr lang="pl-PL" dirty="0" smtClean="0"/>
+          </a:p>
+          <a:p>
+            <a:r>
+              <a:rPr lang="pl-PL" dirty="0" smtClean="0"/>
+              <a:t>W </a:t>
+            </a:r>
+            <a:r>
+              <a:rPr lang="pl-PL" dirty="0" err="1" smtClean="0"/>
+              <a:t>branchu</a:t>
+            </a:r>
+            <a:r>
+              <a:rPr lang="pl-PL" dirty="0" smtClean="0"/>
+              <a:t> (</a:t>
+            </a:r>
+            <a:r>
+              <a:rPr lang="pl-PL" dirty="0" err="1" smtClean="0"/>
+              <a:t>jdbcTemplate</a:t>
+            </a:r>
+            <a:r>
+              <a:rPr lang="pl-PL" dirty="0" smtClean="0"/>
+              <a:t>) znajduje się zestaw testów jednostkowych oraz klasa z metodami do zaimplementowanie z użyciem </a:t>
+            </a:r>
+            <a:r>
+              <a:rPr lang="pl-PL" dirty="0" err="1" smtClean="0"/>
+              <a:t>JdbcTemplate</a:t>
+            </a:r>
+            <a:r>
+              <a:rPr lang="pl-PL" dirty="0" smtClean="0"/>
+              <a:t>.</a:t>
+            </a:r>
+          </a:p>
+          <a:p>
+            <a:pPr lvl="1"/>
+            <a:r>
+              <a:rPr lang="pl-PL" dirty="0" smtClean="0"/>
+              <a:t>Po uruchomieniu testów (</a:t>
+            </a:r>
+            <a:r>
+              <a:rPr lang="pl-PL" dirty="0" err="1" smtClean="0"/>
+              <a:t>gradlew</a:t>
+            </a:r>
+            <a:r>
+              <a:rPr lang="pl-PL" dirty="0" smtClean="0"/>
+              <a:t> test) zostanie utworzona baza danych HSQL typu </a:t>
+            </a:r>
+            <a:r>
+              <a:rPr lang="pl-PL" b="1" dirty="0" err="1" smtClean="0"/>
+              <a:t>embedded</a:t>
+            </a:r>
+            <a:endParaRPr lang="pl-PL" b="1" dirty="0" smtClean="0"/>
+          </a:p>
+          <a:p>
+            <a:r>
+              <a:rPr lang="pl-PL" dirty="0" smtClean="0"/>
+              <a:t>Zaimplementuj metody klasy wdsr\exercise5\dao\TradeDao.java aby testy jednostkowe przechodziły pozytywnie.</a:t>
+            </a:r>
+          </a:p>
+          <a:p>
+            <a:pPr lvl="1"/>
+            <a:r>
+              <a:rPr lang="pl-PL" dirty="0" smtClean="0"/>
+              <a:t>Wykorzystaj przekazany do klasy przy pomocy adnotacji @</a:t>
+            </a:r>
+            <a:r>
+              <a:rPr lang="pl-PL" dirty="0" err="1" smtClean="0"/>
+              <a:t>Autowired</a:t>
+            </a:r>
+            <a:r>
+              <a:rPr lang="pl-PL" dirty="0" smtClean="0"/>
+              <a:t> obiekt </a:t>
+            </a:r>
+            <a:r>
+              <a:rPr lang="pl-PL" dirty="0" err="1" smtClean="0"/>
+              <a:t>JdbcTemplate</a:t>
+            </a:r>
+            <a:r>
+              <a:rPr lang="pl-PL" dirty="0" smtClean="0"/>
+              <a:t>.</a:t>
+            </a:r>
+          </a:p>
+          <a:p>
+            <a:pPr lvl="1"/>
+            <a:r>
+              <a:rPr lang="pl-PL" dirty="0" smtClean="0"/>
+              <a:t>Strukturę bazy znajdziesz w pliku /test/resources/</a:t>
+            </a:r>
+            <a:r>
+              <a:rPr lang="pl-PL" dirty="0" err="1" smtClean="0"/>
+              <a:t>embedded_db</a:t>
+            </a:r>
+            <a:r>
+              <a:rPr lang="pl-PL" dirty="0" smtClean="0"/>
+              <a:t>/</a:t>
+            </a:r>
+            <a:r>
+              <a:rPr lang="pl-PL" dirty="0" err="1" smtClean="0"/>
+              <a:t>create-db.sql</a:t>
+            </a:r>
+            <a:endParaRPr lang="pl-PL" dirty="0" smtClean="0"/>
+          </a:p>
+          <a:p>
+            <a:pPr lvl="1"/>
+            <a:r>
+              <a:rPr lang="pl-PL" dirty="0" smtClean="0"/>
+              <a:t>Początkową zawartość bazy danych znajdziesz w pliku /test/resources/</a:t>
+            </a:r>
+            <a:r>
+              <a:rPr lang="pl-PL" dirty="0" err="1" smtClean="0"/>
+              <a:t>embedded_db</a:t>
+            </a:r>
+            <a:r>
+              <a:rPr lang="pl-PL" dirty="0" smtClean="0"/>
+              <a:t>/</a:t>
+            </a:r>
+            <a:r>
+              <a:rPr lang="pl-PL" dirty="0" err="1" smtClean="0"/>
+              <a:t>insert-data.sql</a:t>
+            </a:r>
+            <a:endParaRPr lang="pl-PL" dirty="0" smtClean="0"/>
+          </a:p>
+          <a:p>
+            <a:pPr lvl="1"/>
+            <a:endParaRPr lang="pl-PL" dirty="0"/>
+          </a:p>
+        </p:txBody>
+      </p:sp>
+      <p:sp>
+        <p:nvSpPr>
+          <p:cNvPr id="8" name="pole tekstowe 7"/>
+          <p:cNvSpPr txBox="1"/>
+          <p:nvPr/>
+        </p:nvSpPr>
+        <p:spPr bwMode="auto">
+          <a:xfrm>
+            <a:off x="443707" y="4337616"/>
+            <a:ext cx="6751848" cy="518091"/>
+          </a:xfrm>
+          <a:prstGeom prst="rect">
+            <a:avLst/>
+          </a:prstGeom>
+          <a:noFill/>
+          <a:ln w="9525">
+            <a:noFill/>
+            <a:miter lim="800000"/>
+            <a:headEnd/>
+            <a:tailEnd/>
+          </a:ln>
+        </p:spPr>
+        <p:txBody>
+          <a:bodyPr wrap="none" lIns="0" tIns="0" rIns="0" bIns="0" rtlCol="0">
+            <a:spAutoFit/>
+          </a:bodyPr>
+          <a:lstStyle/>
+          <a:p>
+            <a:pPr>
+              <a:spcBef>
+                <a:spcPts val="100"/>
+              </a:spcBef>
+              <a:spcAft>
+                <a:spcPts val="100"/>
+              </a:spcAft>
+            </a:pPr>
+            <a:r>
+              <a:rPr lang="pl-PL" sz="1600" b="1" dirty="0" smtClean="0">
+                <a:solidFill>
+                  <a:srgbClr val="00B050"/>
+                </a:solidFill>
+              </a:rPr>
+              <a:t>Ostateczny termin zaliczenia ćwiczenia: wtorek 30 maja</a:t>
+            </a:r>
+          </a:p>
+          <a:p>
+            <a:pPr>
+              <a:spcBef>
+                <a:spcPts val="100"/>
+              </a:spcBef>
+              <a:spcAft>
+                <a:spcPts val="100"/>
+              </a:spcAft>
+            </a:pPr>
+            <a:r>
+              <a:rPr lang="pl-PL" sz="1600" b="1" dirty="0" smtClean="0">
+                <a:solidFill>
+                  <a:srgbClr val="00B050"/>
+                </a:solidFill>
+              </a:rPr>
+              <a:t>Rozwiązania dostarczone później nie będą uwzględniane (0 punktów)</a:t>
+            </a:r>
+            <a:endParaRPr lang="pl-PL" sz="1600" b="1" dirty="0">
+              <a:solidFill>
+                <a:srgbClr val="00B050"/>
+              </a:solidFill>
+            </a:endParaRPr>
+          </a:p>
+        </p:txBody>
+      </p:sp>
+    </p:spTree>
+    <p:extLst>
+      <p:ext uri="{BB962C8B-B14F-4D97-AF65-F5344CB8AC3E}">
+        <p14:creationId xmlns:p14="http://schemas.microsoft.com/office/powerpoint/2010/main" xmlns="" val="3199221210"/>
+      </p:ext>
+    </p:extLst>
+  </p:cSld>
+  <p:clrMapOvr>
+    <a:masterClrMapping/>
+  </p:clrMapOvr>
+  <mc:AlternateContent xmlns:mc="http://schemas.openxmlformats.org/markup-compatibility/2006">
+    <mc:Choice xmlns:p14="http://schemas.microsoft.com/office/powerpoint/2010/main" xmlns="" Requires="p14">
+      <p:transition p14:dur="10"/>
+    </mc:Choice>
+    <mc:Fallback>
+      <p:transition/>
+    </mc:Fallback>
+  </mc:AlternateContent>
+  <p:timing>
+    <p:tnLst>
+      <p:par>
+        <p:cTn id="1" dur="indefinite" restart="never" nodeType="tmRoot">
+          <p:childTnLst>
+            <p:seq concurrent="1" nextAc="seek">
+              <p:cTn id="2" dur="indefinite" nodeType="mainSeq">
+                <p:childTnLst>
+                  <p:par>
+                    <p:cTn id="3" fill="hold">
+                      <p:stCondLst>
+                        <p:cond delay="indefinite"/>
+                      </p:stCondLst>
+                      <p:childTnLst>
+                        <p:par>
+                          <p:cTn id="4" fill="hold">
+                            <p:stCondLst>
+                              <p:cond delay="0"/>
+                            </p:stCondLst>
+                            <p:childTnLst>
+                              <p:par>
+                                <p:cTn id="5" presetID="1" presetClass="entr" presetSubtype="0" fill="hold" nodeType="clickEffect">
+                                  <p:stCondLst>
+                                    <p:cond delay="0"/>
+                                  </p:stCondLst>
+                                  <p:childTnLst>
+                                    <p:set>
+                                      <p:cBhvr>
+                                        <p:cTn id="6" dur="1" fill="hold">
+                                          <p:stCondLst>
+                                            <p:cond delay="0"/>
+                                          </p:stCondLst>
+                                        </p:cTn>
+                                        <p:tgtEl>
+                                          <p:spTgt spid="6">
+                                            <p:txEl>
+                                              <p:pRg st="0" end="0"/>
+                                            </p:txEl>
+                                          </p:spTgt>
+                                        </p:tgtEl>
+                                        <p:attrNameLst>
+                                          <p:attrName>style.visibility</p:attrName>
+                                        </p:attrNameLst>
+                                      </p:cBhvr>
+                                      <p:to>
+                                        <p:strVal val="visible"/>
+                                      </p:to>
+                                    </p:set>
+                                  </p:childTnLst>
+                                </p:cTn>
+                              </p:par>
+                            </p:childTnLst>
+                          </p:cTn>
+                        </p:par>
+                      </p:childTnLst>
+                    </p:cTn>
+                  </p:par>
+                  <p:par>
+                    <p:cTn id="7" fill="hold">
+                      <p:stCondLst>
+                        <p:cond delay="indefinite"/>
+                      </p:stCondLst>
+                      <p:childTnLst>
+                        <p:par>
+                          <p:cTn id="8" fill="hold">
+                            <p:stCondLst>
+                              <p:cond delay="0"/>
+                            </p:stCondLst>
+                            <p:childTnLst>
+                              <p:par>
+                                <p:cTn id="9" presetID="1" presetClass="entr" presetSubtype="0" fill="hold" nodeType="clickEffect">
+                                  <p:stCondLst>
+                                    <p:cond delay="0"/>
+                                  </p:stCondLst>
+                                  <p:childTnLst>
+                                    <p:set>
+                                      <p:cBhvr>
+                                        <p:cTn id="10" dur="1" fill="hold">
+                                          <p:stCondLst>
+                                            <p:cond delay="0"/>
+                                          </p:stCondLst>
+                                        </p:cTn>
+                                        <p:tgtEl>
+                                          <p:spTgt spid="6">
+                                            <p:txEl>
+                                              <p:pRg st="1" end="1"/>
+                                            </p:txEl>
+                                          </p:spTgt>
+                                        </p:tgtEl>
+                                        <p:attrNameLst>
+                                          <p:attrName>style.visibility</p:attrName>
+                                        </p:attrNameLst>
+                                      </p:cBhvr>
+                                      <p:to>
+                                        <p:strVal val="visible"/>
+                                      </p:to>
+                                    </p:set>
+                                  </p:childTnLst>
+                                </p:cTn>
+                              </p:par>
+                            </p:childTnLst>
+                          </p:cTn>
+                        </p:par>
+                      </p:childTnLst>
+                    </p:cTn>
+                  </p:par>
+                  <p:par>
+                    <p:cTn id="11" fill="hold">
+                      <p:stCondLst>
+                        <p:cond delay="indefinite"/>
+                      </p:stCondLst>
+                      <p:childTnLst>
+                        <p:par>
+                          <p:cTn id="12" fill="hold">
+                            <p:stCondLst>
+                              <p:cond delay="0"/>
+                            </p:stCondLst>
+                            <p:childTnLst>
+                              <p:par>
+                                <p:cTn id="13" presetID="1" presetClass="entr" presetSubtype="0" fill="hold" nodeType="clickEffect">
+                                  <p:stCondLst>
+                                    <p:cond delay="0"/>
+                                  </p:stCondLst>
+                                  <p:childTnLst>
+                                    <p:set>
+                                      <p:cBhvr>
+                                        <p:cTn id="14" dur="1" fill="hold">
+                                          <p:stCondLst>
+                                            <p:cond delay="0"/>
+                                          </p:stCondLst>
+                                        </p:cTn>
+                                        <p:tgtEl>
+                                          <p:spTgt spid="6">
+                                            <p:txEl>
+                                              <p:pRg st="3" end="3"/>
+                                            </p:txEl>
+                                          </p:spTgt>
+                                        </p:tgtEl>
+                                        <p:attrNameLst>
+                                          <p:attrName>style.visibility</p:attrName>
+                                        </p:attrNameLst>
+                                      </p:cBhvr>
+                                      <p:to>
+                                        <p:strVal val="visible"/>
+                                      </p:to>
+                                    </p:set>
+                                  </p:childTnLst>
+                                </p:cTn>
+                              </p:par>
+                              <p:par>
+                                <p:cTn id="15" presetID="1" presetClass="entr" presetSubtype="0" fill="hold" nodeType="withEffect">
+                                  <p:stCondLst>
+                                    <p:cond delay="0"/>
+                                  </p:stCondLst>
+                                  <p:childTnLst>
+                                    <p:set>
+                                      <p:cBhvr>
+                                        <p:cTn id="16" dur="1" fill="hold">
+                                          <p:stCondLst>
+                                            <p:cond delay="0"/>
+                                          </p:stCondLst>
+                                        </p:cTn>
+                                        <p:tgtEl>
+                                          <p:spTgt spid="6">
+                                            <p:txEl>
+                                              <p:pRg st="4" end="4"/>
+                                            </p:txEl>
+                                          </p:spTgt>
+                                        </p:tgtEl>
+                                        <p:attrNameLst>
+                                          <p:attrName>style.visibility</p:attrName>
+                                        </p:attrNameLst>
+                                      </p:cBhvr>
+                                      <p:to>
+                                        <p:strVal val="visible"/>
+                                      </p:to>
+                                    </p:set>
+                                  </p:childTnLst>
+                                </p:cTn>
+                              </p:par>
+                              <p:par>
+                                <p:cTn id="17" presetID="1" presetClass="entr" presetSubtype="0" fill="hold" nodeType="withEffect">
+                                  <p:stCondLst>
+                                    <p:cond delay="0"/>
+                                  </p:stCondLst>
+                                  <p:childTnLst>
+                                    <p:set>
+                                      <p:cBhvr>
+                                        <p:cTn id="18" dur="1" fill="hold">
+                                          <p:stCondLst>
+                                            <p:cond delay="0"/>
+                                          </p:stCondLst>
+                                        </p:cTn>
+                                        <p:tgtEl>
+                                          <p:spTgt spid="6">
+                                            <p:txEl>
+                                              <p:pRg st="5" end="5"/>
+                                            </p:txEl>
+                                          </p:spTgt>
+                                        </p:tgtEl>
+                                        <p:attrNameLst>
+                                          <p:attrName>style.visibility</p:attrName>
+                                        </p:attrNameLst>
+                                      </p:cBhvr>
+                                      <p:to>
+                                        <p:strVal val="visible"/>
+                                      </p:to>
+                                    </p:set>
+                                  </p:childTnLst>
+                                </p:cTn>
+                              </p:par>
+                              <p:par>
+                                <p:cTn id="19" presetID="1" presetClass="entr" presetSubtype="0" fill="hold" nodeType="withEffect">
+                                  <p:stCondLst>
+                                    <p:cond delay="0"/>
+                                  </p:stCondLst>
+                                  <p:childTnLst>
+                                    <p:set>
+                                      <p:cBhvr>
+                                        <p:cTn id="20" dur="1" fill="hold">
+                                          <p:stCondLst>
+                                            <p:cond delay="0"/>
+                                          </p:stCondLst>
+                                        </p:cTn>
+                                        <p:tgtEl>
+                                          <p:spTgt spid="6">
+                                            <p:txEl>
+                                              <p:pRg st="6" end="6"/>
+                                            </p:txEl>
+                                          </p:spTgt>
+                                        </p:tgtEl>
+                                        <p:attrNameLst>
+                                          <p:attrName>style.visibility</p:attrName>
+                                        </p:attrNameLst>
+                                      </p:cBhvr>
+                                      <p:to>
+                                        <p:strVal val="visible"/>
+                                      </p:to>
+                                    </p:set>
+                                  </p:childTnLst>
+                                </p:cTn>
+                              </p:par>
+                              <p:par>
+                                <p:cTn id="21" presetID="1" presetClass="entr" presetSubtype="0" fill="hold" nodeType="withEffect">
+                                  <p:stCondLst>
+                                    <p:cond delay="0"/>
+                                  </p:stCondLst>
+                                  <p:childTnLst>
+                                    <p:set>
+                                      <p:cBhvr>
+                                        <p:cTn id="22" dur="1" fill="hold">
+                                          <p:stCondLst>
+                                            <p:cond delay="0"/>
+                                          </p:stCondLst>
+                                        </p:cTn>
+                                        <p:tgtEl>
+                                          <p:spTgt spid="6">
+                                            <p:txEl>
+                                              <p:pRg st="7" end="7"/>
+                                            </p:txEl>
+                                          </p:spTgt>
+                                        </p:tgtEl>
+                                        <p:attrNameLst>
+                                          <p:attrName>style.visibility</p:attrName>
+                                        </p:attrNameLst>
+                                      </p:cBhvr>
+                                      <p:to>
+                                        <p:strVal val="visible"/>
+                                      </p:to>
+                                    </p:set>
+                                  </p:childTnLst>
+                                </p:cTn>
+                              </p:par>
+                              <p:par>
+                                <p:cTn id="23" presetID="1" presetClass="entr" presetSubtype="0" fill="hold" nodeType="withEffect">
+                                  <p:stCondLst>
+                                    <p:cond delay="0"/>
+                                  </p:stCondLst>
+                                  <p:childTnLst>
+                                    <p:set>
+                                      <p:cBhvr>
+                                        <p:cTn id="24" dur="1" fill="hold">
+                                          <p:stCondLst>
+                                            <p:cond delay="0"/>
+                                          </p:stCondLst>
+                                        </p:cTn>
+                                        <p:tgtEl>
+                                          <p:spTgt spid="6">
+                                            <p:txEl>
+                                              <p:pRg st="8" end="8"/>
+                                            </p:txEl>
+                                          </p:spTgt>
+                                        </p:tgtEl>
+                                        <p:attrNameLst>
+                                          <p:attrName>style.visibility</p:attrName>
+                                        </p:attrNameLst>
+                                      </p:cBhvr>
+                                      <p:to>
+                                        <p:strVal val="visible"/>
+                                      </p:to>
+                                    </p:set>
+                                  </p:childTnLst>
+                                </p:cTn>
+                              </p:par>
+                            </p:childTnLst>
+                          </p:cTn>
+                        </p:par>
+                      </p:childTnLst>
+                    </p:cTn>
+                  </p:par>
+                </p:childTnLst>
+              </p:cTn>
+              <p:prevCondLst>
+                <p:cond evt="onPrev" delay="0">
+                  <p:tgtEl>
+                    <p:sldTgt/>
+                  </p:tgtEl>
+                </p:cond>
+              </p:prevCondLst>
+              <p:nextCondLst>
+                <p:cond evt="onNext" delay="0">
+                  <p:tgtEl>
+                    <p:sldTgt/>
+                  </p:tgtEl>
+                </p:cond>
+              </p:nextCondLst>
+            </p:seq>
+          </p:childTnLst>
+        </p:cTn>
+      </p:par>
+    </p:tnLst>
+  </p:timing>
+</p:sld>
+</file>
+
+<file path=ppt/slides/slide27.xml><?xml version="1.0" encoding="utf-8"?>
 <p:sld xmlns:a="http://schemas.openxmlformats.org/drawingml/2006/main" xmlns:r="http://schemas.openxmlformats.org/officeDocument/2006/relationships" xmlns:p="http://schemas.openxmlformats.org/presentationml/2006/main">
   <p:cSld>
     <p:spTree>
